--- a/interfacce.pptx
+++ b/interfacce.pptx
@@ -113,7 +113,16 @@
       </a:defRPr>
     </a:lvl9pPr>
   </p:defaultTextStyle>
+  <p:extLst>
+    <p:ext uri="{EFAFB233-063F-42B5-8137-9DF3F51BA10A}">
+      <p15:sldGuideLst xmlns:p15="http://schemas.microsoft.com/office/powerpoint/2012/main"/>
+    </p:ext>
+  </p:extLst>
 </p:presentation>
+</file>
+
+<file path=ppt/revisionInfo.xml><?xml version="1.0" encoding="utf-8"?>
+<p1510:revInfo xmlns:a="http://schemas.openxmlformats.org/drawingml/2006/main" xmlns:r="http://schemas.openxmlformats.org/officeDocument/2006/relationships" xmlns:p1510="http://schemas.microsoft.com/office/powerpoint/2015/10/main"/>
 </file>
 
 <file path=ppt/slideLayouts/slideLayout1.xml><?xml version="1.0" encoding="utf-8"?>
@@ -7464,7 +7473,7 @@
         <p:spPr>
           <a:xfrm>
             <a:off x="6120714" y="1359243"/>
-            <a:ext cx="5058032" cy="2031325"/>
+            <a:ext cx="5058032" cy="2585323"/>
           </a:xfrm>
           <a:prstGeom prst="rect">
             <a:avLst/>
@@ -7525,6 +7534,20 @@
             <a:r>
               <a:rPr lang="it-IT" dirty="0"/>
               <a:t> con B o Y (tieni premuto, mira, rilascia).</a:t>
+            </a:r>
+          </a:p>
+          <a:p>
+            <a:r>
+              <a:rPr lang="it-IT" dirty="0"/>
+              <a:t>Premendo l’analogico, si tira fuori la tastiera (per </a:t>
+            </a:r>
+            <a:r>
+              <a:rPr lang="it-IT" dirty="0" err="1"/>
+              <a:t>semplicita’</a:t>
+            </a:r>
+            <a:r>
+              <a:rPr lang="it-IT" dirty="0"/>
+              <a:t>, solo una).</a:t>
             </a:r>
           </a:p>
         </p:txBody>

--- a/interfacce.pptx
+++ b/interfacce.pptx
@@ -15,6 +15,7 @@
     <p:sldId id="263" r:id="rId9"/>
     <p:sldId id="264" r:id="rId10"/>
     <p:sldId id="265" r:id="rId11"/>
+    <p:sldId id="266" r:id="rId12"/>
   </p:sldIdLst>
   <p:sldSz cx="12192000" cy="6858000"/>
   <p:notesSz cx="6858000" cy="9144000"/>
@@ -274,7 +275,7 @@
           <a:p>
             <a:fld id="{220F67BA-9CF1-48B0-BA9D-7DB2A7FE6C8C}" type="datetimeFigureOut">
               <a:rPr lang="it-IT" smtClean="0"/>
-              <a:t>05/08/2017</a:t>
+              <a:t>08/08/2017</a:t>
             </a:fld>
             <a:endParaRPr lang="it-IT"/>
           </a:p>
@@ -474,7 +475,7 @@
           <a:p>
             <a:fld id="{220F67BA-9CF1-48B0-BA9D-7DB2A7FE6C8C}" type="datetimeFigureOut">
               <a:rPr lang="it-IT" smtClean="0"/>
-              <a:t>05/08/2017</a:t>
+              <a:t>08/08/2017</a:t>
             </a:fld>
             <a:endParaRPr lang="it-IT"/>
           </a:p>
@@ -684,7 +685,7 @@
           <a:p>
             <a:fld id="{220F67BA-9CF1-48B0-BA9D-7DB2A7FE6C8C}" type="datetimeFigureOut">
               <a:rPr lang="it-IT" smtClean="0"/>
-              <a:t>05/08/2017</a:t>
+              <a:t>08/08/2017</a:t>
             </a:fld>
             <a:endParaRPr lang="it-IT"/>
           </a:p>
@@ -884,7 +885,7 @@
           <a:p>
             <a:fld id="{220F67BA-9CF1-48B0-BA9D-7DB2A7FE6C8C}" type="datetimeFigureOut">
               <a:rPr lang="it-IT" smtClean="0"/>
-              <a:t>05/08/2017</a:t>
+              <a:t>08/08/2017</a:t>
             </a:fld>
             <a:endParaRPr lang="it-IT"/>
           </a:p>
@@ -1160,7 +1161,7 @@
           <a:p>
             <a:fld id="{220F67BA-9CF1-48B0-BA9D-7DB2A7FE6C8C}" type="datetimeFigureOut">
               <a:rPr lang="it-IT" smtClean="0"/>
-              <a:t>05/08/2017</a:t>
+              <a:t>08/08/2017</a:t>
             </a:fld>
             <a:endParaRPr lang="it-IT"/>
           </a:p>
@@ -1428,7 +1429,7 @@
           <a:p>
             <a:fld id="{220F67BA-9CF1-48B0-BA9D-7DB2A7FE6C8C}" type="datetimeFigureOut">
               <a:rPr lang="it-IT" smtClean="0"/>
-              <a:t>05/08/2017</a:t>
+              <a:t>08/08/2017</a:t>
             </a:fld>
             <a:endParaRPr lang="it-IT"/>
           </a:p>
@@ -1843,7 +1844,7 @@
           <a:p>
             <a:fld id="{220F67BA-9CF1-48B0-BA9D-7DB2A7FE6C8C}" type="datetimeFigureOut">
               <a:rPr lang="it-IT" smtClean="0"/>
-              <a:t>05/08/2017</a:t>
+              <a:t>08/08/2017</a:t>
             </a:fld>
             <a:endParaRPr lang="it-IT"/>
           </a:p>
@@ -1985,7 +1986,7 @@
           <a:p>
             <a:fld id="{220F67BA-9CF1-48B0-BA9D-7DB2A7FE6C8C}" type="datetimeFigureOut">
               <a:rPr lang="it-IT" smtClean="0"/>
-              <a:t>05/08/2017</a:t>
+              <a:t>08/08/2017</a:t>
             </a:fld>
             <a:endParaRPr lang="it-IT"/>
           </a:p>
@@ -2098,7 +2099,7 @@
           <a:p>
             <a:fld id="{220F67BA-9CF1-48B0-BA9D-7DB2A7FE6C8C}" type="datetimeFigureOut">
               <a:rPr lang="it-IT" smtClean="0"/>
-              <a:t>05/08/2017</a:t>
+              <a:t>08/08/2017</a:t>
             </a:fld>
             <a:endParaRPr lang="it-IT"/>
           </a:p>
@@ -2411,7 +2412,7 @@
           <a:p>
             <a:fld id="{220F67BA-9CF1-48B0-BA9D-7DB2A7FE6C8C}" type="datetimeFigureOut">
               <a:rPr lang="it-IT" smtClean="0"/>
-              <a:t>05/08/2017</a:t>
+              <a:t>08/08/2017</a:t>
             </a:fld>
             <a:endParaRPr lang="it-IT"/>
           </a:p>
@@ -2700,7 +2701,7 @@
           <a:p>
             <a:fld id="{220F67BA-9CF1-48B0-BA9D-7DB2A7FE6C8C}" type="datetimeFigureOut">
               <a:rPr lang="it-IT" smtClean="0"/>
-              <a:t>05/08/2017</a:t>
+              <a:t>08/08/2017</a:t>
             </a:fld>
             <a:endParaRPr lang="it-IT"/>
           </a:p>
@@ -2943,7 +2944,7 @@
           <a:p>
             <a:fld id="{220F67BA-9CF1-48B0-BA9D-7DB2A7FE6C8C}" type="datetimeFigureOut">
               <a:rPr lang="it-IT" smtClean="0"/>
-              <a:t>05/08/2017</a:t>
+              <a:t>08/08/2017</a:t>
             </a:fld>
             <a:endParaRPr lang="it-IT"/>
           </a:p>
@@ -4024,6 +4025,273 @@
 </p:sld>
 </file>
 
+<file path=ppt/slides/slide11.xml><?xml version="1.0" encoding="utf-8"?>
+<p:sld xmlns:a="http://schemas.openxmlformats.org/drawingml/2006/main" xmlns:r="http://schemas.openxmlformats.org/officeDocument/2006/relationships" xmlns:p="http://schemas.openxmlformats.org/presentationml/2006/main">
+  <p:cSld>
+    <p:spTree>
+      <p:nvGrpSpPr>
+        <p:cNvPr id="1" name=""/>
+        <p:cNvGrpSpPr/>
+        <p:nvPr/>
+      </p:nvGrpSpPr>
+      <p:grpSpPr>
+        <a:xfrm>
+          <a:off x="0" y="0"/>
+          <a:ext cx="0" cy="0"/>
+          <a:chOff x="0" y="0"/>
+          <a:chExt cx="0" cy="0"/>
+        </a:xfrm>
+      </p:grpSpPr>
+      <p:sp>
+        <p:nvSpPr>
+          <p:cNvPr id="3" name="Rectangle 2">
+            <a:extLst>
+              <a:ext uri="{FF2B5EF4-FFF2-40B4-BE49-F238E27FC236}">
+                <a16:creationId xmlns:a16="http://schemas.microsoft.com/office/drawing/2014/main" id="{97FB73AA-55D1-4E50-9AD6-E042E94F7664}"/>
+              </a:ext>
+            </a:extLst>
+          </p:cNvPr>
+          <p:cNvSpPr/>
+          <p:nvPr/>
+        </p:nvSpPr>
+        <p:spPr>
+          <a:xfrm>
+            <a:off x="2125934" y="2886055"/>
+            <a:ext cx="7952786" cy="923330"/>
+          </a:xfrm>
+          <a:prstGeom prst="rect">
+            <a:avLst/>
+          </a:prstGeom>
+          <a:noFill/>
+        </p:spPr>
+        <p:txBody>
+          <a:bodyPr wrap="square" lIns="91440" tIns="45720" rIns="91440" bIns="45720">
+            <a:spAutoFit/>
+          </a:bodyPr>
+          <a:lstStyle/>
+          <a:p>
+            <a:pPr algn="ctr"/>
+            <a:r>
+              <a:rPr lang="en-US" sz="5400" spc="2300" dirty="0">
+                <a:ln w="0">
+                  <a:noFill/>
+                </a:ln>
+                <a:latin typeface="Lucida Console" panose="020B0609040504020204" pitchFamily="49" charset="0"/>
+              </a:rPr>
+              <a:t>1234657890</a:t>
+            </a:r>
+          </a:p>
+        </p:txBody>
+      </p:sp>
+      <p:sp>
+        <p:nvSpPr>
+          <p:cNvPr id="4" name="Rectangle 3">
+            <a:extLst>
+              <a:ext uri="{FF2B5EF4-FFF2-40B4-BE49-F238E27FC236}">
+                <a16:creationId xmlns:a16="http://schemas.microsoft.com/office/drawing/2014/main" id="{CCFA68DA-6C63-48ED-BE16-CB3F27BC7D04}"/>
+              </a:ext>
+            </a:extLst>
+          </p:cNvPr>
+          <p:cNvSpPr/>
+          <p:nvPr/>
+        </p:nvSpPr>
+        <p:spPr>
+          <a:xfrm>
+            <a:off x="2113234" y="3561695"/>
+            <a:ext cx="7952786" cy="923330"/>
+          </a:xfrm>
+          <a:prstGeom prst="rect">
+            <a:avLst/>
+          </a:prstGeom>
+          <a:noFill/>
+        </p:spPr>
+        <p:txBody>
+          <a:bodyPr wrap="square" lIns="91440" tIns="45720" rIns="91440" bIns="45720">
+            <a:spAutoFit/>
+          </a:bodyPr>
+          <a:lstStyle/>
+          <a:p>
+            <a:pPr algn="ctr"/>
+            <a:r>
+              <a:rPr lang="en-US" sz="5400" spc="2300" dirty="0">
+                <a:ln w="0">
+                  <a:noFill/>
+                </a:ln>
+                <a:latin typeface="Lucida Console" panose="020B0609040504020204" pitchFamily="49" charset="0"/>
+              </a:rPr>
+              <a:t>QWERTYUIOP</a:t>
+            </a:r>
+          </a:p>
+        </p:txBody>
+      </p:sp>
+      <p:sp>
+        <p:nvSpPr>
+          <p:cNvPr id="5" name="Rectangle 4">
+            <a:extLst>
+              <a:ext uri="{FF2B5EF4-FFF2-40B4-BE49-F238E27FC236}">
+                <a16:creationId xmlns:a16="http://schemas.microsoft.com/office/drawing/2014/main" id="{82685941-73ED-433B-A06D-5E49E5BC4A13}"/>
+              </a:ext>
+            </a:extLst>
+          </p:cNvPr>
+          <p:cNvSpPr/>
+          <p:nvPr/>
+        </p:nvSpPr>
+        <p:spPr>
+          <a:xfrm>
+            <a:off x="1746114" y="4290209"/>
+            <a:ext cx="7952786" cy="923330"/>
+          </a:xfrm>
+          <a:prstGeom prst="rect">
+            <a:avLst/>
+          </a:prstGeom>
+          <a:noFill/>
+        </p:spPr>
+        <p:txBody>
+          <a:bodyPr wrap="square" lIns="91440" tIns="45720" rIns="91440" bIns="45720">
+            <a:spAutoFit/>
+          </a:bodyPr>
+          <a:lstStyle/>
+          <a:p>
+            <a:pPr algn="ctr"/>
+            <a:r>
+              <a:rPr lang="en-US" sz="5400" spc="2300" dirty="0">
+                <a:ln w="0">
+                  <a:noFill/>
+                </a:ln>
+                <a:latin typeface="Lucida Console" panose="020B0609040504020204" pitchFamily="49" charset="0"/>
+              </a:rPr>
+              <a:t>ASDFGHJKL</a:t>
+            </a:r>
+          </a:p>
+        </p:txBody>
+      </p:sp>
+      <p:sp>
+        <p:nvSpPr>
+          <p:cNvPr id="6" name="Rectangle 5">
+            <a:extLst>
+              <a:ext uri="{FF2B5EF4-FFF2-40B4-BE49-F238E27FC236}">
+                <a16:creationId xmlns:a16="http://schemas.microsoft.com/office/drawing/2014/main" id="{2F4796B1-D91A-4AF8-A173-DFDBB68482F9}"/>
+              </a:ext>
+            </a:extLst>
+          </p:cNvPr>
+          <p:cNvSpPr/>
+          <p:nvPr/>
+        </p:nvSpPr>
+        <p:spPr>
+          <a:xfrm>
+            <a:off x="1374094" y="5012184"/>
+            <a:ext cx="7952786" cy="923330"/>
+          </a:xfrm>
+          <a:prstGeom prst="rect">
+            <a:avLst/>
+          </a:prstGeom>
+          <a:noFill/>
+        </p:spPr>
+        <p:txBody>
+          <a:bodyPr wrap="square" lIns="91440" tIns="45720" rIns="91440" bIns="45720">
+            <a:spAutoFit/>
+          </a:bodyPr>
+          <a:lstStyle/>
+          <a:p>
+            <a:pPr algn="ctr"/>
+            <a:r>
+              <a:rPr lang="en-US" sz="5400" spc="2300" dirty="0">
+                <a:ln w="0">
+                  <a:noFill/>
+                </a:ln>
+                <a:latin typeface="Lucida Console" panose="020B0609040504020204" pitchFamily="49" charset="0"/>
+              </a:rPr>
+              <a:t>ZXCVBNM.   </a:t>
+            </a:r>
+          </a:p>
+        </p:txBody>
+      </p:sp>
+      <p:pic>
+        <p:nvPicPr>
+          <p:cNvPr id="8" name="Picture 7">
+            <a:extLst>
+              <a:ext uri="{FF2B5EF4-FFF2-40B4-BE49-F238E27FC236}">
+                <a16:creationId xmlns:a16="http://schemas.microsoft.com/office/drawing/2014/main" id="{E173975F-C33A-44B4-B9E8-81F966397420}"/>
+              </a:ext>
+            </a:extLst>
+          </p:cNvPr>
+          <p:cNvPicPr>
+            <a:picLocks noChangeAspect="1"/>
+          </p:cNvPicPr>
+          <p:nvPr/>
+        </p:nvPicPr>
+        <p:blipFill>
+          <a:blip r:embed="rId2">
+            <a:extLst>
+              <a:ext uri="{28A0092B-C50C-407E-A947-70E740481C1C}">
+                <a14:useLocalDpi xmlns:a14="http://schemas.microsoft.com/office/drawing/2010/main" val="0"/>
+              </a:ext>
+            </a:extLst>
+          </a:blip>
+          <a:stretch>
+            <a:fillRect/>
+          </a:stretch>
+        </p:blipFill>
+        <p:spPr>
+          <a:xfrm>
+            <a:off x="8844045" y="4536403"/>
+            <a:ext cx="627990" cy="439289"/>
+          </a:xfrm>
+          <a:prstGeom prst="rect">
+            <a:avLst/>
+          </a:prstGeom>
+        </p:spPr>
+      </p:pic>
+      <p:sp>
+        <p:nvSpPr>
+          <p:cNvPr id="10" name="TextBox 9">
+            <a:extLst>
+              <a:ext uri="{FF2B5EF4-FFF2-40B4-BE49-F238E27FC236}">
+                <a16:creationId xmlns:a16="http://schemas.microsoft.com/office/drawing/2014/main" id="{B896E24E-D51A-4DE0-ADED-4DD6DABF00AD}"/>
+              </a:ext>
+            </a:extLst>
+          </p:cNvPr>
+          <p:cNvSpPr txBox="1"/>
+          <p:nvPr/>
+        </p:nvSpPr>
+        <p:spPr>
+          <a:xfrm>
+            <a:off x="8065840" y="5243016"/>
+            <a:ext cx="2184400" cy="461665"/>
+          </a:xfrm>
+          <a:prstGeom prst="rect">
+            <a:avLst/>
+          </a:prstGeom>
+          <a:noFill/>
+        </p:spPr>
+        <p:txBody>
+          <a:bodyPr wrap="square" rtlCol="0">
+            <a:spAutoFit/>
+          </a:bodyPr>
+          <a:lstStyle/>
+          <a:p>
+            <a:r>
+              <a:rPr lang="it-IT" sz="2400" dirty="0">
+                <a:latin typeface="Lucida Console" panose="020B0609040504020204" pitchFamily="49" charset="0"/>
+              </a:rPr>
+              <a:t>Confirm</a:t>
+            </a:r>
+          </a:p>
+        </p:txBody>
+      </p:sp>
+    </p:spTree>
+    <p:extLst>
+      <p:ext uri="{BB962C8B-B14F-4D97-AF65-F5344CB8AC3E}">
+        <p14:creationId xmlns:p14="http://schemas.microsoft.com/office/powerpoint/2010/main" val="214941430"/>
+      </p:ext>
+    </p:extLst>
+  </p:cSld>
+  <p:clrMapOvr>
+    <a:masterClrMapping/>
+  </p:clrMapOvr>
+</p:sld>
+</file>
+
 <file path=ppt/slides/slide2.xml><?xml version="1.0" encoding="utf-8"?>
 <p:sld xmlns:a="http://schemas.openxmlformats.org/drawingml/2006/main" xmlns:r="http://schemas.openxmlformats.org/officeDocument/2006/relationships" xmlns:p="http://schemas.openxmlformats.org/presentationml/2006/main">
   <p:cSld>

--- a/interfacce.pptx
+++ b/interfacce.pptx
@@ -275,7 +275,7 @@
           <a:p>
             <a:fld id="{220F67BA-9CF1-48B0-BA9D-7DB2A7FE6C8C}" type="datetimeFigureOut">
               <a:rPr lang="it-IT" smtClean="0"/>
-              <a:t>08/08/2017</a:t>
+              <a:t>09/08/2017</a:t>
             </a:fld>
             <a:endParaRPr lang="it-IT"/>
           </a:p>
@@ -475,7 +475,7 @@
           <a:p>
             <a:fld id="{220F67BA-9CF1-48B0-BA9D-7DB2A7FE6C8C}" type="datetimeFigureOut">
               <a:rPr lang="it-IT" smtClean="0"/>
-              <a:t>08/08/2017</a:t>
+              <a:t>09/08/2017</a:t>
             </a:fld>
             <a:endParaRPr lang="it-IT"/>
           </a:p>
@@ -685,7 +685,7 @@
           <a:p>
             <a:fld id="{220F67BA-9CF1-48B0-BA9D-7DB2A7FE6C8C}" type="datetimeFigureOut">
               <a:rPr lang="it-IT" smtClean="0"/>
-              <a:t>08/08/2017</a:t>
+              <a:t>09/08/2017</a:t>
             </a:fld>
             <a:endParaRPr lang="it-IT"/>
           </a:p>
@@ -885,7 +885,7 @@
           <a:p>
             <a:fld id="{220F67BA-9CF1-48B0-BA9D-7DB2A7FE6C8C}" type="datetimeFigureOut">
               <a:rPr lang="it-IT" smtClean="0"/>
-              <a:t>08/08/2017</a:t>
+              <a:t>09/08/2017</a:t>
             </a:fld>
             <a:endParaRPr lang="it-IT"/>
           </a:p>
@@ -1161,7 +1161,7 @@
           <a:p>
             <a:fld id="{220F67BA-9CF1-48B0-BA9D-7DB2A7FE6C8C}" type="datetimeFigureOut">
               <a:rPr lang="it-IT" smtClean="0"/>
-              <a:t>08/08/2017</a:t>
+              <a:t>09/08/2017</a:t>
             </a:fld>
             <a:endParaRPr lang="it-IT"/>
           </a:p>
@@ -1429,7 +1429,7 @@
           <a:p>
             <a:fld id="{220F67BA-9CF1-48B0-BA9D-7DB2A7FE6C8C}" type="datetimeFigureOut">
               <a:rPr lang="it-IT" smtClean="0"/>
-              <a:t>08/08/2017</a:t>
+              <a:t>09/08/2017</a:t>
             </a:fld>
             <a:endParaRPr lang="it-IT"/>
           </a:p>
@@ -1844,7 +1844,7 @@
           <a:p>
             <a:fld id="{220F67BA-9CF1-48B0-BA9D-7DB2A7FE6C8C}" type="datetimeFigureOut">
               <a:rPr lang="it-IT" smtClean="0"/>
-              <a:t>08/08/2017</a:t>
+              <a:t>09/08/2017</a:t>
             </a:fld>
             <a:endParaRPr lang="it-IT"/>
           </a:p>
@@ -1986,7 +1986,7 @@
           <a:p>
             <a:fld id="{220F67BA-9CF1-48B0-BA9D-7DB2A7FE6C8C}" type="datetimeFigureOut">
               <a:rPr lang="it-IT" smtClean="0"/>
-              <a:t>08/08/2017</a:t>
+              <a:t>09/08/2017</a:t>
             </a:fld>
             <a:endParaRPr lang="it-IT"/>
           </a:p>
@@ -2099,7 +2099,7 @@
           <a:p>
             <a:fld id="{220F67BA-9CF1-48B0-BA9D-7DB2A7FE6C8C}" type="datetimeFigureOut">
               <a:rPr lang="it-IT" smtClean="0"/>
-              <a:t>08/08/2017</a:t>
+              <a:t>09/08/2017</a:t>
             </a:fld>
             <a:endParaRPr lang="it-IT"/>
           </a:p>
@@ -2412,7 +2412,7 @@
           <a:p>
             <a:fld id="{220F67BA-9CF1-48B0-BA9D-7DB2A7FE6C8C}" type="datetimeFigureOut">
               <a:rPr lang="it-IT" smtClean="0"/>
-              <a:t>08/08/2017</a:t>
+              <a:t>09/08/2017</a:t>
             </a:fld>
             <a:endParaRPr lang="it-IT"/>
           </a:p>
@@ -2701,7 +2701,7 @@
           <a:p>
             <a:fld id="{220F67BA-9CF1-48B0-BA9D-7DB2A7FE6C8C}" type="datetimeFigureOut">
               <a:rPr lang="it-IT" smtClean="0"/>
-              <a:t>08/08/2017</a:t>
+              <a:t>09/08/2017</a:t>
             </a:fld>
             <a:endParaRPr lang="it-IT"/>
           </a:p>
@@ -2944,7 +2944,7 @@
           <a:p>
             <a:fld id="{220F67BA-9CF1-48B0-BA9D-7DB2A7FE6C8C}" type="datetimeFigureOut">
               <a:rPr lang="it-IT" smtClean="0"/>
-              <a:t>08/08/2017</a:t>
+              <a:t>09/08/2017</a:t>
             </a:fld>
             <a:endParaRPr lang="it-IT"/>
           </a:p>
@@ -4279,6 +4279,66 @@
           </a:p>
         </p:txBody>
       </p:sp>
+      <p:sp>
+        <p:nvSpPr>
+          <p:cNvPr id="2" name="Flowchart: Alternate Process 1">
+            <a:extLst>
+              <a:ext uri="{FF2B5EF4-FFF2-40B4-BE49-F238E27FC236}">
+                <a16:creationId xmlns:a16="http://schemas.microsoft.com/office/drawing/2014/main" id="{12662665-0C41-4E37-9BB5-5400846D05A5}"/>
+              </a:ext>
+            </a:extLst>
+          </p:cNvPr>
+          <p:cNvSpPr/>
+          <p:nvPr/>
+        </p:nvSpPr>
+        <p:spPr>
+          <a:xfrm>
+            <a:off x="1228066" y="1009849"/>
+            <a:ext cx="4309133" cy="442575"/>
+          </a:xfrm>
+          <a:prstGeom prst="flowChartAlternateProcess">
+            <a:avLst/>
+          </a:prstGeom>
+          <a:solidFill>
+            <a:schemeClr val="accent4">
+              <a:lumMod val="60000"/>
+              <a:lumOff val="40000"/>
+            </a:schemeClr>
+          </a:solidFill>
+          <a:ln w="38100">
+            <a:solidFill>
+              <a:schemeClr val="tx1">
+                <a:lumMod val="75000"/>
+                <a:lumOff val="25000"/>
+              </a:schemeClr>
+            </a:solidFill>
+          </a:ln>
+        </p:spPr>
+        <p:style>
+          <a:lnRef idx="2">
+            <a:schemeClr val="accent1">
+              <a:shade val="50000"/>
+            </a:schemeClr>
+          </a:lnRef>
+          <a:fillRef idx="1">
+            <a:schemeClr val="accent1"/>
+          </a:fillRef>
+          <a:effectRef idx="0">
+            <a:schemeClr val="accent1"/>
+          </a:effectRef>
+          <a:fontRef idx="minor">
+            <a:schemeClr val="lt1"/>
+          </a:fontRef>
+        </p:style>
+        <p:txBody>
+          <a:bodyPr rtlCol="0" anchor="ctr"/>
+          <a:lstStyle/>
+          <a:p>
+            <a:pPr algn="ctr"/>
+            <a:endParaRPr lang="it-IT"/>
+          </a:p>
+        </p:txBody>
+      </p:sp>
     </p:spTree>
     <p:extLst>
       <p:ext uri="{BB962C8B-B14F-4D97-AF65-F5344CB8AC3E}">

--- a/interfacce.pptx
+++ b/interfacce.pptx
@@ -6059,7 +6059,15 @@
           <a:p>
             <a:r>
               <a:rPr lang="it-IT" dirty="0"/>
-              <a:t>Muoverlo a contatto di un altro blocco con il triangolino e mollarlo significa tentativo di metterlo dopo (rilevato solo mentre muovi questo blocco).</a:t>
+              <a:t>Muoverlo a contatto di un altro blocco con il triangolino e mollarlo significa tentativo di metterlo dopo un </a:t>
+            </a:r>
+            <a:r>
+              <a:rPr lang="it-IT"/>
+              <a:t>altro blocco </a:t>
+            </a:r>
+            <a:r>
+              <a:rPr lang="it-IT" dirty="0"/>
+              <a:t>(rilevato solo mentre muovi questo blocco).</a:t>
             </a:r>
           </a:p>
           <a:p>

--- a/interfacce.pptx
+++ b/interfacce.pptx
@@ -275,7 +275,7 @@
           <a:p>
             <a:fld id="{220F67BA-9CF1-48B0-BA9D-7DB2A7FE6C8C}" type="datetimeFigureOut">
               <a:rPr lang="it-IT" smtClean="0"/>
-              <a:t>09/08/2017</a:t>
+              <a:t>10/08/2017</a:t>
             </a:fld>
             <a:endParaRPr lang="it-IT"/>
           </a:p>
@@ -475,7 +475,7 @@
           <a:p>
             <a:fld id="{220F67BA-9CF1-48B0-BA9D-7DB2A7FE6C8C}" type="datetimeFigureOut">
               <a:rPr lang="it-IT" smtClean="0"/>
-              <a:t>09/08/2017</a:t>
+              <a:t>10/08/2017</a:t>
             </a:fld>
             <a:endParaRPr lang="it-IT"/>
           </a:p>
@@ -685,7 +685,7 @@
           <a:p>
             <a:fld id="{220F67BA-9CF1-48B0-BA9D-7DB2A7FE6C8C}" type="datetimeFigureOut">
               <a:rPr lang="it-IT" smtClean="0"/>
-              <a:t>09/08/2017</a:t>
+              <a:t>10/08/2017</a:t>
             </a:fld>
             <a:endParaRPr lang="it-IT"/>
           </a:p>
@@ -885,7 +885,7 @@
           <a:p>
             <a:fld id="{220F67BA-9CF1-48B0-BA9D-7DB2A7FE6C8C}" type="datetimeFigureOut">
               <a:rPr lang="it-IT" smtClean="0"/>
-              <a:t>09/08/2017</a:t>
+              <a:t>10/08/2017</a:t>
             </a:fld>
             <a:endParaRPr lang="it-IT"/>
           </a:p>
@@ -1161,7 +1161,7 @@
           <a:p>
             <a:fld id="{220F67BA-9CF1-48B0-BA9D-7DB2A7FE6C8C}" type="datetimeFigureOut">
               <a:rPr lang="it-IT" smtClean="0"/>
-              <a:t>09/08/2017</a:t>
+              <a:t>10/08/2017</a:t>
             </a:fld>
             <a:endParaRPr lang="it-IT"/>
           </a:p>
@@ -1429,7 +1429,7 @@
           <a:p>
             <a:fld id="{220F67BA-9CF1-48B0-BA9D-7DB2A7FE6C8C}" type="datetimeFigureOut">
               <a:rPr lang="it-IT" smtClean="0"/>
-              <a:t>09/08/2017</a:t>
+              <a:t>10/08/2017</a:t>
             </a:fld>
             <a:endParaRPr lang="it-IT"/>
           </a:p>
@@ -1844,7 +1844,7 @@
           <a:p>
             <a:fld id="{220F67BA-9CF1-48B0-BA9D-7DB2A7FE6C8C}" type="datetimeFigureOut">
               <a:rPr lang="it-IT" smtClean="0"/>
-              <a:t>09/08/2017</a:t>
+              <a:t>10/08/2017</a:t>
             </a:fld>
             <a:endParaRPr lang="it-IT"/>
           </a:p>
@@ -1986,7 +1986,7 @@
           <a:p>
             <a:fld id="{220F67BA-9CF1-48B0-BA9D-7DB2A7FE6C8C}" type="datetimeFigureOut">
               <a:rPr lang="it-IT" smtClean="0"/>
-              <a:t>09/08/2017</a:t>
+              <a:t>10/08/2017</a:t>
             </a:fld>
             <a:endParaRPr lang="it-IT"/>
           </a:p>
@@ -2099,7 +2099,7 @@
           <a:p>
             <a:fld id="{220F67BA-9CF1-48B0-BA9D-7DB2A7FE6C8C}" type="datetimeFigureOut">
               <a:rPr lang="it-IT" smtClean="0"/>
-              <a:t>09/08/2017</a:t>
+              <a:t>10/08/2017</a:t>
             </a:fld>
             <a:endParaRPr lang="it-IT"/>
           </a:p>
@@ -2412,7 +2412,7 @@
           <a:p>
             <a:fld id="{220F67BA-9CF1-48B0-BA9D-7DB2A7FE6C8C}" type="datetimeFigureOut">
               <a:rPr lang="it-IT" smtClean="0"/>
-              <a:t>09/08/2017</a:t>
+              <a:t>10/08/2017</a:t>
             </a:fld>
             <a:endParaRPr lang="it-IT"/>
           </a:p>
@@ -2701,7 +2701,7 @@
           <a:p>
             <a:fld id="{220F67BA-9CF1-48B0-BA9D-7DB2A7FE6C8C}" type="datetimeFigureOut">
               <a:rPr lang="it-IT" smtClean="0"/>
-              <a:t>09/08/2017</a:t>
+              <a:t>10/08/2017</a:t>
             </a:fld>
             <a:endParaRPr lang="it-IT"/>
           </a:p>
@@ -2944,7 +2944,7 @@
           <a:p>
             <a:fld id="{220F67BA-9CF1-48B0-BA9D-7DB2A7FE6C8C}" type="datetimeFigureOut">
               <a:rPr lang="it-IT" smtClean="0"/>
-              <a:t>09/08/2017</a:t>
+              <a:t>10/08/2017</a:t>
             </a:fld>
             <a:endParaRPr lang="it-IT"/>
           </a:p>
@@ -5745,6 +5745,60 @@
           </a:p>
         </p:txBody>
       </p:sp>
+      <p:sp>
+        <p:nvSpPr>
+          <p:cNvPr id="10" name="Isosceles Triangle 9">
+            <a:extLst>
+              <a:ext uri="{FF2B5EF4-FFF2-40B4-BE49-F238E27FC236}">
+                <a16:creationId xmlns:a16="http://schemas.microsoft.com/office/drawing/2014/main" id="{8C091EC7-75DF-420F-8068-19128D8DACE5}"/>
+              </a:ext>
+            </a:extLst>
+          </p:cNvPr>
+          <p:cNvSpPr/>
+          <p:nvPr/>
+        </p:nvSpPr>
+        <p:spPr>
+          <a:xfrm rot="10800000">
+            <a:off x="6555971" y="2569901"/>
+            <a:ext cx="370226" cy="319160"/>
+          </a:xfrm>
+          <a:prstGeom prst="triangle">
+            <a:avLst/>
+          </a:prstGeom>
+          <a:noFill/>
+          <a:ln w="57150">
+            <a:solidFill>
+              <a:schemeClr val="bg2">
+                <a:lumMod val="50000"/>
+              </a:schemeClr>
+            </a:solidFill>
+          </a:ln>
+        </p:spPr>
+        <p:style>
+          <a:lnRef idx="2">
+            <a:schemeClr val="accent1">
+              <a:shade val="50000"/>
+            </a:schemeClr>
+          </a:lnRef>
+          <a:fillRef idx="1">
+            <a:schemeClr val="accent1"/>
+          </a:fillRef>
+          <a:effectRef idx="0">
+            <a:schemeClr val="accent1"/>
+          </a:effectRef>
+          <a:fontRef idx="minor">
+            <a:schemeClr val="lt1"/>
+          </a:fontRef>
+        </p:style>
+        <p:txBody>
+          <a:bodyPr rtlCol="0" anchor="ctr"/>
+          <a:lstStyle/>
+          <a:p>
+            <a:pPr algn="ctr"/>
+            <a:endParaRPr lang="it-IT"/>
+          </a:p>
+        </p:txBody>
+      </p:sp>
     </p:spTree>
     <p:extLst>
       <p:ext uri="{BB962C8B-B14F-4D97-AF65-F5344CB8AC3E}">

--- a/interfacce.pptx
+++ b/interfacce.pptx
@@ -275,7 +275,7 @@
           <a:p>
             <a:fld id="{220F67BA-9CF1-48B0-BA9D-7DB2A7FE6C8C}" type="datetimeFigureOut">
               <a:rPr lang="it-IT" smtClean="0"/>
-              <a:t>10/08/2017</a:t>
+              <a:t>11/08/2017</a:t>
             </a:fld>
             <a:endParaRPr lang="it-IT"/>
           </a:p>
@@ -475,7 +475,7 @@
           <a:p>
             <a:fld id="{220F67BA-9CF1-48B0-BA9D-7DB2A7FE6C8C}" type="datetimeFigureOut">
               <a:rPr lang="it-IT" smtClean="0"/>
-              <a:t>10/08/2017</a:t>
+              <a:t>11/08/2017</a:t>
             </a:fld>
             <a:endParaRPr lang="it-IT"/>
           </a:p>
@@ -685,7 +685,7 @@
           <a:p>
             <a:fld id="{220F67BA-9CF1-48B0-BA9D-7DB2A7FE6C8C}" type="datetimeFigureOut">
               <a:rPr lang="it-IT" smtClean="0"/>
-              <a:t>10/08/2017</a:t>
+              <a:t>11/08/2017</a:t>
             </a:fld>
             <a:endParaRPr lang="it-IT"/>
           </a:p>
@@ -885,7 +885,7 @@
           <a:p>
             <a:fld id="{220F67BA-9CF1-48B0-BA9D-7DB2A7FE6C8C}" type="datetimeFigureOut">
               <a:rPr lang="it-IT" smtClean="0"/>
-              <a:t>10/08/2017</a:t>
+              <a:t>11/08/2017</a:t>
             </a:fld>
             <a:endParaRPr lang="it-IT"/>
           </a:p>
@@ -1161,7 +1161,7 @@
           <a:p>
             <a:fld id="{220F67BA-9CF1-48B0-BA9D-7DB2A7FE6C8C}" type="datetimeFigureOut">
               <a:rPr lang="it-IT" smtClean="0"/>
-              <a:t>10/08/2017</a:t>
+              <a:t>11/08/2017</a:t>
             </a:fld>
             <a:endParaRPr lang="it-IT"/>
           </a:p>
@@ -1429,7 +1429,7 @@
           <a:p>
             <a:fld id="{220F67BA-9CF1-48B0-BA9D-7DB2A7FE6C8C}" type="datetimeFigureOut">
               <a:rPr lang="it-IT" smtClean="0"/>
-              <a:t>10/08/2017</a:t>
+              <a:t>11/08/2017</a:t>
             </a:fld>
             <a:endParaRPr lang="it-IT"/>
           </a:p>
@@ -1844,7 +1844,7 @@
           <a:p>
             <a:fld id="{220F67BA-9CF1-48B0-BA9D-7DB2A7FE6C8C}" type="datetimeFigureOut">
               <a:rPr lang="it-IT" smtClean="0"/>
-              <a:t>10/08/2017</a:t>
+              <a:t>11/08/2017</a:t>
             </a:fld>
             <a:endParaRPr lang="it-IT"/>
           </a:p>
@@ -1986,7 +1986,7 @@
           <a:p>
             <a:fld id="{220F67BA-9CF1-48B0-BA9D-7DB2A7FE6C8C}" type="datetimeFigureOut">
               <a:rPr lang="it-IT" smtClean="0"/>
-              <a:t>10/08/2017</a:t>
+              <a:t>11/08/2017</a:t>
             </a:fld>
             <a:endParaRPr lang="it-IT"/>
           </a:p>
@@ -2099,7 +2099,7 @@
           <a:p>
             <a:fld id="{220F67BA-9CF1-48B0-BA9D-7DB2A7FE6C8C}" type="datetimeFigureOut">
               <a:rPr lang="it-IT" smtClean="0"/>
-              <a:t>10/08/2017</a:t>
+              <a:t>11/08/2017</a:t>
             </a:fld>
             <a:endParaRPr lang="it-IT"/>
           </a:p>
@@ -2412,7 +2412,7 @@
           <a:p>
             <a:fld id="{220F67BA-9CF1-48B0-BA9D-7DB2A7FE6C8C}" type="datetimeFigureOut">
               <a:rPr lang="it-IT" smtClean="0"/>
-              <a:t>10/08/2017</a:t>
+              <a:t>11/08/2017</a:t>
             </a:fld>
             <a:endParaRPr lang="it-IT"/>
           </a:p>
@@ -2701,7 +2701,7 @@
           <a:p>
             <a:fld id="{220F67BA-9CF1-48B0-BA9D-7DB2A7FE6C8C}" type="datetimeFigureOut">
               <a:rPr lang="it-IT" smtClean="0"/>
-              <a:t>10/08/2017</a:t>
+              <a:t>11/08/2017</a:t>
             </a:fld>
             <a:endParaRPr lang="it-IT"/>
           </a:p>
@@ -2944,7 +2944,7 @@
           <a:p>
             <a:fld id="{220F67BA-9CF1-48B0-BA9D-7DB2A7FE6C8C}" type="datetimeFigureOut">
               <a:rPr lang="it-IT" smtClean="0"/>
-              <a:t>10/08/2017</a:t>
+              <a:t>11/08/2017</a:t>
             </a:fld>
             <a:endParaRPr lang="it-IT"/>
           </a:p>
@@ -3686,8 +3686,8 @@
         </p:nvSpPr>
         <p:spPr>
           <a:xfrm>
-            <a:off x="1383956" y="3220994"/>
-            <a:ext cx="1037967" cy="741405"/>
+            <a:off x="1968808" y="3220994"/>
+            <a:ext cx="453115" cy="741405"/>
           </a:xfrm>
           <a:prstGeom prst="roundRect">
             <a:avLst/>
@@ -4009,6 +4009,55 @@
               <a:t>Actor</a:t>
             </a:r>
             <a:endParaRPr lang="it-IT" sz="1050" dirty="0"/>
+          </a:p>
+        </p:txBody>
+      </p:sp>
+      <p:sp>
+        <p:nvSpPr>
+          <p:cNvPr id="15" name="Rectangle: Rounded Corners 14">
+            <a:extLst>
+              <a:ext uri="{FF2B5EF4-FFF2-40B4-BE49-F238E27FC236}">
+                <a16:creationId xmlns:a16="http://schemas.microsoft.com/office/drawing/2014/main" id="{EB79471F-4455-4630-B260-D937F8C76EAF}"/>
+              </a:ext>
+            </a:extLst>
+          </p:cNvPr>
+          <p:cNvSpPr/>
+          <p:nvPr/>
+        </p:nvSpPr>
+        <p:spPr>
+          <a:xfrm>
+            <a:off x="1400397" y="3223057"/>
+            <a:ext cx="453115" cy="741405"/>
+          </a:xfrm>
+          <a:prstGeom prst="roundRect">
+            <a:avLst/>
+          </a:prstGeom>
+        </p:spPr>
+        <p:style>
+          <a:lnRef idx="2">
+            <a:schemeClr val="accent1">
+              <a:shade val="50000"/>
+            </a:schemeClr>
+          </a:lnRef>
+          <a:fillRef idx="1">
+            <a:schemeClr val="accent1"/>
+          </a:fillRef>
+          <a:effectRef idx="0">
+            <a:schemeClr val="accent1"/>
+          </a:effectRef>
+          <a:fontRef idx="minor">
+            <a:schemeClr val="lt1"/>
+          </a:fontRef>
+        </p:style>
+        <p:txBody>
+          <a:bodyPr rtlCol="0" anchor="ctr"/>
+          <a:lstStyle/>
+          <a:p>
+            <a:pPr algn="ctr"/>
+            <a:r>
+              <a:rPr lang="it-IT" sz="1050" dirty="0"/>
+              <a:t>Show Timer</a:t>
+            </a:r>
           </a:p>
         </p:txBody>
       </p:sp>
@@ -7453,6 +7502,215 @@
               <a:rPr lang="it-IT" dirty="0"/>
               <a:t>Si chiude con il raggio rosso</a:t>
             </a:r>
+          </a:p>
+        </p:txBody>
+      </p:sp>
+      <p:sp>
+        <p:nvSpPr>
+          <p:cNvPr id="9" name="Rectangle 8">
+            <a:extLst>
+              <a:ext uri="{FF2B5EF4-FFF2-40B4-BE49-F238E27FC236}">
+                <a16:creationId xmlns:a16="http://schemas.microsoft.com/office/drawing/2014/main" id="{22480BC1-6F90-4C9F-8B11-3F2EE62AC56F}"/>
+              </a:ext>
+            </a:extLst>
+          </p:cNvPr>
+          <p:cNvSpPr/>
+          <p:nvPr/>
+        </p:nvSpPr>
+        <p:spPr>
+          <a:xfrm>
+            <a:off x="1537032" y="3689944"/>
+            <a:ext cx="3010927" cy="2043591"/>
+          </a:xfrm>
+          <a:prstGeom prst="rect">
+            <a:avLst/>
+          </a:prstGeom>
+          <a:solidFill>
+            <a:schemeClr val="bg1"/>
+          </a:solidFill>
+          <a:ln>
+            <a:solidFill>
+              <a:schemeClr val="tx1"/>
+            </a:solidFill>
+          </a:ln>
+        </p:spPr>
+        <p:style>
+          <a:lnRef idx="2">
+            <a:schemeClr val="accent1">
+              <a:shade val="50000"/>
+            </a:schemeClr>
+          </a:lnRef>
+          <a:fillRef idx="1">
+            <a:schemeClr val="accent1"/>
+          </a:fillRef>
+          <a:effectRef idx="0">
+            <a:schemeClr val="accent1"/>
+          </a:effectRef>
+          <a:fontRef idx="minor">
+            <a:schemeClr val="lt1"/>
+          </a:fontRef>
+        </p:style>
+        <p:txBody>
+          <a:bodyPr rtlCol="0" anchor="ctr"/>
+          <a:lstStyle/>
+          <a:p>
+            <a:pPr algn="ctr"/>
+            <a:endParaRPr lang="it-IT"/>
+          </a:p>
+        </p:txBody>
+      </p:sp>
+      <p:sp>
+        <p:nvSpPr>
+          <p:cNvPr id="10" name="Rectangle 9">
+            <a:extLst>
+              <a:ext uri="{FF2B5EF4-FFF2-40B4-BE49-F238E27FC236}">
+                <a16:creationId xmlns:a16="http://schemas.microsoft.com/office/drawing/2014/main" id="{7669DA0B-3F15-4DDD-8DF6-DC631809DE22}"/>
+              </a:ext>
+            </a:extLst>
+          </p:cNvPr>
+          <p:cNvSpPr/>
+          <p:nvPr/>
+        </p:nvSpPr>
+        <p:spPr>
+          <a:xfrm>
+            <a:off x="1537032" y="3689944"/>
+            <a:ext cx="3010927" cy="321884"/>
+          </a:xfrm>
+          <a:prstGeom prst="rect">
+            <a:avLst/>
+          </a:prstGeom>
+          <a:solidFill>
+            <a:srgbClr val="002060"/>
+          </a:solidFill>
+          <a:ln>
+            <a:solidFill>
+              <a:schemeClr val="bg1"/>
+            </a:solidFill>
+          </a:ln>
+        </p:spPr>
+        <p:style>
+          <a:lnRef idx="2">
+            <a:schemeClr val="accent1">
+              <a:shade val="50000"/>
+            </a:schemeClr>
+          </a:lnRef>
+          <a:fillRef idx="1">
+            <a:schemeClr val="accent1"/>
+          </a:fillRef>
+          <a:effectRef idx="0">
+            <a:schemeClr val="accent1"/>
+          </a:effectRef>
+          <a:fontRef idx="minor">
+            <a:schemeClr val="lt1"/>
+          </a:fontRef>
+        </p:style>
+        <p:txBody>
+          <a:bodyPr rtlCol="0" anchor="ctr"/>
+          <a:lstStyle/>
+          <a:p>
+            <a:pPr algn="ctr"/>
+            <a:r>
+              <a:rPr lang="it-IT" dirty="0"/>
+              <a:t>Variabile 1</a:t>
+            </a:r>
+          </a:p>
+        </p:txBody>
+      </p:sp>
+      <p:sp>
+        <p:nvSpPr>
+          <p:cNvPr id="12" name="TextBox 11">
+            <a:extLst>
+              <a:ext uri="{FF2B5EF4-FFF2-40B4-BE49-F238E27FC236}">
+                <a16:creationId xmlns:a16="http://schemas.microsoft.com/office/drawing/2014/main" id="{55116A10-8187-452E-9544-89DC733EDF53}"/>
+              </a:ext>
+            </a:extLst>
+          </p:cNvPr>
+          <p:cNvSpPr txBox="1"/>
+          <p:nvPr/>
+        </p:nvSpPr>
+        <p:spPr>
+          <a:xfrm>
+            <a:off x="1537033" y="4011828"/>
+            <a:ext cx="3010926" cy="2031325"/>
+          </a:xfrm>
+          <a:prstGeom prst="rect">
+            <a:avLst/>
+          </a:prstGeom>
+          <a:noFill/>
+        </p:spPr>
+        <p:txBody>
+          <a:bodyPr wrap="square" rtlCol="0">
+            <a:spAutoFit/>
+          </a:bodyPr>
+          <a:lstStyle/>
+          <a:p>
+            <a:r>
+              <a:rPr lang="it-IT" dirty="0"/>
+              <a:t>Scope: </a:t>
+            </a:r>
+            <a:r>
+              <a:rPr lang="it-IT" dirty="0" err="1">
+                <a:solidFill>
+                  <a:srgbClr val="FF0000"/>
+                </a:solidFill>
+              </a:rPr>
+              <a:t>local</a:t>
+            </a:r>
+            <a:r>
+              <a:rPr lang="it-IT" dirty="0"/>
+              <a:t> to </a:t>
+            </a:r>
+            <a:r>
+              <a:rPr lang="it-IT" dirty="0" err="1">
+                <a:solidFill>
+                  <a:schemeClr val="accent6">
+                    <a:lumMod val="50000"/>
+                  </a:schemeClr>
+                </a:solidFill>
+              </a:rPr>
+              <a:t>Actor</a:t>
+            </a:r>
+            <a:r>
+              <a:rPr lang="it-IT" dirty="0">
+                <a:solidFill>
+                  <a:schemeClr val="accent6">
+                    <a:lumMod val="50000"/>
+                  </a:schemeClr>
+                </a:solidFill>
+              </a:rPr>
+              <a:t> 1</a:t>
+            </a:r>
+          </a:p>
+          <a:p>
+            <a:r>
+              <a:rPr lang="it-IT" dirty="0" err="1"/>
+              <a:t>Type</a:t>
+            </a:r>
+            <a:r>
+              <a:rPr lang="it-IT" dirty="0"/>
+              <a:t>: </a:t>
+            </a:r>
+            <a:r>
+              <a:rPr lang="it-IT" dirty="0">
+                <a:solidFill>
+                  <a:srgbClr val="FF0000"/>
+                </a:solidFill>
+              </a:rPr>
+              <a:t>BOOL</a:t>
+            </a:r>
+          </a:p>
+          <a:p>
+            <a:pPr algn="ctr"/>
+            <a:r>
+              <a:rPr lang="it-IT" sz="5400" dirty="0"/>
+              <a:t>TRUE</a:t>
+            </a:r>
+          </a:p>
+          <a:p>
+            <a:br>
+              <a:rPr lang="it-IT" dirty="0"/>
+            </a:br>
+            <a:endParaRPr lang="it-IT" dirty="0"/>
           </a:p>
         </p:txBody>
       </p:sp>

--- a/interfacce.pptx
+++ b/interfacce.pptx
@@ -7994,6 +7994,160 @@
           </a:p>
         </p:txBody>
       </p:sp>
+      <p:sp>
+        <p:nvSpPr>
+          <p:cNvPr id="8" name="Rectangle 7">
+            <a:extLst>
+              <a:ext uri="{FF2B5EF4-FFF2-40B4-BE49-F238E27FC236}">
+                <a16:creationId xmlns:a16="http://schemas.microsoft.com/office/drawing/2014/main" id="{8D47DBFF-BAAE-4AAD-AFF1-9CB7029CBB5F}"/>
+              </a:ext>
+            </a:extLst>
+          </p:cNvPr>
+          <p:cNvSpPr/>
+          <p:nvPr/>
+        </p:nvSpPr>
+        <p:spPr>
+          <a:xfrm>
+            <a:off x="1537032" y="3689944"/>
+            <a:ext cx="3010927" cy="2043591"/>
+          </a:xfrm>
+          <a:prstGeom prst="rect">
+            <a:avLst/>
+          </a:prstGeom>
+          <a:solidFill>
+            <a:schemeClr val="bg1"/>
+          </a:solidFill>
+          <a:ln>
+            <a:solidFill>
+              <a:schemeClr val="tx1"/>
+            </a:solidFill>
+          </a:ln>
+        </p:spPr>
+        <p:style>
+          <a:lnRef idx="2">
+            <a:schemeClr val="accent1">
+              <a:shade val="50000"/>
+            </a:schemeClr>
+          </a:lnRef>
+          <a:fillRef idx="1">
+            <a:schemeClr val="accent1"/>
+          </a:fillRef>
+          <a:effectRef idx="0">
+            <a:schemeClr val="accent1"/>
+          </a:effectRef>
+          <a:fontRef idx="minor">
+            <a:schemeClr val="lt1"/>
+          </a:fontRef>
+        </p:style>
+        <p:txBody>
+          <a:bodyPr rtlCol="0" anchor="ctr"/>
+          <a:lstStyle/>
+          <a:p>
+            <a:pPr algn="ctr"/>
+            <a:endParaRPr lang="it-IT"/>
+          </a:p>
+        </p:txBody>
+      </p:sp>
+      <p:sp>
+        <p:nvSpPr>
+          <p:cNvPr id="9" name="Rectangle 8">
+            <a:extLst>
+              <a:ext uri="{FF2B5EF4-FFF2-40B4-BE49-F238E27FC236}">
+                <a16:creationId xmlns:a16="http://schemas.microsoft.com/office/drawing/2014/main" id="{20D15BF9-3359-4F36-BEDA-C6E0E06435E9}"/>
+              </a:ext>
+            </a:extLst>
+          </p:cNvPr>
+          <p:cNvSpPr/>
+          <p:nvPr/>
+        </p:nvSpPr>
+        <p:spPr>
+          <a:xfrm>
+            <a:off x="1537032" y="3689944"/>
+            <a:ext cx="3010927" cy="321884"/>
+          </a:xfrm>
+          <a:prstGeom prst="rect">
+            <a:avLst/>
+          </a:prstGeom>
+          <a:solidFill>
+            <a:srgbClr val="002060"/>
+          </a:solidFill>
+          <a:ln>
+            <a:solidFill>
+              <a:schemeClr val="bg1"/>
+            </a:solidFill>
+          </a:ln>
+        </p:spPr>
+        <p:style>
+          <a:lnRef idx="2">
+            <a:schemeClr val="accent1">
+              <a:shade val="50000"/>
+            </a:schemeClr>
+          </a:lnRef>
+          <a:fillRef idx="1">
+            <a:schemeClr val="accent1"/>
+          </a:fillRef>
+          <a:effectRef idx="0">
+            <a:schemeClr val="accent1"/>
+          </a:effectRef>
+          <a:fontRef idx="minor">
+            <a:schemeClr val="lt1"/>
+          </a:fontRef>
+        </p:style>
+        <p:txBody>
+          <a:bodyPr rtlCol="0" anchor="ctr"/>
+          <a:lstStyle/>
+          <a:p>
+            <a:pPr algn="ctr"/>
+            <a:r>
+              <a:rPr lang="it-IT" dirty="0"/>
+              <a:t>Timer</a:t>
+            </a:r>
+          </a:p>
+        </p:txBody>
+      </p:sp>
+      <p:sp>
+        <p:nvSpPr>
+          <p:cNvPr id="10" name="TextBox 9">
+            <a:extLst>
+              <a:ext uri="{FF2B5EF4-FFF2-40B4-BE49-F238E27FC236}">
+                <a16:creationId xmlns:a16="http://schemas.microsoft.com/office/drawing/2014/main" id="{5BF15325-7F95-4A64-A4ED-AE13DD2292EF}"/>
+              </a:ext>
+            </a:extLst>
+          </p:cNvPr>
+          <p:cNvSpPr txBox="1"/>
+          <p:nvPr/>
+        </p:nvSpPr>
+        <p:spPr>
+          <a:xfrm>
+            <a:off x="1537033" y="4011828"/>
+            <a:ext cx="3010926" cy="1477328"/>
+          </a:xfrm>
+          <a:prstGeom prst="rect">
+            <a:avLst/>
+          </a:prstGeom>
+          <a:noFill/>
+        </p:spPr>
+        <p:txBody>
+          <a:bodyPr wrap="square" rtlCol="0">
+            <a:spAutoFit/>
+          </a:bodyPr>
+          <a:lstStyle/>
+          <a:p>
+            <a:pPr algn="ctr"/>
+            <a:r>
+              <a:rPr lang="it-IT" sz="5400"/>
+              <a:t>3.00</a:t>
+            </a:r>
+            <a:endParaRPr lang="it-IT" sz="5400" dirty="0"/>
+          </a:p>
+          <a:p>
+            <a:br>
+              <a:rPr lang="it-IT" dirty="0"/>
+            </a:br>
+            <a:endParaRPr lang="it-IT" dirty="0"/>
+          </a:p>
+        </p:txBody>
+      </p:sp>
     </p:spTree>
     <p:extLst>
       <p:ext uri="{BB962C8B-B14F-4D97-AF65-F5344CB8AC3E}">

--- a/interfacce.pptx
+++ b/interfacce.pptx
@@ -7,15 +7,18 @@
   <p:sldIdLst>
     <p:sldId id="256" r:id="rId2"/>
     <p:sldId id="257" r:id="rId3"/>
-    <p:sldId id="258" r:id="rId4"/>
-    <p:sldId id="259" r:id="rId5"/>
-    <p:sldId id="260" r:id="rId6"/>
-    <p:sldId id="261" r:id="rId7"/>
-    <p:sldId id="262" r:id="rId8"/>
-    <p:sldId id="263" r:id="rId9"/>
-    <p:sldId id="264" r:id="rId10"/>
-    <p:sldId id="265" r:id="rId11"/>
-    <p:sldId id="266" r:id="rId12"/>
+    <p:sldId id="269" r:id="rId4"/>
+    <p:sldId id="258" r:id="rId5"/>
+    <p:sldId id="259" r:id="rId6"/>
+    <p:sldId id="260" r:id="rId7"/>
+    <p:sldId id="261" r:id="rId8"/>
+    <p:sldId id="262" r:id="rId9"/>
+    <p:sldId id="263" r:id="rId10"/>
+    <p:sldId id="264" r:id="rId11"/>
+    <p:sldId id="265" r:id="rId12"/>
+    <p:sldId id="267" r:id="rId13"/>
+    <p:sldId id="268" r:id="rId14"/>
+    <p:sldId id="266" r:id="rId15"/>
   </p:sldIdLst>
   <p:sldSz cx="12192000" cy="6858000"/>
   <p:notesSz cx="6858000" cy="9144000"/>
@@ -3390,7 +3393,7 @@
           <a:lstStyle/>
           <a:p>
             <a:r>
-              <a:rPr lang="it-IT" dirty="0" err="1"/>
+              <a:rPr lang="it-IT" dirty="0"/>
               <a:t>Actor</a:t>
             </a:r>
             <a:br>
@@ -3528,53 +3531,19 @@
           <a:lstStyle/>
           <a:p>
             <a:r>
-              <a:rPr lang="it-IT" dirty="0"/>
-              <a:t>Environment</a:t>
-            </a:r>
-          </a:p>
-        </p:txBody>
-      </p:sp>
-      <p:sp>
-        <p:nvSpPr>
-          <p:cNvPr id="6" name="TextBox 5">
-            <a:extLst>
-              <a:ext uri="{FF2B5EF4-FFF2-40B4-BE49-F238E27FC236}">
-                <a16:creationId xmlns:a16="http://schemas.microsoft.com/office/drawing/2014/main" id="{4B662597-AA68-4EC8-BCA5-66A95EBF6A4A}"/>
-              </a:ext>
-            </a:extLst>
-          </p:cNvPr>
-          <p:cNvSpPr txBox="1"/>
-          <p:nvPr/>
-        </p:nvSpPr>
-        <p:spPr>
-          <a:xfrm>
-            <a:off x="3130345" y="2022728"/>
-            <a:ext cx="1491118" cy="1200329"/>
-          </a:xfrm>
-          <a:prstGeom prst="rect">
-            <a:avLst/>
-          </a:prstGeom>
-          <a:noFill/>
-        </p:spPr>
-        <p:txBody>
-          <a:bodyPr wrap="square" rtlCol="0">
-            <a:spAutoFit/>
-          </a:bodyPr>
-          <a:lstStyle/>
-          <a:p>
-            <a:r>
-              <a:rPr lang="it-IT" dirty="0"/>
-              <a:t>Due pulsanti selezionabili con il raggio blu</a:t>
-            </a:r>
-          </a:p>
-        </p:txBody>
-      </p:sp>
-      <p:sp>
-        <p:nvSpPr>
-          <p:cNvPr id="2" name="Cube 1">
-            <a:extLst>
-              <a:ext uri="{FF2B5EF4-FFF2-40B4-BE49-F238E27FC236}">
-                <a16:creationId xmlns:a16="http://schemas.microsoft.com/office/drawing/2014/main" id="{2A4192EB-0212-42C6-B452-049A33EF4E66}"/>
+              <a:rPr lang="it-IT" dirty="0" err="1"/>
+              <a:t>Inputdevice</a:t>
+            </a:r>
+            <a:endParaRPr lang="it-IT" dirty="0"/>
+          </a:p>
+        </p:txBody>
+      </p:sp>
+      <p:sp>
+        <p:nvSpPr>
+          <p:cNvPr id="3" name="Hexagon 2">
+            <a:extLst>
+              <a:ext uri="{FF2B5EF4-FFF2-40B4-BE49-F238E27FC236}">
+                <a16:creationId xmlns:a16="http://schemas.microsoft.com/office/drawing/2014/main" id="{3AE19F1B-2816-4FFE-8711-AE1C5322844E}"/>
               </a:ext>
             </a:extLst>
           </p:cNvPr>
@@ -3583,10 +3552,10 @@
         </p:nvSpPr>
         <p:spPr>
           <a:xfrm>
-            <a:off x="1268627" y="1672281"/>
-            <a:ext cx="1746422" cy="2471351"/>
-          </a:xfrm>
-          <a:prstGeom prst="cube">
+            <a:off x="4028303" y="1441622"/>
+            <a:ext cx="1688756" cy="1598140"/>
+          </a:xfrm>
+          <a:prstGeom prst="hexagon">
             <a:avLst/>
           </a:prstGeom>
         </p:spPr>
@@ -3617,10 +3586,204 @@
       </p:sp>
       <p:sp>
         <p:nvSpPr>
-          <p:cNvPr id="4" name="Rectangle: Rounded Corners 3">
-            <a:extLst>
-              <a:ext uri="{FF2B5EF4-FFF2-40B4-BE49-F238E27FC236}">
-                <a16:creationId xmlns:a16="http://schemas.microsoft.com/office/drawing/2014/main" id="{B4BF1380-2F8E-4E38-9165-0BAAC3351670}"/>
+          <p:cNvPr id="6" name="TextBox 5">
+            <a:extLst>
+              <a:ext uri="{FF2B5EF4-FFF2-40B4-BE49-F238E27FC236}">
+                <a16:creationId xmlns:a16="http://schemas.microsoft.com/office/drawing/2014/main" id="{4B662597-AA68-4EC8-BCA5-66A95EBF6A4A}"/>
+              </a:ext>
+            </a:extLst>
+          </p:cNvPr>
+          <p:cNvSpPr txBox="1"/>
+          <p:nvPr/>
+        </p:nvSpPr>
+        <p:spPr>
+          <a:xfrm>
+            <a:off x="6120714" y="1359243"/>
+            <a:ext cx="5058032" cy="2585323"/>
+          </a:xfrm>
+          <a:prstGeom prst="rect">
+            <a:avLst/>
+          </a:prstGeom>
+          <a:noFill/>
+        </p:spPr>
+        <p:txBody>
+          <a:bodyPr wrap="square" rtlCol="0">
+            <a:spAutoFit/>
+          </a:bodyPr>
+          <a:lstStyle/>
+          <a:p>
+            <a:r>
+              <a:rPr lang="it-IT" dirty="0"/>
+              <a:t>Elemento 3d che mostra la posizione corrente dell’</a:t>
+            </a:r>
+            <a:r>
+              <a:rPr lang="it-IT" dirty="0" err="1"/>
+              <a:t>inputdevice</a:t>
+            </a:r>
+            <a:r>
+              <a:rPr lang="it-IT" dirty="0"/>
+              <a:t>.</a:t>
+            </a:r>
+          </a:p>
+          <a:p>
+            <a:r>
+              <a:rPr lang="it-IT" dirty="0"/>
+              <a:t>Si interagisce muovendosi e grabbando con il tasto </a:t>
+            </a:r>
+            <a:r>
+              <a:rPr lang="it-IT" dirty="0" err="1"/>
+              <a:t>grab</a:t>
+            </a:r>
+            <a:r>
+              <a:rPr lang="it-IT" dirty="0"/>
+              <a:t> oppure </a:t>
+            </a:r>
+            <a:r>
+              <a:rPr lang="it-IT" dirty="0" err="1"/>
+              <a:t>ciclando</a:t>
+            </a:r>
+            <a:r>
+              <a:rPr lang="it-IT" dirty="0"/>
+              <a:t> tra i raggi (blu, rosso, niente) con A o X e selezionando con il trigger.</a:t>
+            </a:r>
+            <a:br>
+              <a:rPr lang="it-IT" dirty="0"/>
+            </a:br>
+            <a:r>
+              <a:rPr lang="it-IT" dirty="0"/>
+              <a:t>Ci si </a:t>
+            </a:r>
+            <a:r>
+              <a:rPr lang="it-IT" dirty="0" err="1"/>
+              <a:t>teletrasporta</a:t>
+            </a:r>
+            <a:r>
+              <a:rPr lang="it-IT" dirty="0"/>
+              <a:t> con B o Y (tieni premuto, mira, rilascia).</a:t>
+            </a:r>
+          </a:p>
+          <a:p>
+            <a:r>
+              <a:rPr lang="it-IT" dirty="0"/>
+              <a:t>Premendo l’analogico, si tira fuori la tastiera (per </a:t>
+            </a:r>
+            <a:r>
+              <a:rPr lang="it-IT" dirty="0" err="1"/>
+              <a:t>semplicita’</a:t>
+            </a:r>
+            <a:r>
+              <a:rPr lang="it-IT" dirty="0"/>
+              <a:t>, solo una).</a:t>
+            </a:r>
+          </a:p>
+        </p:txBody>
+      </p:sp>
+    </p:spTree>
+    <p:extLst>
+      <p:ext uri="{BB962C8B-B14F-4D97-AF65-F5344CB8AC3E}">
+        <p14:creationId xmlns:p14="http://schemas.microsoft.com/office/powerpoint/2010/main" val="4254138898"/>
+      </p:ext>
+    </p:extLst>
+  </p:cSld>
+  <p:clrMapOvr>
+    <a:masterClrMapping/>
+  </p:clrMapOvr>
+</p:sld>
+</file>
+
+<file path=ppt/slides/slide11.xml><?xml version="1.0" encoding="utf-8"?>
+<p:sld xmlns:a="http://schemas.openxmlformats.org/drawingml/2006/main" xmlns:r="http://schemas.openxmlformats.org/officeDocument/2006/relationships" xmlns:p="http://schemas.openxmlformats.org/presentationml/2006/main">
+  <p:cSld>
+    <p:spTree>
+      <p:nvGrpSpPr>
+        <p:cNvPr id="1" name=""/>
+        <p:cNvGrpSpPr/>
+        <p:nvPr/>
+      </p:nvGrpSpPr>
+      <p:grpSpPr>
+        <a:xfrm>
+          <a:off x="0" y="0"/>
+          <a:ext cx="0" cy="0"/>
+          <a:chOff x="0" y="0"/>
+          <a:chExt cx="0" cy="0"/>
+        </a:xfrm>
+      </p:grpSpPr>
+      <p:sp>
+        <p:nvSpPr>
+          <p:cNvPr id="11" name="TextBox 10">
+            <a:extLst>
+              <a:ext uri="{FF2B5EF4-FFF2-40B4-BE49-F238E27FC236}">
+                <a16:creationId xmlns:a16="http://schemas.microsoft.com/office/drawing/2014/main" id="{561D104B-165F-4699-91F4-CCEB1E9A32F3}"/>
+              </a:ext>
+            </a:extLst>
+          </p:cNvPr>
+          <p:cNvSpPr txBox="1"/>
+          <p:nvPr/>
+        </p:nvSpPr>
+        <p:spPr>
+          <a:xfrm>
+            <a:off x="189470" y="691978"/>
+            <a:ext cx="1408671" cy="369332"/>
+          </a:xfrm>
+          <a:prstGeom prst="rect">
+            <a:avLst/>
+          </a:prstGeom>
+          <a:noFill/>
+        </p:spPr>
+        <p:txBody>
+          <a:bodyPr wrap="square" rtlCol="0">
+            <a:spAutoFit/>
+          </a:bodyPr>
+          <a:lstStyle/>
+          <a:p>
+            <a:r>
+              <a:rPr lang="it-IT" dirty="0"/>
+              <a:t>Environment</a:t>
+            </a:r>
+          </a:p>
+        </p:txBody>
+      </p:sp>
+      <p:sp>
+        <p:nvSpPr>
+          <p:cNvPr id="6" name="TextBox 5">
+            <a:extLst>
+              <a:ext uri="{FF2B5EF4-FFF2-40B4-BE49-F238E27FC236}">
+                <a16:creationId xmlns:a16="http://schemas.microsoft.com/office/drawing/2014/main" id="{4B662597-AA68-4EC8-BCA5-66A95EBF6A4A}"/>
+              </a:ext>
+            </a:extLst>
+          </p:cNvPr>
+          <p:cNvSpPr txBox="1"/>
+          <p:nvPr/>
+        </p:nvSpPr>
+        <p:spPr>
+          <a:xfrm>
+            <a:off x="3130345" y="2022728"/>
+            <a:ext cx="1491118" cy="1200329"/>
+          </a:xfrm>
+          <a:prstGeom prst="rect">
+            <a:avLst/>
+          </a:prstGeom>
+          <a:noFill/>
+        </p:spPr>
+        <p:txBody>
+          <a:bodyPr wrap="square" rtlCol="0">
+            <a:spAutoFit/>
+          </a:bodyPr>
+          <a:lstStyle/>
+          <a:p>
+            <a:r>
+              <a:rPr lang="it-IT" dirty="0"/>
+              <a:t>Due pulsanti selezionabili con il raggio blu</a:t>
+            </a:r>
+          </a:p>
+        </p:txBody>
+      </p:sp>
+      <p:sp>
+        <p:nvSpPr>
+          <p:cNvPr id="2" name="Cube 1">
+            <a:extLst>
+              <a:ext uri="{FF2B5EF4-FFF2-40B4-BE49-F238E27FC236}">
+                <a16:creationId xmlns:a16="http://schemas.microsoft.com/office/drawing/2014/main" id="{2A4192EB-0212-42C6-B452-049A33EF4E66}"/>
               </a:ext>
             </a:extLst>
           </p:cNvPr>
@@ -3629,10 +3792,10 @@
         </p:nvSpPr>
         <p:spPr>
           <a:xfrm>
-            <a:off x="1383957" y="2298358"/>
-            <a:ext cx="469557" cy="741404"/>
-          </a:xfrm>
-          <a:prstGeom prst="roundRect">
+            <a:off x="1268627" y="1672281"/>
+            <a:ext cx="1746422" cy="2471351"/>
+          </a:xfrm>
+          <a:prstGeom prst="cube">
             <a:avLst/>
           </a:prstGeom>
         </p:spPr>
@@ -3657,27 +3820,16 @@
           <a:lstStyle/>
           <a:p>
             <a:pPr algn="ctr"/>
-            <a:r>
-              <a:rPr lang="it-IT" sz="1050" dirty="0" err="1"/>
-              <a:t>Change</a:t>
-            </a:r>
-            <a:endParaRPr lang="it-IT" sz="1050" dirty="0"/>
-          </a:p>
-          <a:p>
-            <a:pPr algn="ctr"/>
-            <a:r>
-              <a:rPr lang="it-IT" sz="1050" dirty="0"/>
-              <a:t>Mode</a:t>
-            </a:r>
-          </a:p>
-        </p:txBody>
-      </p:sp>
-      <p:sp>
-        <p:nvSpPr>
-          <p:cNvPr id="7" name="Rectangle: Rounded Corners 6">
-            <a:extLst>
-              <a:ext uri="{FF2B5EF4-FFF2-40B4-BE49-F238E27FC236}">
-                <a16:creationId xmlns:a16="http://schemas.microsoft.com/office/drawing/2014/main" id="{42111E79-3930-4E29-BF10-9EC836D72B4F}"/>
+            <a:endParaRPr lang="it-IT"/>
+          </a:p>
+        </p:txBody>
+      </p:sp>
+      <p:sp>
+        <p:nvSpPr>
+          <p:cNvPr id="4" name="Rectangle: Rounded Corners 3">
+            <a:extLst>
+              <a:ext uri="{FF2B5EF4-FFF2-40B4-BE49-F238E27FC236}">
+                <a16:creationId xmlns:a16="http://schemas.microsoft.com/office/drawing/2014/main" id="{B4BF1380-2F8E-4E38-9165-0BAAC3351670}"/>
               </a:ext>
             </a:extLst>
           </p:cNvPr>
@@ -3686,8 +3838,8 @@
         </p:nvSpPr>
         <p:spPr>
           <a:xfrm>
-            <a:off x="1968808" y="3220994"/>
-            <a:ext cx="453115" cy="741405"/>
+            <a:off x="1383957" y="2298358"/>
+            <a:ext cx="469557" cy="741404"/>
           </a:xfrm>
           <a:prstGeom prst="roundRect">
             <a:avLst/>
@@ -3715,23 +3867,26 @@
           <a:p>
             <a:pPr algn="ctr"/>
             <a:r>
+              <a:rPr lang="it-IT" sz="1050" dirty="0" err="1"/>
+              <a:t>Change</a:t>
+            </a:r>
+            <a:endParaRPr lang="it-IT" sz="1050" dirty="0"/>
+          </a:p>
+          <a:p>
+            <a:pPr algn="ctr"/>
+            <a:r>
               <a:rPr lang="it-IT" sz="1050" dirty="0"/>
-              <a:t>List Global </a:t>
-            </a:r>
-            <a:r>
-              <a:rPr lang="it-IT" sz="1050" dirty="0" err="1"/>
-              <a:t>Variables</a:t>
-            </a:r>
-            <a:endParaRPr lang="it-IT" sz="1050" dirty="0"/>
-          </a:p>
-        </p:txBody>
-      </p:sp>
-      <p:sp>
-        <p:nvSpPr>
-          <p:cNvPr id="8" name="Rectangle 7">
-            <a:extLst>
-              <a:ext uri="{FF2B5EF4-FFF2-40B4-BE49-F238E27FC236}">
-                <a16:creationId xmlns:a16="http://schemas.microsoft.com/office/drawing/2014/main" id="{1C5CD72C-2A92-4902-BA6C-FCAF331ECB77}"/>
+              <a:t>Mode</a:t>
+            </a:r>
+          </a:p>
+        </p:txBody>
+      </p:sp>
+      <p:sp>
+        <p:nvSpPr>
+          <p:cNvPr id="7" name="Rectangle: Rounded Corners 6">
+            <a:extLst>
+              <a:ext uri="{FF2B5EF4-FFF2-40B4-BE49-F238E27FC236}">
+                <a16:creationId xmlns:a16="http://schemas.microsoft.com/office/drawing/2014/main" id="{42111E79-3930-4E29-BF10-9EC836D72B4F}"/>
               </a:ext>
             </a:extLst>
           </p:cNvPr>
@@ -3740,10 +3895,10 @@
         </p:nvSpPr>
         <p:spPr>
           <a:xfrm>
-            <a:off x="4736756" y="2367618"/>
-            <a:ext cx="4212371" cy="2458852"/>
-          </a:xfrm>
-          <a:prstGeom prst="rect">
+            <a:off x="1968808" y="3220994"/>
+            <a:ext cx="453115" cy="741405"/>
+          </a:xfrm>
+          <a:prstGeom prst="roundRect">
             <a:avLst/>
           </a:prstGeom>
         </p:spPr>
@@ -3768,210 +3923,31 @@
           <a:lstStyle/>
           <a:p>
             <a:pPr algn="ctr"/>
-            <a:endParaRPr lang="it-IT"/>
-          </a:p>
-        </p:txBody>
-      </p:sp>
-      <p:sp>
-        <p:nvSpPr>
-          <p:cNvPr id="9" name="TextBox 8">
-            <a:extLst>
-              <a:ext uri="{FF2B5EF4-FFF2-40B4-BE49-F238E27FC236}">
-                <a16:creationId xmlns:a16="http://schemas.microsoft.com/office/drawing/2014/main" id="{00670D9C-DB60-4F9E-84CD-223F15B0AEEC}"/>
-              </a:ext>
-            </a:extLst>
-          </p:cNvPr>
-          <p:cNvSpPr txBox="1"/>
-          <p:nvPr/>
-        </p:nvSpPr>
-        <p:spPr>
-          <a:xfrm>
-            <a:off x="4852051" y="2476155"/>
-            <a:ext cx="4097075" cy="1477328"/>
+            <a:r>
+              <a:rPr lang="it-IT" sz="1050" dirty="0"/>
+              <a:t>List Global Variables</a:t>
+            </a:r>
+          </a:p>
+        </p:txBody>
+      </p:sp>
+      <p:sp>
+        <p:nvSpPr>
+          <p:cNvPr id="8" name="Rectangle 7">
+            <a:extLst>
+              <a:ext uri="{FF2B5EF4-FFF2-40B4-BE49-F238E27FC236}">
+                <a16:creationId xmlns:a16="http://schemas.microsoft.com/office/drawing/2014/main" id="{1C5CD72C-2A92-4902-BA6C-FCAF331ECB77}"/>
+              </a:ext>
+            </a:extLst>
+          </p:cNvPr>
+          <p:cNvSpPr/>
+          <p:nvPr/>
+        </p:nvSpPr>
+        <p:spPr>
+          <a:xfrm>
+            <a:off x="4736756" y="2367618"/>
+            <a:ext cx="4212371" cy="2458852"/>
           </a:xfrm>
           <a:prstGeom prst="rect">
-            <a:avLst/>
-          </a:prstGeom>
-          <a:noFill/>
-        </p:spPr>
-        <p:txBody>
-          <a:bodyPr wrap="square" rtlCol="0">
-            <a:spAutoFit/>
-          </a:bodyPr>
-          <a:lstStyle/>
-          <a:p>
-            <a:r>
-              <a:rPr lang="it-IT" dirty="0"/>
-              <a:t>[</a:t>
-            </a:r>
-            <a:r>
-              <a:rPr lang="it-IT" dirty="0" err="1"/>
-              <a:t>name</a:t>
-            </a:r>
-            <a:r>
-              <a:rPr lang="it-IT" dirty="0"/>
-              <a:t>] [ </a:t>
-            </a:r>
-            <a:r>
-              <a:rPr lang="it-IT" dirty="0" err="1"/>
-              <a:t>value</a:t>
-            </a:r>
-            <a:r>
-              <a:rPr lang="it-IT" dirty="0"/>
-              <a:t> ]  tipo[v] monitora </a:t>
-            </a:r>
-            <a:r>
-              <a:rPr lang="it-IT" dirty="0" err="1"/>
-              <a:t>elim</a:t>
-            </a:r>
-            <a:endParaRPr lang="it-IT" dirty="0"/>
-          </a:p>
-          <a:p>
-            <a:r>
-              <a:rPr lang="it-IT" dirty="0"/>
-              <a:t>Var2     [            ]  tipo[v] monitora </a:t>
-            </a:r>
-            <a:r>
-              <a:rPr lang="it-IT" dirty="0" err="1"/>
-              <a:t>elim</a:t>
-            </a:r>
-            <a:endParaRPr lang="it-IT" dirty="0"/>
-          </a:p>
-          <a:p>
-            <a:r>
-              <a:rPr lang="it-IT" dirty="0"/>
-              <a:t>Var3     [            ]  tipo[v] monitora </a:t>
-            </a:r>
-            <a:r>
-              <a:rPr lang="it-IT" dirty="0" err="1"/>
-              <a:t>elim</a:t>
-            </a:r>
-            <a:endParaRPr lang="it-IT" dirty="0"/>
-          </a:p>
-          <a:p>
-            <a:r>
-              <a:rPr lang="it-IT" dirty="0"/>
-              <a:t>…</a:t>
-            </a:r>
-          </a:p>
-          <a:p>
-            <a:r>
-              <a:rPr lang="it-IT" dirty="0" err="1"/>
-              <a:t>Aggiugi</a:t>
-            </a:r>
-            <a:r>
-              <a:rPr lang="it-IT" dirty="0"/>
-              <a:t> +</a:t>
-            </a:r>
-          </a:p>
-        </p:txBody>
-      </p:sp>
-      <p:cxnSp>
-        <p:nvCxnSpPr>
-          <p:cNvPr id="10" name="Connector: Elbow 9">
-            <a:extLst>
-              <a:ext uri="{FF2B5EF4-FFF2-40B4-BE49-F238E27FC236}">
-                <a16:creationId xmlns:a16="http://schemas.microsoft.com/office/drawing/2014/main" id="{C0815A38-8FA4-4EAE-83AB-A28C392CC02F}"/>
-              </a:ext>
-            </a:extLst>
-          </p:cNvPr>
-          <p:cNvCxnSpPr>
-            <a:cxnSpLocks/>
-            <a:stCxn id="7" idx="3"/>
-            <a:endCxn id="8" idx="1"/>
-          </p:cNvCxnSpPr>
-          <p:nvPr/>
-        </p:nvCxnSpPr>
-        <p:spPr>
-          <a:xfrm>
-            <a:off x="2421923" y="3591697"/>
-            <a:ext cx="2314833" cy="5347"/>
-          </a:xfrm>
-          <a:prstGeom prst="bentConnector3">
-            <a:avLst>
-              <a:gd name="adj1" fmla="val 50000"/>
-            </a:avLst>
-          </a:prstGeom>
-          <a:ln>
-            <a:solidFill>
-              <a:schemeClr val="tx1"/>
-            </a:solidFill>
-            <a:tailEnd type="triangle"/>
-          </a:ln>
-        </p:spPr>
-        <p:style>
-          <a:lnRef idx="1">
-            <a:schemeClr val="accent1"/>
-          </a:lnRef>
-          <a:fillRef idx="0">
-            <a:schemeClr val="accent1"/>
-          </a:fillRef>
-          <a:effectRef idx="0">
-            <a:schemeClr val="accent1"/>
-          </a:effectRef>
-          <a:fontRef idx="minor">
-            <a:schemeClr val="tx1"/>
-          </a:fontRef>
-        </p:style>
-      </p:cxnSp>
-      <p:sp>
-        <p:nvSpPr>
-          <p:cNvPr id="13" name="TextBox 12">
-            <a:extLst>
-              <a:ext uri="{FF2B5EF4-FFF2-40B4-BE49-F238E27FC236}">
-                <a16:creationId xmlns:a16="http://schemas.microsoft.com/office/drawing/2014/main" id="{CC11B489-40BF-4E64-94D4-89118BA0BF4C}"/>
-              </a:ext>
-            </a:extLst>
-          </p:cNvPr>
-          <p:cNvSpPr txBox="1"/>
-          <p:nvPr/>
-        </p:nvSpPr>
-        <p:spPr>
-          <a:xfrm>
-            <a:off x="1421027" y="1274117"/>
-            <a:ext cx="2273643" cy="369332"/>
-          </a:xfrm>
-          <a:prstGeom prst="rect">
-            <a:avLst/>
-          </a:prstGeom>
-          <a:noFill/>
-        </p:spPr>
-        <p:txBody>
-          <a:bodyPr wrap="square" rtlCol="0">
-            <a:spAutoFit/>
-          </a:bodyPr>
-          <a:lstStyle/>
-          <a:p>
-            <a:r>
-              <a:rPr lang="it-IT" dirty="0"/>
-              <a:t>Si mostra la </a:t>
-            </a:r>
-            <a:r>
-              <a:rPr lang="it-IT" dirty="0" err="1"/>
-              <a:t>playarea</a:t>
-            </a:r>
-            <a:endParaRPr lang="it-IT" dirty="0"/>
-          </a:p>
-        </p:txBody>
-      </p:sp>
-      <p:sp>
-        <p:nvSpPr>
-          <p:cNvPr id="14" name="Rectangle: Rounded Corners 13">
-            <a:extLst>
-              <a:ext uri="{FF2B5EF4-FFF2-40B4-BE49-F238E27FC236}">
-                <a16:creationId xmlns:a16="http://schemas.microsoft.com/office/drawing/2014/main" id="{297E771F-2D87-46DE-AC07-C8BCA8B5F79A}"/>
-              </a:ext>
-            </a:extLst>
-          </p:cNvPr>
-          <p:cNvSpPr/>
-          <p:nvPr/>
-        </p:nvSpPr>
-        <p:spPr>
-          <a:xfrm>
-            <a:off x="1968808" y="2294240"/>
-            <a:ext cx="453115" cy="741404"/>
-          </a:xfrm>
-          <a:prstGeom prst="roundRect">
             <a:avLst/>
           </a:prstGeom>
         </p:spPr>
@@ -3996,28 +3972,198 @@
           <a:lstStyle/>
           <a:p>
             <a:pPr algn="ctr"/>
-            <a:r>
-              <a:rPr lang="it-IT" sz="1050" dirty="0" err="1"/>
-              <a:t>Add</a:t>
-            </a:r>
-            <a:endParaRPr lang="it-IT" sz="1050" dirty="0"/>
-          </a:p>
-          <a:p>
-            <a:pPr algn="ctr"/>
-            <a:r>
-              <a:rPr lang="it-IT" sz="1050" dirty="0" err="1"/>
-              <a:t>Actor</a:t>
-            </a:r>
-            <a:endParaRPr lang="it-IT" sz="1050" dirty="0"/>
-          </a:p>
-        </p:txBody>
-      </p:sp>
-      <p:sp>
-        <p:nvSpPr>
-          <p:cNvPr id="15" name="Rectangle: Rounded Corners 14">
-            <a:extLst>
-              <a:ext uri="{FF2B5EF4-FFF2-40B4-BE49-F238E27FC236}">
-                <a16:creationId xmlns:a16="http://schemas.microsoft.com/office/drawing/2014/main" id="{EB79471F-4455-4630-B260-D937F8C76EAF}"/>
+            <a:endParaRPr lang="it-IT"/>
+          </a:p>
+        </p:txBody>
+      </p:sp>
+      <p:sp>
+        <p:nvSpPr>
+          <p:cNvPr id="9" name="TextBox 8">
+            <a:extLst>
+              <a:ext uri="{FF2B5EF4-FFF2-40B4-BE49-F238E27FC236}">
+                <a16:creationId xmlns:a16="http://schemas.microsoft.com/office/drawing/2014/main" id="{00670D9C-DB60-4F9E-84CD-223F15B0AEEC}"/>
+              </a:ext>
+            </a:extLst>
+          </p:cNvPr>
+          <p:cNvSpPr txBox="1"/>
+          <p:nvPr/>
+        </p:nvSpPr>
+        <p:spPr>
+          <a:xfrm>
+            <a:off x="4852051" y="2476155"/>
+            <a:ext cx="4097075" cy="1477328"/>
+          </a:xfrm>
+          <a:prstGeom prst="rect">
+            <a:avLst/>
+          </a:prstGeom>
+          <a:noFill/>
+        </p:spPr>
+        <p:txBody>
+          <a:bodyPr wrap="square" rtlCol="0">
+            <a:spAutoFit/>
+          </a:bodyPr>
+          <a:lstStyle/>
+          <a:p>
+            <a:r>
+              <a:rPr lang="it-IT" dirty="0"/>
+              <a:t>[</a:t>
+            </a:r>
+            <a:r>
+              <a:rPr lang="it-IT" dirty="0" err="1"/>
+              <a:t>name</a:t>
+            </a:r>
+            <a:r>
+              <a:rPr lang="it-IT" dirty="0"/>
+              <a:t>] [ </a:t>
+            </a:r>
+            <a:r>
+              <a:rPr lang="it-IT" dirty="0" err="1"/>
+              <a:t>value</a:t>
+            </a:r>
+            <a:r>
+              <a:rPr lang="it-IT" dirty="0"/>
+              <a:t> ]  tipo[v] monitora </a:t>
+            </a:r>
+            <a:r>
+              <a:rPr lang="it-IT" dirty="0" err="1"/>
+              <a:t>elim</a:t>
+            </a:r>
+            <a:endParaRPr lang="it-IT" dirty="0"/>
+          </a:p>
+          <a:p>
+            <a:r>
+              <a:rPr lang="it-IT" dirty="0"/>
+              <a:t>Var2     [            ]  tipo[v] monitora </a:t>
+            </a:r>
+            <a:r>
+              <a:rPr lang="it-IT" dirty="0" err="1"/>
+              <a:t>elim</a:t>
+            </a:r>
+            <a:endParaRPr lang="it-IT" dirty="0"/>
+          </a:p>
+          <a:p>
+            <a:r>
+              <a:rPr lang="it-IT" dirty="0"/>
+              <a:t>Var3     [            ]  tipo[v] monitora </a:t>
+            </a:r>
+            <a:r>
+              <a:rPr lang="it-IT" dirty="0" err="1"/>
+              <a:t>elim</a:t>
+            </a:r>
+            <a:endParaRPr lang="it-IT" dirty="0"/>
+          </a:p>
+          <a:p>
+            <a:r>
+              <a:rPr lang="it-IT" dirty="0"/>
+              <a:t>…</a:t>
+            </a:r>
+          </a:p>
+          <a:p>
+            <a:r>
+              <a:rPr lang="it-IT" dirty="0" err="1"/>
+              <a:t>Aggiugi</a:t>
+            </a:r>
+            <a:r>
+              <a:rPr lang="it-IT" dirty="0"/>
+              <a:t> +</a:t>
+            </a:r>
+          </a:p>
+        </p:txBody>
+      </p:sp>
+      <p:cxnSp>
+        <p:nvCxnSpPr>
+          <p:cNvPr id="10" name="Connector: Elbow 9">
+            <a:extLst>
+              <a:ext uri="{FF2B5EF4-FFF2-40B4-BE49-F238E27FC236}">
+                <a16:creationId xmlns:a16="http://schemas.microsoft.com/office/drawing/2014/main" id="{C0815A38-8FA4-4EAE-83AB-A28C392CC02F}"/>
+              </a:ext>
+            </a:extLst>
+          </p:cNvPr>
+          <p:cNvCxnSpPr>
+            <a:cxnSpLocks/>
+            <a:stCxn id="7" idx="3"/>
+            <a:endCxn id="8" idx="1"/>
+          </p:cNvCxnSpPr>
+          <p:nvPr/>
+        </p:nvCxnSpPr>
+        <p:spPr>
+          <a:xfrm>
+            <a:off x="2421923" y="3591697"/>
+            <a:ext cx="2314833" cy="5347"/>
+          </a:xfrm>
+          <a:prstGeom prst="bentConnector3">
+            <a:avLst>
+              <a:gd name="adj1" fmla="val 50000"/>
+            </a:avLst>
+          </a:prstGeom>
+          <a:ln>
+            <a:solidFill>
+              <a:schemeClr val="tx1"/>
+            </a:solidFill>
+            <a:tailEnd type="triangle"/>
+          </a:ln>
+        </p:spPr>
+        <p:style>
+          <a:lnRef idx="1">
+            <a:schemeClr val="accent1"/>
+          </a:lnRef>
+          <a:fillRef idx="0">
+            <a:schemeClr val="accent1"/>
+          </a:fillRef>
+          <a:effectRef idx="0">
+            <a:schemeClr val="accent1"/>
+          </a:effectRef>
+          <a:fontRef idx="minor">
+            <a:schemeClr val="tx1"/>
+          </a:fontRef>
+        </p:style>
+      </p:cxnSp>
+      <p:sp>
+        <p:nvSpPr>
+          <p:cNvPr id="13" name="TextBox 12">
+            <a:extLst>
+              <a:ext uri="{FF2B5EF4-FFF2-40B4-BE49-F238E27FC236}">
+                <a16:creationId xmlns:a16="http://schemas.microsoft.com/office/drawing/2014/main" id="{CC11B489-40BF-4E64-94D4-89118BA0BF4C}"/>
+              </a:ext>
+            </a:extLst>
+          </p:cNvPr>
+          <p:cNvSpPr txBox="1"/>
+          <p:nvPr/>
+        </p:nvSpPr>
+        <p:spPr>
+          <a:xfrm>
+            <a:off x="1421027" y="1274117"/>
+            <a:ext cx="2273643" cy="369332"/>
+          </a:xfrm>
+          <a:prstGeom prst="rect">
+            <a:avLst/>
+          </a:prstGeom>
+          <a:noFill/>
+        </p:spPr>
+        <p:txBody>
+          <a:bodyPr wrap="square" rtlCol="0">
+            <a:spAutoFit/>
+          </a:bodyPr>
+          <a:lstStyle/>
+          <a:p>
+            <a:r>
+              <a:rPr lang="it-IT" dirty="0"/>
+              <a:t>Si mostra la </a:t>
+            </a:r>
+            <a:r>
+              <a:rPr lang="it-IT" dirty="0" err="1"/>
+              <a:t>playarea</a:t>
+            </a:r>
+            <a:endParaRPr lang="it-IT" dirty="0"/>
+          </a:p>
+        </p:txBody>
+      </p:sp>
+      <p:sp>
+        <p:nvSpPr>
+          <p:cNvPr id="14" name="Rectangle: Rounded Corners 13">
+            <a:extLst>
+              <a:ext uri="{FF2B5EF4-FFF2-40B4-BE49-F238E27FC236}">
+                <a16:creationId xmlns:a16="http://schemas.microsoft.com/office/drawing/2014/main" id="{297E771F-2D87-46DE-AC07-C8BCA8B5F79A}"/>
               </a:ext>
             </a:extLst>
           </p:cNvPr>
@@ -4026,8 +4172,8 @@
         </p:nvSpPr>
         <p:spPr>
           <a:xfrm>
-            <a:off x="1400397" y="3223057"/>
-            <a:ext cx="453115" cy="741405"/>
+            <a:off x="1968808" y="2294240"/>
+            <a:ext cx="453115" cy="741404"/>
           </a:xfrm>
           <a:prstGeom prst="roundRect">
             <a:avLst/>
@@ -4056,8 +4202,378 @@
             <a:pPr algn="ctr"/>
             <a:r>
               <a:rPr lang="it-IT" sz="1050" dirty="0"/>
+              <a:t>Add</a:t>
+            </a:r>
+          </a:p>
+          <a:p>
+            <a:pPr algn="ctr"/>
+            <a:r>
+              <a:rPr lang="it-IT" sz="1050" dirty="0"/>
+              <a:t>Actor</a:t>
+            </a:r>
+          </a:p>
+        </p:txBody>
+      </p:sp>
+      <p:sp>
+        <p:nvSpPr>
+          <p:cNvPr id="15" name="Rectangle: Rounded Corners 14">
+            <a:extLst>
+              <a:ext uri="{FF2B5EF4-FFF2-40B4-BE49-F238E27FC236}">
+                <a16:creationId xmlns:a16="http://schemas.microsoft.com/office/drawing/2014/main" id="{EB79471F-4455-4630-B260-D937F8C76EAF}"/>
+              </a:ext>
+            </a:extLst>
+          </p:cNvPr>
+          <p:cNvSpPr/>
+          <p:nvPr/>
+        </p:nvSpPr>
+        <p:spPr>
+          <a:xfrm>
+            <a:off x="1400397" y="3223057"/>
+            <a:ext cx="453115" cy="741405"/>
+          </a:xfrm>
+          <a:prstGeom prst="roundRect">
+            <a:avLst/>
+          </a:prstGeom>
+        </p:spPr>
+        <p:style>
+          <a:lnRef idx="2">
+            <a:schemeClr val="accent1">
+              <a:shade val="50000"/>
+            </a:schemeClr>
+          </a:lnRef>
+          <a:fillRef idx="1">
+            <a:schemeClr val="accent1"/>
+          </a:fillRef>
+          <a:effectRef idx="0">
+            <a:schemeClr val="accent1"/>
+          </a:effectRef>
+          <a:fontRef idx="minor">
+            <a:schemeClr val="lt1"/>
+          </a:fontRef>
+        </p:style>
+        <p:txBody>
+          <a:bodyPr rtlCol="0" anchor="ctr"/>
+          <a:lstStyle/>
+          <a:p>
+            <a:pPr algn="ctr"/>
+            <a:r>
+              <a:rPr lang="it-IT" sz="1050" dirty="0"/>
               <a:t>Show Timer</a:t>
             </a:r>
+          </a:p>
+        </p:txBody>
+      </p:sp>
+      <p:sp>
+        <p:nvSpPr>
+          <p:cNvPr id="16" name="Rectangle 15">
+            <a:extLst>
+              <a:ext uri="{FF2B5EF4-FFF2-40B4-BE49-F238E27FC236}">
+                <a16:creationId xmlns:a16="http://schemas.microsoft.com/office/drawing/2014/main" id="{C6B5AB83-24E1-49FE-BE58-5676BF1D9934}"/>
+              </a:ext>
+            </a:extLst>
+          </p:cNvPr>
+          <p:cNvSpPr/>
+          <p:nvPr/>
+        </p:nvSpPr>
+        <p:spPr>
+          <a:xfrm>
+            <a:off x="5103192" y="122946"/>
+            <a:ext cx="6763688" cy="2043591"/>
+          </a:xfrm>
+          <a:prstGeom prst="rect">
+            <a:avLst/>
+          </a:prstGeom>
+          <a:solidFill>
+            <a:schemeClr val="bg1"/>
+          </a:solidFill>
+          <a:ln>
+            <a:solidFill>
+              <a:schemeClr val="tx1"/>
+            </a:solidFill>
+          </a:ln>
+        </p:spPr>
+        <p:style>
+          <a:lnRef idx="2">
+            <a:schemeClr val="accent1">
+              <a:shade val="50000"/>
+            </a:schemeClr>
+          </a:lnRef>
+          <a:fillRef idx="1">
+            <a:schemeClr val="accent1"/>
+          </a:fillRef>
+          <a:effectRef idx="0">
+            <a:schemeClr val="accent1"/>
+          </a:effectRef>
+          <a:fontRef idx="minor">
+            <a:schemeClr val="lt1"/>
+          </a:fontRef>
+        </p:style>
+        <p:txBody>
+          <a:bodyPr rtlCol="0" anchor="ctr"/>
+          <a:lstStyle/>
+          <a:p>
+            <a:pPr algn="ctr"/>
+            <a:endParaRPr lang="it-IT"/>
+          </a:p>
+        </p:txBody>
+      </p:sp>
+      <p:sp>
+        <p:nvSpPr>
+          <p:cNvPr id="17" name="Rectangle 16">
+            <a:extLst>
+              <a:ext uri="{FF2B5EF4-FFF2-40B4-BE49-F238E27FC236}">
+                <a16:creationId xmlns:a16="http://schemas.microsoft.com/office/drawing/2014/main" id="{12DDDF2C-8B3A-48AF-8575-1BBE54B21C8F}"/>
+              </a:ext>
+            </a:extLst>
+          </p:cNvPr>
+          <p:cNvSpPr/>
+          <p:nvPr/>
+        </p:nvSpPr>
+        <p:spPr>
+          <a:xfrm>
+            <a:off x="5103192" y="122946"/>
+            <a:ext cx="6763688" cy="321884"/>
+          </a:xfrm>
+          <a:prstGeom prst="rect">
+            <a:avLst/>
+          </a:prstGeom>
+          <a:solidFill>
+            <a:srgbClr val="002060"/>
+          </a:solidFill>
+          <a:ln>
+            <a:solidFill>
+              <a:schemeClr val="bg1"/>
+            </a:solidFill>
+          </a:ln>
+        </p:spPr>
+        <p:style>
+          <a:lnRef idx="2">
+            <a:schemeClr val="accent1">
+              <a:shade val="50000"/>
+            </a:schemeClr>
+          </a:lnRef>
+          <a:fillRef idx="1">
+            <a:schemeClr val="accent1"/>
+          </a:fillRef>
+          <a:effectRef idx="0">
+            <a:schemeClr val="accent1"/>
+          </a:effectRef>
+          <a:fontRef idx="minor">
+            <a:schemeClr val="lt1"/>
+          </a:fontRef>
+        </p:style>
+        <p:txBody>
+          <a:bodyPr rtlCol="0" anchor="ctr"/>
+          <a:lstStyle/>
+          <a:p>
+            <a:pPr algn="ctr"/>
+            <a:r>
+              <a:rPr lang="it-IT" dirty="0"/>
+              <a:t>Variabili di Actor1 (Globali)</a:t>
+            </a:r>
+          </a:p>
+        </p:txBody>
+      </p:sp>
+      <p:sp>
+        <p:nvSpPr>
+          <p:cNvPr id="18" name="TextBox 17">
+            <a:extLst>
+              <a:ext uri="{FF2B5EF4-FFF2-40B4-BE49-F238E27FC236}">
+                <a16:creationId xmlns:a16="http://schemas.microsoft.com/office/drawing/2014/main" id="{8EA0CE20-81BC-4491-82DB-A6AF0EDBA8AB}"/>
+              </a:ext>
+            </a:extLst>
+          </p:cNvPr>
+          <p:cNvSpPr txBox="1"/>
+          <p:nvPr/>
+        </p:nvSpPr>
+        <p:spPr>
+          <a:xfrm>
+            <a:off x="5103192" y="455878"/>
+            <a:ext cx="6763688" cy="369332"/>
+          </a:xfrm>
+          <a:prstGeom prst="rect">
+            <a:avLst/>
+          </a:prstGeom>
+          <a:noFill/>
+        </p:spPr>
+        <p:txBody>
+          <a:bodyPr wrap="square" rtlCol="0">
+            <a:spAutoFit/>
+          </a:bodyPr>
+          <a:lstStyle/>
+          <a:p>
+            <a:r>
+              <a:rPr lang="it-IT" dirty="0" err="1"/>
+              <a:t>Name</a:t>
+            </a:r>
+            <a:r>
+              <a:rPr lang="it-IT" dirty="0"/>
+              <a:t>		Value		</a:t>
+            </a:r>
+            <a:r>
+              <a:rPr lang="it-IT" dirty="0" err="1"/>
+              <a:t>Type</a:t>
+            </a:r>
+            <a:r>
+              <a:rPr lang="it-IT" dirty="0"/>
+              <a:t>	Monitor      Delete	</a:t>
+            </a:r>
+          </a:p>
+        </p:txBody>
+      </p:sp>
+      <p:sp>
+        <p:nvSpPr>
+          <p:cNvPr id="3" name="Rectangle 2">
+            <a:extLst>
+              <a:ext uri="{FF2B5EF4-FFF2-40B4-BE49-F238E27FC236}">
+                <a16:creationId xmlns:a16="http://schemas.microsoft.com/office/drawing/2014/main" id="{C7F55ABB-B103-4B16-AB7A-A366F3657F6A}"/>
+              </a:ext>
+            </a:extLst>
+          </p:cNvPr>
+          <p:cNvSpPr/>
+          <p:nvPr/>
+        </p:nvSpPr>
+        <p:spPr>
+          <a:xfrm>
+            <a:off x="5207181" y="834771"/>
+            <a:ext cx="1691459" cy="290496"/>
+          </a:xfrm>
+          <a:prstGeom prst="rect">
+            <a:avLst/>
+          </a:prstGeom>
+          <a:solidFill>
+            <a:schemeClr val="bg1"/>
+          </a:solidFill>
+          <a:ln w="28575">
+            <a:solidFill>
+              <a:schemeClr val="tx1"/>
+            </a:solidFill>
+            <a:prstDash val="sysDash"/>
+          </a:ln>
+        </p:spPr>
+        <p:style>
+          <a:lnRef idx="2">
+            <a:schemeClr val="accent1">
+              <a:shade val="50000"/>
+            </a:schemeClr>
+          </a:lnRef>
+          <a:fillRef idx="1">
+            <a:schemeClr val="accent1"/>
+          </a:fillRef>
+          <a:effectRef idx="0">
+            <a:schemeClr val="accent1"/>
+          </a:effectRef>
+          <a:fontRef idx="minor">
+            <a:schemeClr val="lt1"/>
+          </a:fontRef>
+        </p:style>
+        <p:txBody>
+          <a:bodyPr rtlCol="0" anchor="ctr"/>
+          <a:lstStyle/>
+          <a:p>
+            <a:pPr algn="ctr"/>
+            <a:endParaRPr lang="it-IT"/>
+          </a:p>
+        </p:txBody>
+      </p:sp>
+      <p:sp>
+        <p:nvSpPr>
+          <p:cNvPr id="19" name="Rectangle 18">
+            <a:extLst>
+              <a:ext uri="{FF2B5EF4-FFF2-40B4-BE49-F238E27FC236}">
+                <a16:creationId xmlns:a16="http://schemas.microsoft.com/office/drawing/2014/main" id="{F88BF270-55F6-4BDC-A5F5-124128BD429C}"/>
+              </a:ext>
+            </a:extLst>
+          </p:cNvPr>
+          <p:cNvSpPr/>
+          <p:nvPr/>
+        </p:nvSpPr>
+        <p:spPr>
+          <a:xfrm>
+            <a:off x="7002629" y="834771"/>
+            <a:ext cx="1691459" cy="290496"/>
+          </a:xfrm>
+          <a:prstGeom prst="rect">
+            <a:avLst/>
+          </a:prstGeom>
+          <a:solidFill>
+            <a:schemeClr val="bg1"/>
+          </a:solidFill>
+          <a:ln w="28575">
+            <a:solidFill>
+              <a:schemeClr val="tx1"/>
+            </a:solidFill>
+            <a:prstDash val="sysDash"/>
+          </a:ln>
+        </p:spPr>
+        <p:style>
+          <a:lnRef idx="2">
+            <a:schemeClr val="accent1">
+              <a:shade val="50000"/>
+            </a:schemeClr>
+          </a:lnRef>
+          <a:fillRef idx="1">
+            <a:schemeClr val="accent1"/>
+          </a:fillRef>
+          <a:effectRef idx="0">
+            <a:schemeClr val="accent1"/>
+          </a:effectRef>
+          <a:fontRef idx="minor">
+            <a:schemeClr val="lt1"/>
+          </a:fontRef>
+        </p:style>
+        <p:txBody>
+          <a:bodyPr rtlCol="0" anchor="ctr"/>
+          <a:lstStyle/>
+          <a:p>
+            <a:pPr algn="ctr"/>
+            <a:endParaRPr lang="it-IT"/>
+          </a:p>
+        </p:txBody>
+      </p:sp>
+      <p:sp>
+        <p:nvSpPr>
+          <p:cNvPr id="5" name="Rectangle 4">
+            <a:extLst>
+              <a:ext uri="{FF2B5EF4-FFF2-40B4-BE49-F238E27FC236}">
+                <a16:creationId xmlns:a16="http://schemas.microsoft.com/office/drawing/2014/main" id="{B298A70C-2602-4882-9510-D759A335AFC6}"/>
+              </a:ext>
+            </a:extLst>
+          </p:cNvPr>
+          <p:cNvSpPr/>
+          <p:nvPr/>
+        </p:nvSpPr>
+        <p:spPr>
+          <a:xfrm>
+            <a:off x="8816563" y="807637"/>
+            <a:ext cx="863600" cy="344764"/>
+          </a:xfrm>
+          <a:prstGeom prst="rect">
+            <a:avLst/>
+          </a:prstGeom>
+        </p:spPr>
+        <p:style>
+          <a:lnRef idx="2">
+            <a:schemeClr val="accent1">
+              <a:shade val="50000"/>
+            </a:schemeClr>
+          </a:lnRef>
+          <a:fillRef idx="1">
+            <a:schemeClr val="accent1"/>
+          </a:fillRef>
+          <a:effectRef idx="0">
+            <a:schemeClr val="accent1"/>
+          </a:effectRef>
+          <a:fontRef idx="minor">
+            <a:schemeClr val="lt1"/>
+          </a:fontRef>
+        </p:style>
+        <p:txBody>
+          <a:bodyPr rtlCol="0" anchor="ctr"/>
+          <a:lstStyle/>
+          <a:p>
+            <a:pPr algn="ctr"/>
+            <a:endParaRPr lang="it-IT"/>
           </a:p>
         </p:txBody>
       </p:sp>
@@ -4074,7 +4590,416 @@
 </p:sld>
 </file>
 
-<file path=ppt/slides/slide11.xml><?xml version="1.0" encoding="utf-8"?>
+<file path=ppt/slides/slide12.xml><?xml version="1.0" encoding="utf-8"?>
+<p:sld xmlns:a="http://schemas.openxmlformats.org/drawingml/2006/main" xmlns:r="http://schemas.openxmlformats.org/officeDocument/2006/relationships" xmlns:p="http://schemas.openxmlformats.org/presentationml/2006/main">
+  <p:cSld>
+    <p:spTree>
+      <p:nvGrpSpPr>
+        <p:cNvPr id="1" name=""/>
+        <p:cNvGrpSpPr/>
+        <p:nvPr/>
+      </p:nvGrpSpPr>
+      <p:grpSpPr>
+        <a:xfrm>
+          <a:off x="0" y="0"/>
+          <a:ext cx="0" cy="0"/>
+          <a:chOff x="0" y="0"/>
+          <a:chExt cx="0" cy="0"/>
+        </a:xfrm>
+      </p:grpSpPr>
+      <p:sp>
+        <p:nvSpPr>
+          <p:cNvPr id="2" name="Rectangle 1">
+            <a:extLst>
+              <a:ext uri="{FF2B5EF4-FFF2-40B4-BE49-F238E27FC236}">
+                <a16:creationId xmlns:a16="http://schemas.microsoft.com/office/drawing/2014/main" id="{1A84D45F-A51D-4EB2-A2FE-94C41E0B4C8A}"/>
+              </a:ext>
+            </a:extLst>
+          </p:cNvPr>
+          <p:cNvSpPr/>
+          <p:nvPr/>
+        </p:nvSpPr>
+        <p:spPr>
+          <a:xfrm>
+            <a:off x="172720" y="152400"/>
+            <a:ext cx="3637280" cy="3637280"/>
+          </a:xfrm>
+          <a:prstGeom prst="rect">
+            <a:avLst/>
+          </a:prstGeom>
+          <a:solidFill>
+            <a:schemeClr val="tx1"/>
+          </a:solidFill>
+          <a:ln>
+            <a:noFill/>
+          </a:ln>
+        </p:spPr>
+        <p:style>
+          <a:lnRef idx="2">
+            <a:schemeClr val="accent1">
+              <a:shade val="50000"/>
+            </a:schemeClr>
+          </a:lnRef>
+          <a:fillRef idx="1">
+            <a:schemeClr val="accent1"/>
+          </a:fillRef>
+          <a:effectRef idx="0">
+            <a:schemeClr val="accent1"/>
+          </a:effectRef>
+          <a:fontRef idx="minor">
+            <a:schemeClr val="lt1"/>
+          </a:fontRef>
+        </p:style>
+        <p:txBody>
+          <a:bodyPr rtlCol="0" anchor="ctr"/>
+          <a:lstStyle/>
+          <a:p>
+            <a:pPr algn="ctr"/>
+            <a:r>
+              <a:rPr lang="it-IT" sz="2400" dirty="0">
+                <a:latin typeface="Arial" panose="020B0604020202020204" pitchFamily="34" charset="0"/>
+                <a:cs typeface="Arial" panose="020B0604020202020204" pitchFamily="34" charset="0"/>
+              </a:rPr>
+              <a:t>Start</a:t>
+            </a:r>
+          </a:p>
+          <a:p>
+            <a:pPr algn="ctr"/>
+            <a:r>
+              <a:rPr lang="it-IT" sz="7200" dirty="0">
+                <a:latin typeface="Arial" panose="020B0604020202020204" pitchFamily="34" charset="0"/>
+                <a:cs typeface="Arial" panose="020B0604020202020204" pitchFamily="34" charset="0"/>
+              </a:rPr>
+              <a:t>Play</a:t>
+            </a:r>
+          </a:p>
+          <a:p>
+            <a:pPr algn="ctr"/>
+            <a:r>
+              <a:rPr lang="it-IT" sz="7200" dirty="0">
+                <a:latin typeface="Arial" panose="020B0604020202020204" pitchFamily="34" charset="0"/>
+                <a:cs typeface="Arial" panose="020B0604020202020204" pitchFamily="34" charset="0"/>
+              </a:rPr>
+              <a:t>Mode</a:t>
+            </a:r>
+          </a:p>
+        </p:txBody>
+      </p:sp>
+      <p:sp>
+        <p:nvSpPr>
+          <p:cNvPr id="3" name="Rectangle 2">
+            <a:extLst>
+              <a:ext uri="{FF2B5EF4-FFF2-40B4-BE49-F238E27FC236}">
+                <a16:creationId xmlns:a16="http://schemas.microsoft.com/office/drawing/2014/main" id="{2442D342-341C-42D8-9459-F0F4AA858246}"/>
+              </a:ext>
+            </a:extLst>
+          </p:cNvPr>
+          <p:cNvSpPr/>
+          <p:nvPr/>
+        </p:nvSpPr>
+        <p:spPr>
+          <a:xfrm>
+            <a:off x="3962400" y="152400"/>
+            <a:ext cx="3637280" cy="3637280"/>
+          </a:xfrm>
+          <a:prstGeom prst="rect">
+            <a:avLst/>
+          </a:prstGeom>
+          <a:solidFill>
+            <a:schemeClr val="tx1"/>
+          </a:solidFill>
+          <a:ln>
+            <a:noFill/>
+          </a:ln>
+        </p:spPr>
+        <p:style>
+          <a:lnRef idx="2">
+            <a:schemeClr val="accent1">
+              <a:shade val="50000"/>
+            </a:schemeClr>
+          </a:lnRef>
+          <a:fillRef idx="1">
+            <a:schemeClr val="accent1"/>
+          </a:fillRef>
+          <a:effectRef idx="0">
+            <a:schemeClr val="accent1"/>
+          </a:effectRef>
+          <a:fontRef idx="minor">
+            <a:schemeClr val="lt1"/>
+          </a:fontRef>
+        </p:style>
+        <p:txBody>
+          <a:bodyPr rtlCol="0" anchor="ctr"/>
+          <a:lstStyle/>
+          <a:p>
+            <a:pPr algn="ctr"/>
+            <a:r>
+              <a:rPr lang="it-IT" sz="9600" dirty="0"/>
+              <a:t>Add</a:t>
+            </a:r>
+          </a:p>
+          <a:p>
+            <a:pPr algn="ctr"/>
+            <a:r>
+              <a:rPr lang="it-IT" sz="9600" dirty="0"/>
+              <a:t>Actor</a:t>
+            </a:r>
+          </a:p>
+        </p:txBody>
+      </p:sp>
+      <p:sp>
+        <p:nvSpPr>
+          <p:cNvPr id="4" name="Rectangle 3">
+            <a:extLst>
+              <a:ext uri="{FF2B5EF4-FFF2-40B4-BE49-F238E27FC236}">
+                <a16:creationId xmlns:a16="http://schemas.microsoft.com/office/drawing/2014/main" id="{799AEE78-503D-402F-896B-0E6CE29282D2}"/>
+              </a:ext>
+            </a:extLst>
+          </p:cNvPr>
+          <p:cNvSpPr/>
+          <p:nvPr/>
+        </p:nvSpPr>
+        <p:spPr>
+          <a:xfrm>
+            <a:off x="7752080" y="152400"/>
+            <a:ext cx="3637280" cy="3637280"/>
+          </a:xfrm>
+          <a:prstGeom prst="rect">
+            <a:avLst/>
+          </a:prstGeom>
+          <a:solidFill>
+            <a:schemeClr val="tx1"/>
+          </a:solidFill>
+          <a:ln>
+            <a:noFill/>
+          </a:ln>
+        </p:spPr>
+        <p:style>
+          <a:lnRef idx="2">
+            <a:schemeClr val="accent1">
+              <a:shade val="50000"/>
+            </a:schemeClr>
+          </a:lnRef>
+          <a:fillRef idx="1">
+            <a:schemeClr val="accent1"/>
+          </a:fillRef>
+          <a:effectRef idx="0">
+            <a:schemeClr val="accent1"/>
+          </a:effectRef>
+          <a:fontRef idx="minor">
+            <a:schemeClr val="lt1"/>
+          </a:fontRef>
+        </p:style>
+        <p:txBody>
+          <a:bodyPr rtlCol="0" anchor="ctr"/>
+          <a:lstStyle/>
+          <a:p>
+            <a:pPr algn="ctr"/>
+            <a:r>
+              <a:rPr lang="it-IT" sz="9600" dirty="0"/>
+              <a:t>Show</a:t>
+            </a:r>
+          </a:p>
+          <a:p>
+            <a:pPr algn="ctr"/>
+            <a:r>
+              <a:rPr lang="it-IT" sz="9600" dirty="0"/>
+              <a:t>Timer</a:t>
+            </a:r>
+          </a:p>
+        </p:txBody>
+      </p:sp>
+    </p:spTree>
+    <p:extLst>
+      <p:ext uri="{BB962C8B-B14F-4D97-AF65-F5344CB8AC3E}">
+        <p14:creationId xmlns:p14="http://schemas.microsoft.com/office/powerpoint/2010/main" val="1774594171"/>
+      </p:ext>
+    </p:extLst>
+  </p:cSld>
+  <p:clrMapOvr>
+    <a:masterClrMapping/>
+  </p:clrMapOvr>
+</p:sld>
+</file>
+
+<file path=ppt/slides/slide13.xml><?xml version="1.0" encoding="utf-8"?>
+<p:sld xmlns:a="http://schemas.openxmlformats.org/drawingml/2006/main" xmlns:r="http://schemas.openxmlformats.org/officeDocument/2006/relationships" xmlns:p="http://schemas.openxmlformats.org/presentationml/2006/main">
+  <p:cSld>
+    <p:spTree>
+      <p:nvGrpSpPr>
+        <p:cNvPr id="1" name=""/>
+        <p:cNvGrpSpPr/>
+        <p:nvPr/>
+      </p:nvGrpSpPr>
+      <p:grpSpPr>
+        <a:xfrm>
+          <a:off x="0" y="0"/>
+          <a:ext cx="0" cy="0"/>
+          <a:chOff x="0" y="0"/>
+          <a:chExt cx="0" cy="0"/>
+        </a:xfrm>
+      </p:grpSpPr>
+      <p:sp>
+        <p:nvSpPr>
+          <p:cNvPr id="2" name="Rectangle 1">
+            <a:extLst>
+              <a:ext uri="{FF2B5EF4-FFF2-40B4-BE49-F238E27FC236}">
+                <a16:creationId xmlns:a16="http://schemas.microsoft.com/office/drawing/2014/main" id="{1A84D45F-A51D-4EB2-A2FE-94C41E0B4C8A}"/>
+              </a:ext>
+            </a:extLst>
+          </p:cNvPr>
+          <p:cNvSpPr/>
+          <p:nvPr/>
+        </p:nvSpPr>
+        <p:spPr>
+          <a:xfrm>
+            <a:off x="172720" y="152400"/>
+            <a:ext cx="3637280" cy="3637280"/>
+          </a:xfrm>
+          <a:prstGeom prst="rect">
+            <a:avLst/>
+          </a:prstGeom>
+          <a:solidFill>
+            <a:schemeClr val="tx1"/>
+          </a:solidFill>
+          <a:ln>
+            <a:noFill/>
+          </a:ln>
+        </p:spPr>
+        <p:style>
+          <a:lnRef idx="2">
+            <a:schemeClr val="accent1">
+              <a:shade val="50000"/>
+            </a:schemeClr>
+          </a:lnRef>
+          <a:fillRef idx="1">
+            <a:schemeClr val="accent1"/>
+          </a:fillRef>
+          <a:effectRef idx="0">
+            <a:schemeClr val="accent1"/>
+          </a:effectRef>
+          <a:fontRef idx="minor">
+            <a:schemeClr val="lt1"/>
+          </a:fontRef>
+        </p:style>
+        <p:txBody>
+          <a:bodyPr rtlCol="0" anchor="ctr"/>
+          <a:lstStyle/>
+          <a:p>
+            <a:pPr algn="ctr"/>
+            <a:r>
+              <a:rPr lang="it-IT" sz="7200" dirty="0"/>
+              <a:t>List</a:t>
+            </a:r>
+          </a:p>
+          <a:p>
+            <a:pPr algn="ctr"/>
+            <a:r>
+              <a:rPr lang="it-IT" sz="7200" dirty="0"/>
+              <a:t>Global</a:t>
+            </a:r>
+          </a:p>
+          <a:p>
+            <a:pPr algn="ctr"/>
+            <a:r>
+              <a:rPr lang="it-IT" sz="7200" dirty="0"/>
+              <a:t>Variables</a:t>
+            </a:r>
+          </a:p>
+        </p:txBody>
+      </p:sp>
+      <p:sp>
+        <p:nvSpPr>
+          <p:cNvPr id="5" name="Rectangle 4">
+            <a:extLst>
+              <a:ext uri="{FF2B5EF4-FFF2-40B4-BE49-F238E27FC236}">
+                <a16:creationId xmlns:a16="http://schemas.microsoft.com/office/drawing/2014/main" id="{1DE3F852-C8C3-4CF0-A270-D664A5B9F095}"/>
+              </a:ext>
+            </a:extLst>
+          </p:cNvPr>
+          <p:cNvSpPr/>
+          <p:nvPr/>
+        </p:nvSpPr>
+        <p:spPr>
+          <a:xfrm>
+            <a:off x="4003040" y="152400"/>
+            <a:ext cx="3637280" cy="3637280"/>
+          </a:xfrm>
+          <a:prstGeom prst="rect">
+            <a:avLst/>
+          </a:prstGeom>
+          <a:solidFill>
+            <a:schemeClr val="tx1"/>
+          </a:solidFill>
+          <a:ln>
+            <a:noFill/>
+          </a:ln>
+        </p:spPr>
+        <p:style>
+          <a:lnRef idx="2">
+            <a:schemeClr val="accent1">
+              <a:shade val="50000"/>
+            </a:schemeClr>
+          </a:lnRef>
+          <a:fillRef idx="1">
+            <a:schemeClr val="accent1"/>
+          </a:fillRef>
+          <a:effectRef idx="0">
+            <a:schemeClr val="accent1"/>
+          </a:effectRef>
+          <a:fontRef idx="minor">
+            <a:schemeClr val="lt1"/>
+          </a:fontRef>
+        </p:style>
+        <p:txBody>
+          <a:bodyPr rtlCol="0" anchor="ctr"/>
+          <a:lstStyle/>
+          <a:p>
+            <a:pPr algn="ctr"/>
+            <a:r>
+              <a:rPr lang="it-IT" sz="2400" dirty="0">
+                <a:latin typeface="Arial" panose="020B0604020202020204" pitchFamily="34" charset="0"/>
+                <a:cs typeface="Arial" panose="020B0604020202020204" pitchFamily="34" charset="0"/>
+              </a:rPr>
+              <a:t>Start</a:t>
+            </a:r>
+          </a:p>
+          <a:p>
+            <a:pPr algn="ctr"/>
+            <a:r>
+              <a:rPr lang="it-IT" sz="7200" dirty="0">
+                <a:latin typeface="Arial" panose="020B0604020202020204" pitchFamily="34" charset="0"/>
+                <a:cs typeface="Arial" panose="020B0604020202020204" pitchFamily="34" charset="0"/>
+              </a:rPr>
+              <a:t>Edit</a:t>
+            </a:r>
+          </a:p>
+          <a:p>
+            <a:pPr algn="ctr"/>
+            <a:r>
+              <a:rPr lang="it-IT" sz="7200" dirty="0">
+                <a:latin typeface="Arial" panose="020B0604020202020204" pitchFamily="34" charset="0"/>
+                <a:cs typeface="Arial" panose="020B0604020202020204" pitchFamily="34" charset="0"/>
+              </a:rPr>
+              <a:t>Mode</a:t>
+            </a:r>
+          </a:p>
+        </p:txBody>
+      </p:sp>
+    </p:spTree>
+    <p:extLst>
+      <p:ext uri="{BB962C8B-B14F-4D97-AF65-F5344CB8AC3E}">
+        <p14:creationId xmlns:p14="http://schemas.microsoft.com/office/powerpoint/2010/main" val="576009753"/>
+      </p:ext>
+    </p:extLst>
+  </p:cSld>
+  <p:clrMapOvr>
+    <a:masterClrMapping/>
+  </p:clrMapOvr>
+</p:sld>
+</file>
+
+<file path=ppt/slides/slide14.xml><?xml version="1.0" encoding="utf-8"?>
 <p:sld xmlns:a="http://schemas.openxmlformats.org/drawingml/2006/main" xmlns:r="http://schemas.openxmlformats.org/officeDocument/2006/relationships" xmlns:p="http://schemas.openxmlformats.org/presentationml/2006/main">
   <p:cSld>
     <p:spTree>
@@ -4478,7 +5403,7 @@
         </p:nvSpPr>
         <p:spPr>
           <a:xfrm>
-            <a:off x="4547961" y="511415"/>
+            <a:off x="4547959" y="849312"/>
             <a:ext cx="1029730" cy="369332"/>
           </a:xfrm>
           <a:prstGeom prst="rect">
@@ -4493,10 +5418,17 @@
           <a:lstStyle/>
           <a:p>
             <a:r>
+              <a:rPr lang="it-IT" dirty="0"/>
+              <a:t>[</a:t>
+            </a:r>
+            <a:r>
               <a:rPr lang="it-IT" dirty="0" err="1"/>
               <a:t>Name</a:t>
             </a:r>
-            <a:endParaRPr lang="it-IT" dirty="0"/>
+            <a:r>
+              <a:rPr lang="it-IT" dirty="0"/>
+              <a:t>]</a:t>
+            </a:r>
           </a:p>
         </p:txBody>
       </p:sp>
@@ -5449,12 +6381,42 @@
           <a:chExt cx="0" cy="0"/>
         </a:xfrm>
       </p:grpSpPr>
-      <p:sp>
-        <p:nvSpPr>
-          <p:cNvPr id="2" name="Rectangle 1">
-            <a:extLst>
-              <a:ext uri="{FF2B5EF4-FFF2-40B4-BE49-F238E27FC236}">
-                <a16:creationId xmlns:a16="http://schemas.microsoft.com/office/drawing/2014/main" id="{D97C19A2-9C97-42EE-B539-FA9FE4A3872D}"/>
+      <p:pic>
+        <p:nvPicPr>
+          <p:cNvPr id="11" name="Picture 10">
+            <a:extLst>
+              <a:ext uri="{FF2B5EF4-FFF2-40B4-BE49-F238E27FC236}">
+                <a16:creationId xmlns:a16="http://schemas.microsoft.com/office/drawing/2014/main" id="{EDA3379D-36CC-4715-AFB2-BB6A9CDB804F}"/>
+              </a:ext>
+            </a:extLst>
+          </p:cNvPr>
+          <p:cNvPicPr>
+            <a:picLocks noChangeAspect="1"/>
+          </p:cNvPicPr>
+          <p:nvPr/>
+        </p:nvPicPr>
+        <p:blipFill>
+          <a:blip r:embed="rId2"/>
+          <a:stretch>
+            <a:fillRect/>
+          </a:stretch>
+        </p:blipFill>
+        <p:spPr>
+          <a:xfrm>
+            <a:off x="426720" y="254000"/>
+            <a:ext cx="3606800" cy="2280992"/>
+          </a:xfrm>
+          <a:prstGeom prst="rect">
+            <a:avLst/>
+          </a:prstGeom>
+        </p:spPr>
+      </p:pic>
+      <p:sp>
+        <p:nvSpPr>
+          <p:cNvPr id="12" name="Rectangle 11">
+            <a:extLst>
+              <a:ext uri="{FF2B5EF4-FFF2-40B4-BE49-F238E27FC236}">
+                <a16:creationId xmlns:a16="http://schemas.microsoft.com/office/drawing/2014/main" id="{EFF8E6DC-96EC-4645-921D-3244127AD2A7}"/>
               </a:ext>
             </a:extLst>
           </p:cNvPr>
@@ -5463,12 +6425,20 @@
         </p:nvSpPr>
         <p:spPr>
           <a:xfrm>
-            <a:off x="2653259" y="629587"/>
-            <a:ext cx="1902265" cy="431723"/>
+            <a:off x="4808552" y="376946"/>
+            <a:ext cx="6763688" cy="2043591"/>
           </a:xfrm>
           <a:prstGeom prst="rect">
             <a:avLst/>
           </a:prstGeom>
+          <a:solidFill>
+            <a:schemeClr val="bg1"/>
+          </a:solidFill>
+          <a:ln>
+            <a:solidFill>
+              <a:schemeClr val="tx1"/>
+            </a:solidFill>
+          </a:ln>
         </p:spPr>
         <p:style>
           <a:lnRef idx="2">
@@ -5497,94 +6467,32 @@
       </p:sp>
       <p:sp>
         <p:nvSpPr>
-          <p:cNvPr id="4" name="TextBox 3">
-            <a:extLst>
-              <a:ext uri="{FF2B5EF4-FFF2-40B4-BE49-F238E27FC236}">
-                <a16:creationId xmlns:a16="http://schemas.microsoft.com/office/drawing/2014/main" id="{3B2B81FD-C4CD-4F56-B932-9F57FCD06071}"/>
-              </a:ext>
-            </a:extLst>
-          </p:cNvPr>
-          <p:cNvSpPr txBox="1"/>
-          <p:nvPr/>
-        </p:nvSpPr>
-        <p:spPr>
-          <a:xfrm>
-            <a:off x="2653259" y="618507"/>
-            <a:ext cx="1029730" cy="369332"/>
+          <p:cNvPr id="13" name="Rectangle 12">
+            <a:extLst>
+              <a:ext uri="{FF2B5EF4-FFF2-40B4-BE49-F238E27FC236}">
+                <a16:creationId xmlns:a16="http://schemas.microsoft.com/office/drawing/2014/main" id="{27EA3401-EBDE-4FF5-8B2B-CD676CA8515D}"/>
+              </a:ext>
+            </a:extLst>
+          </p:cNvPr>
+          <p:cNvSpPr/>
+          <p:nvPr/>
+        </p:nvSpPr>
+        <p:spPr>
+          <a:xfrm>
+            <a:off x="4808552" y="376946"/>
+            <a:ext cx="6763688" cy="321884"/>
           </a:xfrm>
           <a:prstGeom prst="rect">
             <a:avLst/>
           </a:prstGeom>
-          <a:noFill/>
-        </p:spPr>
-        <p:txBody>
-          <a:bodyPr wrap="square" rtlCol="0">
-            <a:spAutoFit/>
-          </a:bodyPr>
-          <a:lstStyle/>
-          <a:p>
-            <a:r>
-              <a:rPr lang="it-IT" dirty="0"/>
-              <a:t>Scelta</a:t>
-            </a:r>
-          </a:p>
-        </p:txBody>
-      </p:sp>
-      <p:sp>
-        <p:nvSpPr>
-          <p:cNvPr id="11" name="TextBox 10">
-            <a:extLst>
-              <a:ext uri="{FF2B5EF4-FFF2-40B4-BE49-F238E27FC236}">
-                <a16:creationId xmlns:a16="http://schemas.microsoft.com/office/drawing/2014/main" id="{561D104B-165F-4699-91F4-CCEB1E9A32F3}"/>
-              </a:ext>
-            </a:extLst>
-          </p:cNvPr>
-          <p:cNvSpPr txBox="1"/>
-          <p:nvPr/>
-        </p:nvSpPr>
-        <p:spPr>
-          <a:xfrm>
-            <a:off x="189470" y="691978"/>
-            <a:ext cx="1408671" cy="369332"/>
-          </a:xfrm>
-          <a:prstGeom prst="rect">
-            <a:avLst/>
-          </a:prstGeom>
-          <a:noFill/>
-        </p:spPr>
-        <p:txBody>
-          <a:bodyPr wrap="square" rtlCol="0">
-            <a:spAutoFit/>
-          </a:bodyPr>
-          <a:lstStyle/>
-          <a:p>
-            <a:r>
-              <a:rPr lang="it-IT" dirty="0"/>
-              <a:t>Option</a:t>
-            </a:r>
-          </a:p>
-        </p:txBody>
-      </p:sp>
-      <p:sp>
-        <p:nvSpPr>
-          <p:cNvPr id="12" name="Isosceles Triangle 11">
-            <a:extLst>
-              <a:ext uri="{FF2B5EF4-FFF2-40B4-BE49-F238E27FC236}">
-                <a16:creationId xmlns:a16="http://schemas.microsoft.com/office/drawing/2014/main" id="{5EF39036-8744-45ED-83FF-73993411F1FA}"/>
-              </a:ext>
-            </a:extLst>
-          </p:cNvPr>
-          <p:cNvSpPr/>
-          <p:nvPr/>
-        </p:nvSpPr>
-        <p:spPr>
-          <a:xfrm rot="10800000">
-            <a:off x="4127731" y="685868"/>
-            <a:ext cx="370226" cy="319160"/>
-          </a:xfrm>
-          <a:prstGeom prst="triangle">
-            <a:avLst/>
-          </a:prstGeom>
+          <a:solidFill>
+            <a:srgbClr val="002060"/>
+          </a:solidFill>
+          <a:ln>
+            <a:solidFill>
+              <a:schemeClr val="bg1"/>
+            </a:solidFill>
+          </a:ln>
         </p:spPr>
         <p:style>
           <a:lnRef idx="2">
@@ -5607,16 +6515,106 @@
           <a:lstStyle/>
           <a:p>
             <a:pPr algn="ctr"/>
-            <a:endParaRPr lang="it-IT"/>
-          </a:p>
-        </p:txBody>
-      </p:sp>
-      <p:sp>
-        <p:nvSpPr>
-          <p:cNvPr id="13" name="Rectangle 12">
-            <a:extLst>
-              <a:ext uri="{FF2B5EF4-FFF2-40B4-BE49-F238E27FC236}">
-                <a16:creationId xmlns:a16="http://schemas.microsoft.com/office/drawing/2014/main" id="{7DE68F79-CF22-4DA9-AB45-D7A73C68847A}"/>
+            <a:r>
+              <a:rPr lang="it-IT" dirty="0"/>
+              <a:t>Features of Actor1</a:t>
+            </a:r>
+          </a:p>
+        </p:txBody>
+      </p:sp>
+      <p:sp>
+        <p:nvSpPr>
+          <p:cNvPr id="14" name="TextBox 13">
+            <a:extLst>
+              <a:ext uri="{FF2B5EF4-FFF2-40B4-BE49-F238E27FC236}">
+                <a16:creationId xmlns:a16="http://schemas.microsoft.com/office/drawing/2014/main" id="{6685748E-9DD6-42FE-B707-044CF33491A4}"/>
+              </a:ext>
+            </a:extLst>
+          </p:cNvPr>
+          <p:cNvSpPr txBox="1"/>
+          <p:nvPr/>
+        </p:nvSpPr>
+        <p:spPr>
+          <a:xfrm>
+            <a:off x="4808552" y="709878"/>
+            <a:ext cx="6763688" cy="2308324"/>
+          </a:xfrm>
+          <a:prstGeom prst="rect">
+            <a:avLst/>
+          </a:prstGeom>
+          <a:noFill/>
+        </p:spPr>
+        <p:txBody>
+          <a:bodyPr wrap="square" rtlCol="0">
+            <a:spAutoFit/>
+          </a:bodyPr>
+          <a:lstStyle/>
+          <a:p>
+            <a:r>
+              <a:rPr lang="it-IT" dirty="0" err="1"/>
+              <a:t>Name</a:t>
+            </a:r>
+            <a:endParaRPr lang="it-IT" dirty="0"/>
+          </a:p>
+          <a:p>
+            <a:r>
+              <a:rPr lang="it-IT" dirty="0"/>
+              <a:t>Position</a:t>
+            </a:r>
+          </a:p>
+          <a:p>
+            <a:r>
+              <a:rPr lang="it-IT" dirty="0" err="1"/>
+              <a:t>Rotation</a:t>
+            </a:r>
+            <a:endParaRPr lang="it-IT" dirty="0"/>
+          </a:p>
+          <a:p>
+            <a:r>
+              <a:rPr lang="it-IT" dirty="0"/>
+              <a:t>Scale</a:t>
+            </a:r>
+          </a:p>
+          <a:p>
+            <a:r>
+              <a:rPr lang="it-IT" dirty="0"/>
+              <a:t>Volume</a:t>
+            </a:r>
+          </a:p>
+          <a:p>
+            <a:r>
+              <a:rPr lang="it-IT" dirty="0"/>
+              <a:t>Message</a:t>
+            </a:r>
+          </a:p>
+          <a:p>
+            <a:r>
+              <a:rPr lang="it-IT" dirty="0"/>
+              <a:t> - </a:t>
+            </a:r>
+            <a:r>
+              <a:rPr lang="it-IT" dirty="0" err="1"/>
+              <a:t>visible</a:t>
+            </a:r>
+            <a:r>
+              <a:rPr lang="it-IT" dirty="0"/>
+              <a:t>? [bottone switch]</a:t>
+            </a:r>
+          </a:p>
+          <a:p>
+            <a:r>
+              <a:rPr lang="it-IT" dirty="0"/>
+              <a:t>Model			</a:t>
+            </a:r>
+          </a:p>
+        </p:txBody>
+      </p:sp>
+      <p:sp>
+        <p:nvSpPr>
+          <p:cNvPr id="15" name="Rectangle 14">
+            <a:extLst>
+              <a:ext uri="{FF2B5EF4-FFF2-40B4-BE49-F238E27FC236}">
+                <a16:creationId xmlns:a16="http://schemas.microsoft.com/office/drawing/2014/main" id="{3093CF35-75B0-4858-AEE9-75E0524D5CF5}"/>
               </a:ext>
             </a:extLst>
           </p:cNvPr>
@@ -5625,12 +6623,21 @@
         </p:nvSpPr>
         <p:spPr>
           <a:xfrm>
-            <a:off x="2653259" y="1531630"/>
-            <a:ext cx="1902265" cy="2076543"/>
+            <a:off x="5613581" y="742312"/>
+            <a:ext cx="1691459" cy="290496"/>
           </a:xfrm>
           <a:prstGeom prst="rect">
             <a:avLst/>
           </a:prstGeom>
+          <a:solidFill>
+            <a:schemeClr val="bg1"/>
+          </a:solidFill>
+          <a:ln w="28575">
+            <a:solidFill>
+              <a:schemeClr val="tx1"/>
+            </a:solidFill>
+            <a:prstDash val="sysDash"/>
+          </a:ln>
         </p:spPr>
         <p:style>
           <a:lnRef idx="2">
@@ -5659,168 +6666,32 @@
       </p:sp>
       <p:sp>
         <p:nvSpPr>
-          <p:cNvPr id="5" name="TextBox 4">
-            <a:extLst>
-              <a:ext uri="{FF2B5EF4-FFF2-40B4-BE49-F238E27FC236}">
-                <a16:creationId xmlns:a16="http://schemas.microsoft.com/office/drawing/2014/main" id="{DBA89207-94DF-4DF7-83F0-94CE19175391}"/>
-              </a:ext>
-            </a:extLst>
-          </p:cNvPr>
-          <p:cNvSpPr txBox="1"/>
-          <p:nvPr/>
-        </p:nvSpPr>
-        <p:spPr>
-          <a:xfrm>
-            <a:off x="2767914" y="1831237"/>
-            <a:ext cx="993673" cy="1477328"/>
+          <p:cNvPr id="16" name="Rectangle 15">
+            <a:extLst>
+              <a:ext uri="{FF2B5EF4-FFF2-40B4-BE49-F238E27FC236}">
+                <a16:creationId xmlns:a16="http://schemas.microsoft.com/office/drawing/2014/main" id="{88CCDBA5-22CB-4C05-BE13-8F2846C680DB}"/>
+              </a:ext>
+            </a:extLst>
+          </p:cNvPr>
+          <p:cNvSpPr/>
+          <p:nvPr/>
+        </p:nvSpPr>
+        <p:spPr>
+          <a:xfrm>
+            <a:off x="6707989" y="1088771"/>
+            <a:ext cx="1691459" cy="290496"/>
           </a:xfrm>
           <a:prstGeom prst="rect">
             <a:avLst/>
           </a:prstGeom>
-          <a:noFill/>
-        </p:spPr>
-        <p:txBody>
-          <a:bodyPr wrap="square" rtlCol="0">
-            <a:spAutoFit/>
-          </a:bodyPr>
-          <a:lstStyle/>
-          <a:p>
-            <a:r>
-              <a:rPr lang="it-IT" dirty="0"/>
-              <a:t>Tutte</a:t>
-            </a:r>
-          </a:p>
-          <a:p>
-            <a:r>
-              <a:rPr lang="it-IT" dirty="0"/>
-              <a:t>Le</a:t>
-            </a:r>
-          </a:p>
-          <a:p>
-            <a:r>
-              <a:rPr lang="it-IT" dirty="0"/>
-              <a:t>Possibili</a:t>
-            </a:r>
-          </a:p>
-          <a:p>
-            <a:r>
-              <a:rPr lang="it-IT" dirty="0"/>
-              <a:t>Scelte</a:t>
-            </a:r>
-          </a:p>
-          <a:p>
-            <a:endParaRPr lang="it-IT" dirty="0"/>
-          </a:p>
-        </p:txBody>
-      </p:sp>
-      <p:cxnSp>
-        <p:nvCxnSpPr>
-          <p:cNvPr id="14" name="Connector: Elbow 13">
-            <a:extLst>
-              <a:ext uri="{FF2B5EF4-FFF2-40B4-BE49-F238E27FC236}">
-                <a16:creationId xmlns:a16="http://schemas.microsoft.com/office/drawing/2014/main" id="{F19B95F1-29A1-491C-9388-5744DDA45031}"/>
-              </a:ext>
-            </a:extLst>
-          </p:cNvPr>
-          <p:cNvCxnSpPr>
-            <a:cxnSpLocks/>
-          </p:cNvCxnSpPr>
-          <p:nvPr/>
-        </p:nvCxnSpPr>
-        <p:spPr>
-          <a:xfrm rot="5400000">
-            <a:off x="3168875" y="1131645"/>
-            <a:ext cx="813669" cy="329650"/>
-          </a:xfrm>
-          <a:prstGeom prst="bentConnector3">
-            <a:avLst>
-              <a:gd name="adj1" fmla="val 50000"/>
-            </a:avLst>
-          </a:prstGeom>
-          <a:ln>
+          <a:solidFill>
+            <a:schemeClr val="bg1"/>
+          </a:solidFill>
+          <a:ln w="28575">
             <a:solidFill>
               <a:schemeClr val="tx1"/>
             </a:solidFill>
-            <a:tailEnd type="triangle"/>
-          </a:ln>
-        </p:spPr>
-        <p:style>
-          <a:lnRef idx="1">
-            <a:schemeClr val="accent1"/>
-          </a:lnRef>
-          <a:fillRef idx="0">
-            <a:schemeClr val="accent1"/>
-          </a:fillRef>
-          <a:effectRef idx="0">
-            <a:schemeClr val="accent1"/>
-          </a:effectRef>
-          <a:fontRef idx="minor">
-            <a:schemeClr val="tx1"/>
-          </a:fontRef>
-        </p:style>
-      </p:cxnSp>
-      <p:sp>
-        <p:nvSpPr>
-          <p:cNvPr id="15" name="TextBox 14">
-            <a:extLst>
-              <a:ext uri="{FF2B5EF4-FFF2-40B4-BE49-F238E27FC236}">
-                <a16:creationId xmlns:a16="http://schemas.microsoft.com/office/drawing/2014/main" id="{858484E5-BD8B-4E53-89D0-562A5E865815}"/>
-              </a:ext>
-            </a:extLst>
-          </p:cNvPr>
-          <p:cNvSpPr txBox="1"/>
-          <p:nvPr/>
-        </p:nvSpPr>
-        <p:spPr>
-          <a:xfrm>
-            <a:off x="4738108" y="635697"/>
-            <a:ext cx="2404098" cy="369332"/>
-          </a:xfrm>
-          <a:prstGeom prst="rect">
-            <a:avLst/>
-          </a:prstGeom>
-          <a:noFill/>
-        </p:spPr>
-        <p:txBody>
-          <a:bodyPr wrap="square" rtlCol="0">
-            <a:spAutoFit/>
-          </a:bodyPr>
-          <a:lstStyle/>
-          <a:p>
-            <a:r>
-              <a:rPr lang="it-IT" dirty="0"/>
-              <a:t>Si apre con il raggio blu</a:t>
-            </a:r>
-          </a:p>
-        </p:txBody>
-      </p:sp>
-      <p:sp>
-        <p:nvSpPr>
-          <p:cNvPr id="10" name="Isosceles Triangle 9">
-            <a:extLst>
-              <a:ext uri="{FF2B5EF4-FFF2-40B4-BE49-F238E27FC236}">
-                <a16:creationId xmlns:a16="http://schemas.microsoft.com/office/drawing/2014/main" id="{8C091EC7-75DF-420F-8068-19128D8DACE5}"/>
-              </a:ext>
-            </a:extLst>
-          </p:cNvPr>
-          <p:cNvSpPr/>
-          <p:nvPr/>
-        </p:nvSpPr>
-        <p:spPr>
-          <a:xfrm rot="10800000">
-            <a:off x="6555971" y="2569901"/>
-            <a:ext cx="370226" cy="319160"/>
-          </a:xfrm>
-          <a:prstGeom prst="triangle">
-            <a:avLst/>
-          </a:prstGeom>
-          <a:noFill/>
-          <a:ln w="57150">
-            <a:solidFill>
-              <a:schemeClr val="bg2">
-                <a:lumMod val="50000"/>
-              </a:schemeClr>
-            </a:solidFill>
+            <a:prstDash val="sysDash"/>
           </a:ln>
         </p:spPr>
         <p:style>
@@ -5848,10 +6719,56 @@
           </a:p>
         </p:txBody>
       </p:sp>
+      <p:sp>
+        <p:nvSpPr>
+          <p:cNvPr id="17" name="Rectangle 16">
+            <a:extLst>
+              <a:ext uri="{FF2B5EF4-FFF2-40B4-BE49-F238E27FC236}">
+                <a16:creationId xmlns:a16="http://schemas.microsoft.com/office/drawing/2014/main" id="{45904933-E787-4EA3-AABF-EE5507A57D0C}"/>
+              </a:ext>
+            </a:extLst>
+          </p:cNvPr>
+          <p:cNvSpPr/>
+          <p:nvPr/>
+        </p:nvSpPr>
+        <p:spPr>
+          <a:xfrm>
+            <a:off x="8521923" y="1061637"/>
+            <a:ext cx="863600" cy="344764"/>
+          </a:xfrm>
+          <a:prstGeom prst="rect">
+            <a:avLst/>
+          </a:prstGeom>
+        </p:spPr>
+        <p:style>
+          <a:lnRef idx="2">
+            <a:schemeClr val="accent1">
+              <a:shade val="50000"/>
+            </a:schemeClr>
+          </a:lnRef>
+          <a:fillRef idx="1">
+            <a:schemeClr val="accent1"/>
+          </a:fillRef>
+          <a:effectRef idx="0">
+            <a:schemeClr val="accent1"/>
+          </a:effectRef>
+          <a:fontRef idx="minor">
+            <a:schemeClr val="lt1"/>
+          </a:fontRef>
+        </p:style>
+        <p:txBody>
+          <a:bodyPr rtlCol="0" anchor="ctr"/>
+          <a:lstStyle/>
+          <a:p>
+            <a:pPr algn="ctr"/>
+            <a:endParaRPr lang="it-IT"/>
+          </a:p>
+        </p:txBody>
+      </p:sp>
     </p:spTree>
     <p:extLst>
       <p:ext uri="{BB962C8B-B14F-4D97-AF65-F5344CB8AC3E}">
-        <p14:creationId xmlns:p14="http://schemas.microsoft.com/office/powerpoint/2010/main" val="1794652493"/>
+        <p14:creationId xmlns:p14="http://schemas.microsoft.com/office/powerpoint/2010/main" val="2614669040"/>
       </p:ext>
     </p:extLst>
   </p:cSld>
@@ -5892,8 +6809,8 @@
         </p:nvSpPr>
         <p:spPr>
           <a:xfrm>
-            <a:off x="2653259" y="629588"/>
-            <a:ext cx="1712795" cy="358252"/>
+            <a:off x="2653259" y="629587"/>
+            <a:ext cx="1902265" cy="431723"/>
           </a:xfrm>
           <a:prstGeom prst="rect">
             <a:avLst/>
@@ -5953,19 +6870,18 @@
           <a:lstStyle/>
           <a:p>
             <a:r>
-              <a:rPr lang="it-IT" dirty="0" err="1"/>
-              <a:t>Name</a:t>
-            </a:r>
-            <a:endParaRPr lang="it-IT" dirty="0"/>
-          </a:p>
-        </p:txBody>
-      </p:sp>
-      <p:sp>
-        <p:nvSpPr>
-          <p:cNvPr id="6" name="TextBox 5">
-            <a:extLst>
-              <a:ext uri="{FF2B5EF4-FFF2-40B4-BE49-F238E27FC236}">
-                <a16:creationId xmlns:a16="http://schemas.microsoft.com/office/drawing/2014/main" id="{5460658F-AD68-4F7F-8BAB-EF384EAF3B91}"/>
+              <a:rPr lang="it-IT" dirty="0"/>
+              <a:t>Scelta</a:t>
+            </a:r>
+          </a:p>
+        </p:txBody>
+      </p:sp>
+      <p:sp>
+        <p:nvSpPr>
+          <p:cNvPr id="11" name="TextBox 10">
+            <a:extLst>
+              <a:ext uri="{FF2B5EF4-FFF2-40B4-BE49-F238E27FC236}">
+                <a16:creationId xmlns:a16="http://schemas.microsoft.com/office/drawing/2014/main" id="{561D104B-165F-4699-91F4-CCEB1E9A32F3}"/>
               </a:ext>
             </a:extLst>
           </p:cNvPr>
@@ -5974,8 +6890,8 @@
         </p:nvSpPr>
         <p:spPr>
           <a:xfrm>
-            <a:off x="2413687" y="95162"/>
-            <a:ext cx="5436973" cy="369332"/>
+            <a:off x="189470" y="691978"/>
+            <a:ext cx="1408671" cy="369332"/>
           </a:xfrm>
           <a:prstGeom prst="rect">
             <a:avLst/>
@@ -5990,52 +6906,8 @@
           <a:p>
             <a:r>
               <a:rPr lang="it-IT" dirty="0"/>
-              <a:t>Per </a:t>
-            </a:r>
-            <a:r>
-              <a:rPr lang="it-IT" dirty="0" err="1"/>
-              <a:t>semplicita’</a:t>
-            </a:r>
-            <a:r>
-              <a:rPr lang="it-IT" dirty="0"/>
-              <a:t> si attacca solo sotto</a:t>
-            </a:r>
-          </a:p>
-        </p:txBody>
-      </p:sp>
-      <p:sp>
-        <p:nvSpPr>
-          <p:cNvPr id="11" name="TextBox 10">
-            <a:extLst>
-              <a:ext uri="{FF2B5EF4-FFF2-40B4-BE49-F238E27FC236}">
-                <a16:creationId xmlns:a16="http://schemas.microsoft.com/office/drawing/2014/main" id="{561D104B-165F-4699-91F4-CCEB1E9A32F3}"/>
-              </a:ext>
-            </a:extLst>
-          </p:cNvPr>
-          <p:cNvSpPr txBox="1"/>
-          <p:nvPr/>
-        </p:nvSpPr>
-        <p:spPr>
-          <a:xfrm>
-            <a:off x="189470" y="691978"/>
-            <a:ext cx="1408671" cy="369332"/>
-          </a:xfrm>
-          <a:prstGeom prst="rect">
-            <a:avLst/>
-          </a:prstGeom>
-          <a:noFill/>
-        </p:spPr>
-        <p:txBody>
-          <a:bodyPr wrap="square" rtlCol="0">
-            <a:spAutoFit/>
-          </a:bodyPr>
-          <a:lstStyle/>
-          <a:p>
-            <a:r>
-              <a:rPr lang="it-IT" dirty="0" err="1"/>
-              <a:t>block</a:t>
-            </a:r>
-            <a:endParaRPr lang="it-IT" dirty="0"/>
+              <a:t>Option</a:t>
+            </a:r>
           </a:p>
         </p:txBody>
       </p:sp>
@@ -6044,7 +6916,7 @@
           <p:cNvPr id="12" name="Isosceles Triangle 11">
             <a:extLst>
               <a:ext uri="{FF2B5EF4-FFF2-40B4-BE49-F238E27FC236}">
-                <a16:creationId xmlns:a16="http://schemas.microsoft.com/office/drawing/2014/main" id="{EF95EE42-3B87-4CEA-A0C7-5F737A78EFC2}"/>
+                <a16:creationId xmlns:a16="http://schemas.microsoft.com/office/drawing/2014/main" id="{5EF39036-8744-45ED-83FF-73993411F1FA}"/>
               </a:ext>
             </a:extLst>
           </p:cNvPr>
@@ -6053,8 +6925,8 @@
         </p:nvSpPr>
         <p:spPr>
           <a:xfrm rot="10800000">
-            <a:off x="3715265" y="987839"/>
-            <a:ext cx="444843" cy="383485"/>
+            <a:off x="4127731" y="685868"/>
+            <a:ext cx="370226" cy="319160"/>
           </a:xfrm>
           <a:prstGeom prst="triangle">
             <a:avLst/>
@@ -6085,120 +6957,24 @@
           </a:p>
         </p:txBody>
       </p:sp>
-      <p:cxnSp>
-        <p:nvCxnSpPr>
-          <p:cNvPr id="13" name="Connector: Elbow 12">
-            <a:extLst>
-              <a:ext uri="{FF2B5EF4-FFF2-40B4-BE49-F238E27FC236}">
-                <a16:creationId xmlns:a16="http://schemas.microsoft.com/office/drawing/2014/main" id="{87D9EA9A-AE4F-4C89-87A3-4606CCC443E9}"/>
-              </a:ext>
-            </a:extLst>
-          </p:cNvPr>
-          <p:cNvCxnSpPr>
-            <a:cxnSpLocks/>
-            <a:endCxn id="15" idx="1"/>
-          </p:cNvCxnSpPr>
-          <p:nvPr/>
-        </p:nvCxnSpPr>
-        <p:spPr>
-          <a:xfrm>
-            <a:off x="3937686" y="1179581"/>
-            <a:ext cx="2038865" cy="1111441"/>
-          </a:xfrm>
-          <a:prstGeom prst="bentConnector3">
-            <a:avLst>
-              <a:gd name="adj1" fmla="val 50000"/>
-            </a:avLst>
-          </a:prstGeom>
-          <a:ln>
-            <a:solidFill>
-              <a:schemeClr val="tx1"/>
-            </a:solidFill>
-            <a:tailEnd type="triangle"/>
-          </a:ln>
-        </p:spPr>
-        <p:style>
-          <a:lnRef idx="1">
-            <a:schemeClr val="accent1"/>
-          </a:lnRef>
-          <a:fillRef idx="0">
-            <a:schemeClr val="accent1"/>
-          </a:fillRef>
-          <a:effectRef idx="0">
-            <a:schemeClr val="accent1"/>
-          </a:effectRef>
-          <a:fontRef idx="minor">
-            <a:schemeClr val="tx1"/>
-          </a:fontRef>
-        </p:style>
-      </p:cxnSp>
-      <p:sp>
-        <p:nvSpPr>
-          <p:cNvPr id="15" name="TextBox 14">
-            <a:extLst>
-              <a:ext uri="{FF2B5EF4-FFF2-40B4-BE49-F238E27FC236}">
-                <a16:creationId xmlns:a16="http://schemas.microsoft.com/office/drawing/2014/main" id="{DD32C383-6091-4BE4-8182-25033A5728D8}"/>
-              </a:ext>
-            </a:extLst>
-          </p:cNvPr>
-          <p:cNvSpPr txBox="1"/>
-          <p:nvPr/>
-        </p:nvSpPr>
-        <p:spPr>
-          <a:xfrm>
-            <a:off x="5976551" y="1552358"/>
-            <a:ext cx="5436973" cy="1477328"/>
+      <p:sp>
+        <p:nvSpPr>
+          <p:cNvPr id="13" name="Rectangle 12">
+            <a:extLst>
+              <a:ext uri="{FF2B5EF4-FFF2-40B4-BE49-F238E27FC236}">
+                <a16:creationId xmlns:a16="http://schemas.microsoft.com/office/drawing/2014/main" id="{7DE68F79-CF22-4DA9-AB45-D7A73C68847A}"/>
+              </a:ext>
+            </a:extLst>
+          </p:cNvPr>
+          <p:cNvSpPr/>
+          <p:nvPr/>
+        </p:nvSpPr>
+        <p:spPr>
+          <a:xfrm>
+            <a:off x="2653259" y="1531630"/>
+            <a:ext cx="1902265" cy="2076543"/>
           </a:xfrm>
           <a:prstGeom prst="rect">
-            <a:avLst/>
-          </a:prstGeom>
-          <a:noFill/>
-        </p:spPr>
-        <p:txBody>
-          <a:bodyPr wrap="square" rtlCol="0">
-            <a:spAutoFit/>
-          </a:bodyPr>
-          <a:lstStyle/>
-          <a:p>
-            <a:r>
-              <a:rPr lang="it-IT" dirty="0"/>
-              <a:t>Muoverlo a contatto di un altro blocco con il triangolino e mollarlo significa tentativo di metterlo dopo un </a:t>
-            </a:r>
-            <a:r>
-              <a:rPr lang="it-IT"/>
-              <a:t>altro blocco </a:t>
-            </a:r>
-            <a:r>
-              <a:rPr lang="it-IT" dirty="0"/>
-              <a:t>(rilevato solo mentre muovi questo blocco).</a:t>
-            </a:r>
-          </a:p>
-          <a:p>
-            <a:r>
-              <a:rPr lang="it-IT" dirty="0"/>
-              <a:t>Se muovi la testa, muovi anche tutti i blocchi che seguono</a:t>
-            </a:r>
-          </a:p>
-        </p:txBody>
-      </p:sp>
-      <p:sp>
-        <p:nvSpPr>
-          <p:cNvPr id="17" name="Diamond 16">
-            <a:extLst>
-              <a:ext uri="{FF2B5EF4-FFF2-40B4-BE49-F238E27FC236}">
-                <a16:creationId xmlns:a16="http://schemas.microsoft.com/office/drawing/2014/main" id="{5A542367-9D65-4A4E-B6C2-7BEBDD8EEA47}"/>
-              </a:ext>
-            </a:extLst>
-          </p:cNvPr>
-          <p:cNvSpPr/>
-          <p:nvPr/>
-        </p:nvSpPr>
-        <p:spPr>
-          <a:xfrm>
-            <a:off x="3389870" y="632538"/>
-            <a:ext cx="684416" cy="341270"/>
-          </a:xfrm>
-          <a:prstGeom prst="diamond">
             <a:avLst/>
           </a:prstGeom>
         </p:spPr>
@@ -6227,12 +7003,68 @@
           </a:p>
         </p:txBody>
       </p:sp>
+      <p:sp>
+        <p:nvSpPr>
+          <p:cNvPr id="5" name="TextBox 4">
+            <a:extLst>
+              <a:ext uri="{FF2B5EF4-FFF2-40B4-BE49-F238E27FC236}">
+                <a16:creationId xmlns:a16="http://schemas.microsoft.com/office/drawing/2014/main" id="{DBA89207-94DF-4DF7-83F0-94CE19175391}"/>
+              </a:ext>
+            </a:extLst>
+          </p:cNvPr>
+          <p:cNvSpPr txBox="1"/>
+          <p:nvPr/>
+        </p:nvSpPr>
+        <p:spPr>
+          <a:xfrm>
+            <a:off x="2767914" y="1831237"/>
+            <a:ext cx="993673" cy="1477328"/>
+          </a:xfrm>
+          <a:prstGeom prst="rect">
+            <a:avLst/>
+          </a:prstGeom>
+          <a:noFill/>
+        </p:spPr>
+        <p:txBody>
+          <a:bodyPr wrap="square" rtlCol="0">
+            <a:spAutoFit/>
+          </a:bodyPr>
+          <a:lstStyle/>
+          <a:p>
+            <a:r>
+              <a:rPr lang="it-IT" dirty="0"/>
+              <a:t>Tutte</a:t>
+            </a:r>
+          </a:p>
+          <a:p>
+            <a:r>
+              <a:rPr lang="it-IT" dirty="0"/>
+              <a:t>Le</a:t>
+            </a:r>
+          </a:p>
+          <a:p>
+            <a:r>
+              <a:rPr lang="it-IT" dirty="0"/>
+              <a:t>Possibili</a:t>
+            </a:r>
+          </a:p>
+          <a:p>
+            <a:r>
+              <a:rPr lang="it-IT" dirty="0"/>
+              <a:t>Scelte</a:t>
+            </a:r>
+          </a:p>
+          <a:p>
+            <a:endParaRPr lang="it-IT" dirty="0"/>
+          </a:p>
+        </p:txBody>
+      </p:sp>
       <p:cxnSp>
         <p:nvCxnSpPr>
-          <p:cNvPr id="18" name="Connector: Elbow 17">
-            <a:extLst>
-              <a:ext uri="{FF2B5EF4-FFF2-40B4-BE49-F238E27FC236}">
-                <a16:creationId xmlns:a16="http://schemas.microsoft.com/office/drawing/2014/main" id="{E7521F55-BEF5-459E-AA97-8529CB556D42}"/>
+          <p:cNvPr id="14" name="Connector: Elbow 13">
+            <a:extLst>
+              <a:ext uri="{FF2B5EF4-FFF2-40B4-BE49-F238E27FC236}">
+                <a16:creationId xmlns:a16="http://schemas.microsoft.com/office/drawing/2014/main" id="{F19B95F1-29A1-491C-9388-5744DDA45031}"/>
               </a:ext>
             </a:extLst>
           </p:cNvPr>
@@ -6242,9 +7074,9 @@
           <p:nvPr/>
         </p:nvCxnSpPr>
         <p:spPr>
-          <a:xfrm>
-            <a:off x="3682989" y="797032"/>
-            <a:ext cx="2515983" cy="11682"/>
+          <a:xfrm rot="5400000">
+            <a:off x="3168875" y="1131645"/>
+            <a:ext cx="813669" cy="329650"/>
           </a:xfrm>
           <a:prstGeom prst="bentConnector3">
             <a:avLst>
@@ -6275,10 +7107,10 @@
       </p:cxnSp>
       <p:sp>
         <p:nvSpPr>
-          <p:cNvPr id="20" name="TextBox 19">
-            <a:extLst>
-              <a:ext uri="{FF2B5EF4-FFF2-40B4-BE49-F238E27FC236}">
-                <a16:creationId xmlns:a16="http://schemas.microsoft.com/office/drawing/2014/main" id="{15CCFE26-313B-4286-8016-E793A38064DC}"/>
+          <p:cNvPr id="15" name="TextBox 14">
+            <a:extLst>
+              <a:ext uri="{FF2B5EF4-FFF2-40B4-BE49-F238E27FC236}">
+                <a16:creationId xmlns:a16="http://schemas.microsoft.com/office/drawing/2014/main" id="{858484E5-BD8B-4E53-89D0-562A5E865815}"/>
               </a:ext>
             </a:extLst>
           </p:cNvPr>
@@ -6287,8 +7119,8 @@
         </p:nvSpPr>
         <p:spPr>
           <a:xfrm>
-            <a:off x="6198972" y="604476"/>
-            <a:ext cx="5436973" cy="369332"/>
+            <a:off x="4738108" y="635697"/>
+            <a:ext cx="2404098" cy="369332"/>
           </a:xfrm>
           <a:prstGeom prst="rect">
             <a:avLst/>
@@ -6303,99 +7135,128 @@
           <a:p>
             <a:r>
               <a:rPr lang="it-IT" dirty="0"/>
-              <a:t>slot</a:t>
-            </a:r>
-          </a:p>
-        </p:txBody>
-      </p:sp>
-      <p:sp>
-        <p:nvSpPr>
-          <p:cNvPr id="21" name="TextBox 20">
-            <a:extLst>
-              <a:ext uri="{FF2B5EF4-FFF2-40B4-BE49-F238E27FC236}">
-                <a16:creationId xmlns:a16="http://schemas.microsoft.com/office/drawing/2014/main" id="{FB194AE2-73D4-4F3A-926A-017682919CBE}"/>
-              </a:ext>
-            </a:extLst>
-          </p:cNvPr>
-          <p:cNvSpPr txBox="1"/>
-          <p:nvPr/>
-        </p:nvSpPr>
-        <p:spPr>
-          <a:xfrm>
-            <a:off x="2413687" y="4646567"/>
-            <a:ext cx="5436973" cy="369332"/>
-          </a:xfrm>
-          <a:prstGeom prst="rect">
+              <a:t>Si apre con il raggio blu</a:t>
+            </a:r>
+          </a:p>
+        </p:txBody>
+      </p:sp>
+      <p:sp>
+        <p:nvSpPr>
+          <p:cNvPr id="10" name="Isosceles Triangle 9">
+            <a:extLst>
+              <a:ext uri="{FF2B5EF4-FFF2-40B4-BE49-F238E27FC236}">
+                <a16:creationId xmlns:a16="http://schemas.microsoft.com/office/drawing/2014/main" id="{8C091EC7-75DF-420F-8068-19128D8DACE5}"/>
+              </a:ext>
+            </a:extLst>
+          </p:cNvPr>
+          <p:cNvSpPr/>
+          <p:nvPr/>
+        </p:nvSpPr>
+        <p:spPr>
+          <a:xfrm rot="10800000">
+            <a:off x="6555971" y="2569901"/>
+            <a:ext cx="370226" cy="319160"/>
+          </a:xfrm>
+          <a:prstGeom prst="triangle">
             <a:avLst/>
           </a:prstGeom>
           <a:noFill/>
-        </p:spPr>
-        <p:txBody>
-          <a:bodyPr wrap="square" rtlCol="0">
-            <a:spAutoFit/>
-          </a:bodyPr>
-          <a:lstStyle/>
-          <a:p>
-            <a:r>
-              <a:rPr lang="it-IT" dirty="0"/>
-              <a:t> Per rimuoverlo, si usa il raggio rosso</a:t>
-            </a:r>
-          </a:p>
-        </p:txBody>
-      </p:sp>
-      <p:sp>
-        <p:nvSpPr>
-          <p:cNvPr id="23" name="TextBox 22">
-            <a:extLst>
-              <a:ext uri="{FF2B5EF4-FFF2-40B4-BE49-F238E27FC236}">
-                <a16:creationId xmlns:a16="http://schemas.microsoft.com/office/drawing/2014/main" id="{598505D9-A610-49CC-8810-D07D7C53667A}"/>
-              </a:ext>
-            </a:extLst>
-          </p:cNvPr>
-          <p:cNvSpPr txBox="1"/>
-          <p:nvPr/>
-        </p:nvSpPr>
-        <p:spPr>
-          <a:xfrm>
-            <a:off x="2594885" y="5030051"/>
-            <a:ext cx="4053051" cy="646331"/>
-          </a:xfrm>
-          <a:prstGeom prst="rect">
-            <a:avLst/>
-          </a:prstGeom>
-          <a:noFill/>
-        </p:spPr>
-        <p:txBody>
-          <a:bodyPr wrap="square" rtlCol="0">
-            <a:spAutoFit/>
-          </a:bodyPr>
-          <a:lstStyle/>
-          <a:p>
-            <a:r>
-              <a:rPr lang="it-IT" dirty="0"/>
-              <a:t>si </a:t>
-            </a:r>
-            <a:r>
-              <a:rPr lang="it-IT" dirty="0" err="1"/>
-              <a:t>puo’</a:t>
-            </a:r>
-            <a:r>
-              <a:rPr lang="it-IT" dirty="0"/>
-              <a:t> muovere trascinandolo</a:t>
-            </a:r>
-          </a:p>
-          <a:p>
-            <a:r>
-              <a:rPr lang="it-IT" dirty="0"/>
-              <a:t>Selezionandolo con il raggio blu, si testa</a:t>
-            </a:r>
+          <a:ln w="57150">
+            <a:solidFill>
+              <a:schemeClr val="bg2">
+                <a:lumMod val="50000"/>
+              </a:schemeClr>
+            </a:solidFill>
+          </a:ln>
+        </p:spPr>
+        <p:style>
+          <a:lnRef idx="2">
+            <a:schemeClr val="accent1">
+              <a:shade val="50000"/>
+            </a:schemeClr>
+          </a:lnRef>
+          <a:fillRef idx="1">
+            <a:schemeClr val="accent1"/>
+          </a:fillRef>
+          <a:effectRef idx="0">
+            <a:schemeClr val="accent1"/>
+          </a:effectRef>
+          <a:fontRef idx="minor">
+            <a:schemeClr val="lt1"/>
+          </a:fontRef>
+        </p:style>
+        <p:txBody>
+          <a:bodyPr rtlCol="0" anchor="ctr"/>
+          <a:lstStyle/>
+          <a:p>
+            <a:pPr algn="ctr"/>
+            <a:endParaRPr lang="it-IT"/>
+          </a:p>
+        </p:txBody>
+      </p:sp>
+      <p:sp>
+        <p:nvSpPr>
+          <p:cNvPr id="16" name="Oval 15">
+            <a:extLst>
+              <a:ext uri="{FF2B5EF4-FFF2-40B4-BE49-F238E27FC236}">
+                <a16:creationId xmlns:a16="http://schemas.microsoft.com/office/drawing/2014/main" id="{91D76151-3EC2-4EAC-925F-688CC153BE08}"/>
+              </a:ext>
+            </a:extLst>
+          </p:cNvPr>
+          <p:cNvSpPr/>
+          <p:nvPr/>
+        </p:nvSpPr>
+        <p:spPr>
+          <a:xfrm>
+            <a:off x="5814060" y="3093720"/>
+            <a:ext cx="5946140" cy="5946140"/>
+          </a:xfrm>
+          <a:prstGeom prst="ellipse">
+            <a:avLst/>
+          </a:prstGeom>
+          <a:solidFill>
+            <a:schemeClr val="accent6">
+              <a:lumMod val="60000"/>
+              <a:lumOff val="40000"/>
+            </a:schemeClr>
+          </a:solidFill>
+          <a:ln w="209550">
+            <a:solidFill>
+              <a:schemeClr val="accent6">
+                <a:lumMod val="50000"/>
+              </a:schemeClr>
+            </a:solidFill>
+          </a:ln>
+        </p:spPr>
+        <p:style>
+          <a:lnRef idx="2">
+            <a:schemeClr val="accent1">
+              <a:shade val="50000"/>
+            </a:schemeClr>
+          </a:lnRef>
+          <a:fillRef idx="1">
+            <a:schemeClr val="accent1"/>
+          </a:fillRef>
+          <a:effectRef idx="0">
+            <a:schemeClr val="accent1"/>
+          </a:effectRef>
+          <a:fontRef idx="minor">
+            <a:schemeClr val="lt1"/>
+          </a:fontRef>
+        </p:style>
+        <p:txBody>
+          <a:bodyPr rtlCol="0" anchor="ctr"/>
+          <a:lstStyle/>
+          <a:p>
+            <a:pPr algn="ctr"/>
+            <a:endParaRPr lang="it-IT"/>
           </a:p>
         </p:txBody>
       </p:sp>
     </p:spTree>
     <p:extLst>
       <p:ext uri="{BB962C8B-B14F-4D97-AF65-F5344CB8AC3E}">
-        <p14:creationId xmlns:p14="http://schemas.microsoft.com/office/powerpoint/2010/main" val="4228885614"/>
+        <p14:creationId xmlns:p14="http://schemas.microsoft.com/office/powerpoint/2010/main" val="1794652493"/>
       </p:ext>
     </p:extLst>
   </p:cSld>
@@ -6424,130 +7285,22 @@
       </p:grpSpPr>
       <p:sp>
         <p:nvSpPr>
-          <p:cNvPr id="5" name="TextBox 4">
-            <a:extLst>
-              <a:ext uri="{FF2B5EF4-FFF2-40B4-BE49-F238E27FC236}">
-                <a16:creationId xmlns:a16="http://schemas.microsoft.com/office/drawing/2014/main" id="{DBA89207-94DF-4DF7-83F0-94CE19175391}"/>
-              </a:ext>
-            </a:extLst>
-          </p:cNvPr>
-          <p:cNvSpPr txBox="1"/>
-          <p:nvPr/>
-        </p:nvSpPr>
-        <p:spPr>
-          <a:xfrm>
-            <a:off x="8081995" y="1396984"/>
-            <a:ext cx="3319173" cy="1477328"/>
+          <p:cNvPr id="2" name="Rectangle 1">
+            <a:extLst>
+              <a:ext uri="{FF2B5EF4-FFF2-40B4-BE49-F238E27FC236}">
+                <a16:creationId xmlns:a16="http://schemas.microsoft.com/office/drawing/2014/main" id="{D97C19A2-9C97-42EE-B539-FA9FE4A3872D}"/>
+              </a:ext>
+            </a:extLst>
+          </p:cNvPr>
+          <p:cNvSpPr/>
+          <p:nvPr/>
+        </p:nvSpPr>
+        <p:spPr>
+          <a:xfrm>
+            <a:off x="2653259" y="629588"/>
+            <a:ext cx="1712795" cy="358252"/>
           </a:xfrm>
           <a:prstGeom prst="rect">
-            <a:avLst/>
-          </a:prstGeom>
-          <a:noFill/>
-        </p:spPr>
-        <p:txBody>
-          <a:bodyPr wrap="square" rtlCol="0">
-            <a:spAutoFit/>
-          </a:bodyPr>
-          <a:lstStyle/>
-          <a:p>
-            <a:r>
-              <a:rPr lang="it-IT" dirty="0"/>
-              <a:t>Muoverlo su slot compatibile e mollarlo significa tentativo di accoppiamento, rilevato dall’illuminazione dello slot ricevente</a:t>
-            </a:r>
-          </a:p>
-        </p:txBody>
-      </p:sp>
-      <p:sp>
-        <p:nvSpPr>
-          <p:cNvPr id="6" name="TextBox 5">
-            <a:extLst>
-              <a:ext uri="{FF2B5EF4-FFF2-40B4-BE49-F238E27FC236}">
-                <a16:creationId xmlns:a16="http://schemas.microsoft.com/office/drawing/2014/main" id="{5460658F-AD68-4F7F-8BAB-EF384EAF3B91}"/>
-              </a:ext>
-            </a:extLst>
-          </p:cNvPr>
-          <p:cNvSpPr txBox="1"/>
-          <p:nvPr/>
-        </p:nvSpPr>
-        <p:spPr>
-          <a:xfrm>
-            <a:off x="4720281" y="230659"/>
-            <a:ext cx="5436973" cy="369332"/>
-          </a:xfrm>
-          <a:prstGeom prst="rect">
-            <a:avLst/>
-          </a:prstGeom>
-          <a:noFill/>
-        </p:spPr>
-        <p:txBody>
-          <a:bodyPr wrap="square" rtlCol="0">
-            <a:spAutoFit/>
-          </a:bodyPr>
-          <a:lstStyle/>
-          <a:p>
-            <a:r>
-              <a:rPr lang="it-IT" dirty="0"/>
-              <a:t>Forma diversa a seconda del tipo</a:t>
-            </a:r>
-          </a:p>
-        </p:txBody>
-      </p:sp>
-      <p:sp>
-        <p:nvSpPr>
-          <p:cNvPr id="11" name="TextBox 10">
-            <a:extLst>
-              <a:ext uri="{FF2B5EF4-FFF2-40B4-BE49-F238E27FC236}">
-                <a16:creationId xmlns:a16="http://schemas.microsoft.com/office/drawing/2014/main" id="{561D104B-165F-4699-91F4-CCEB1E9A32F3}"/>
-              </a:ext>
-            </a:extLst>
-          </p:cNvPr>
-          <p:cNvSpPr txBox="1"/>
-          <p:nvPr/>
-        </p:nvSpPr>
-        <p:spPr>
-          <a:xfrm>
-            <a:off x="189470" y="691978"/>
-            <a:ext cx="1408671" cy="646331"/>
-          </a:xfrm>
-          <a:prstGeom prst="rect">
-            <a:avLst/>
-          </a:prstGeom>
-          <a:noFill/>
-        </p:spPr>
-        <p:txBody>
-          <a:bodyPr wrap="square" rtlCol="0">
-            <a:spAutoFit/>
-          </a:bodyPr>
-          <a:lstStyle/>
-          <a:p>
-            <a:r>
-              <a:rPr lang="it-IT" dirty="0"/>
-              <a:t>Reference</a:t>
-            </a:r>
-          </a:p>
-          <a:p>
-            <a:endParaRPr lang="it-IT" dirty="0"/>
-          </a:p>
-        </p:txBody>
-      </p:sp>
-      <p:sp>
-        <p:nvSpPr>
-          <p:cNvPr id="12" name="Diamond 11">
-            <a:extLst>
-              <a:ext uri="{FF2B5EF4-FFF2-40B4-BE49-F238E27FC236}">
-                <a16:creationId xmlns:a16="http://schemas.microsoft.com/office/drawing/2014/main" id="{5C2AD7B9-B0AE-4E3C-B9B5-AC3BD9224007}"/>
-              </a:ext>
-            </a:extLst>
-          </p:cNvPr>
-          <p:cNvSpPr/>
-          <p:nvPr/>
-        </p:nvSpPr>
-        <p:spPr>
-          <a:xfrm>
-            <a:off x="3772931" y="691978"/>
-            <a:ext cx="2323070" cy="296562"/>
-          </a:xfrm>
-          <a:prstGeom prst="diamond">
             <a:avLst/>
           </a:prstGeom>
         </p:spPr>
@@ -6590,8 +7343,8 @@
         </p:nvSpPr>
         <p:spPr>
           <a:xfrm>
-            <a:off x="4465582" y="629586"/>
-            <a:ext cx="1325618" cy="369332"/>
+            <a:off x="2653259" y="618507"/>
+            <a:ext cx="1029730" cy="369332"/>
           </a:xfrm>
           <a:prstGeom prst="rect">
             <a:avLst/>
@@ -6605,18 +7358,19 @@
           <a:lstStyle/>
           <a:p>
             <a:r>
-              <a:rPr lang="it-IT" dirty="0"/>
-              <a:t>Contenuto</a:t>
-            </a:r>
-          </a:p>
-        </p:txBody>
-      </p:sp>
-      <p:sp>
-        <p:nvSpPr>
-          <p:cNvPr id="13" name="TextBox 12">
-            <a:extLst>
-              <a:ext uri="{FF2B5EF4-FFF2-40B4-BE49-F238E27FC236}">
-                <a16:creationId xmlns:a16="http://schemas.microsoft.com/office/drawing/2014/main" id="{20AFF42E-EBCD-47B4-808B-A430E1925C5A}"/>
+              <a:rPr lang="it-IT" dirty="0" err="1"/>
+              <a:t>Name</a:t>
+            </a:r>
+            <a:endParaRPr lang="it-IT" dirty="0"/>
+          </a:p>
+        </p:txBody>
+      </p:sp>
+      <p:sp>
+        <p:nvSpPr>
+          <p:cNvPr id="6" name="TextBox 5">
+            <a:extLst>
+              <a:ext uri="{FF2B5EF4-FFF2-40B4-BE49-F238E27FC236}">
+                <a16:creationId xmlns:a16="http://schemas.microsoft.com/office/drawing/2014/main" id="{5460658F-AD68-4F7F-8BAB-EF384EAF3B91}"/>
               </a:ext>
             </a:extLst>
           </p:cNvPr>
@@ -6625,7 +7379,7 @@
         </p:nvSpPr>
         <p:spPr>
           <a:xfrm>
-            <a:off x="3764693" y="3087713"/>
+            <a:off x="2413687" y="95162"/>
             <a:ext cx="5436973" cy="369332"/>
           </a:xfrm>
           <a:prstGeom prst="rect">
@@ -6641,17 +7395,25 @@
           <a:p>
             <a:r>
               <a:rPr lang="it-IT" dirty="0"/>
-              <a:t> Per rimuoverlo, si usa il raggio rosso</a:t>
-            </a:r>
-          </a:p>
-        </p:txBody>
-      </p:sp>
-      <p:sp>
-        <p:nvSpPr>
-          <p:cNvPr id="14" name="TextBox 13">
-            <a:extLst>
-              <a:ext uri="{FF2B5EF4-FFF2-40B4-BE49-F238E27FC236}">
-                <a16:creationId xmlns:a16="http://schemas.microsoft.com/office/drawing/2014/main" id="{62AB2A2C-8D1F-40D0-A756-7714201803DB}"/>
+              <a:t>Per </a:t>
+            </a:r>
+            <a:r>
+              <a:rPr lang="it-IT" dirty="0" err="1"/>
+              <a:t>semplicita’</a:t>
+            </a:r>
+            <a:r>
+              <a:rPr lang="it-IT" dirty="0"/>
+              <a:t> si attacca solo sotto</a:t>
+            </a:r>
+          </a:p>
+        </p:txBody>
+      </p:sp>
+      <p:sp>
+        <p:nvSpPr>
+          <p:cNvPr id="11" name="TextBox 10">
+            <a:extLst>
+              <a:ext uri="{FF2B5EF4-FFF2-40B4-BE49-F238E27FC236}">
+                <a16:creationId xmlns:a16="http://schemas.microsoft.com/office/drawing/2014/main" id="{561D104B-165F-4699-91F4-CCEB1E9A32F3}"/>
               </a:ext>
             </a:extLst>
           </p:cNvPr>
@@ -6660,8 +7422,8 @@
         </p:nvSpPr>
         <p:spPr>
           <a:xfrm>
-            <a:off x="3945891" y="3471197"/>
-            <a:ext cx="4053051" cy="369332"/>
+            <a:off x="189470" y="691978"/>
+            <a:ext cx="1408671" cy="369332"/>
           </a:xfrm>
           <a:prstGeom prst="rect">
             <a:avLst/>
@@ -6675,42 +7437,83 @@
           <a:lstStyle/>
           <a:p>
             <a:r>
-              <a:rPr lang="it-IT" dirty="0"/>
-              <a:t>si </a:t>
-            </a:r>
-            <a:r>
               <a:rPr lang="it-IT" dirty="0" err="1"/>
-              <a:t>puo’</a:t>
-            </a:r>
-            <a:r>
-              <a:rPr lang="it-IT" dirty="0"/>
-              <a:t> muovere trascinandolo</a:t>
-            </a:r>
+              <a:t>block</a:t>
+            </a:r>
+            <a:endParaRPr lang="it-IT" dirty="0"/>
+          </a:p>
+        </p:txBody>
+      </p:sp>
+      <p:sp>
+        <p:nvSpPr>
+          <p:cNvPr id="12" name="Isosceles Triangle 11">
+            <a:extLst>
+              <a:ext uri="{FF2B5EF4-FFF2-40B4-BE49-F238E27FC236}">
+                <a16:creationId xmlns:a16="http://schemas.microsoft.com/office/drawing/2014/main" id="{EF95EE42-3B87-4CEA-A0C7-5F737A78EFC2}"/>
+              </a:ext>
+            </a:extLst>
+          </p:cNvPr>
+          <p:cNvSpPr/>
+          <p:nvPr/>
+        </p:nvSpPr>
+        <p:spPr>
+          <a:xfrm rot="10800000">
+            <a:off x="3715265" y="987839"/>
+            <a:ext cx="444843" cy="383485"/>
+          </a:xfrm>
+          <a:prstGeom prst="triangle">
+            <a:avLst/>
+          </a:prstGeom>
+        </p:spPr>
+        <p:style>
+          <a:lnRef idx="2">
+            <a:schemeClr val="accent1">
+              <a:shade val="50000"/>
+            </a:schemeClr>
+          </a:lnRef>
+          <a:fillRef idx="1">
+            <a:schemeClr val="accent1"/>
+          </a:fillRef>
+          <a:effectRef idx="0">
+            <a:schemeClr val="accent1"/>
+          </a:effectRef>
+          <a:fontRef idx="minor">
+            <a:schemeClr val="lt1"/>
+          </a:fontRef>
+        </p:style>
+        <p:txBody>
+          <a:bodyPr rtlCol="0" anchor="ctr"/>
+          <a:lstStyle/>
+          <a:p>
+            <a:pPr algn="ctr"/>
+            <a:endParaRPr lang="it-IT"/>
           </a:p>
         </p:txBody>
       </p:sp>
       <p:cxnSp>
         <p:nvCxnSpPr>
-          <p:cNvPr id="15" name="Connector: Elbow 14">
-            <a:extLst>
-              <a:ext uri="{FF2B5EF4-FFF2-40B4-BE49-F238E27FC236}">
-                <a16:creationId xmlns:a16="http://schemas.microsoft.com/office/drawing/2014/main" id="{E6EF8D52-18C9-46EC-8EDE-EC495A3E0FE9}"/>
+          <p:cNvPr id="13" name="Connector: Elbow 12">
+            <a:extLst>
+              <a:ext uri="{FF2B5EF4-FFF2-40B4-BE49-F238E27FC236}">
+                <a16:creationId xmlns:a16="http://schemas.microsoft.com/office/drawing/2014/main" id="{87D9EA9A-AE4F-4C89-87A3-4606CCC443E9}"/>
               </a:ext>
             </a:extLst>
           </p:cNvPr>
           <p:cNvCxnSpPr>
             <a:cxnSpLocks/>
-            <a:stCxn id="4" idx="2"/>
+            <a:endCxn id="15" idx="1"/>
           </p:cNvCxnSpPr>
           <p:nvPr/>
         </p:nvCxnSpPr>
         <p:spPr>
-          <a:xfrm rot="16200000" flipH="1">
-            <a:off x="5975617" y="151692"/>
-            <a:ext cx="1259152" cy="2953604"/>
-          </a:xfrm>
-          <a:prstGeom prst="bentConnector2">
-            <a:avLst/>
+          <a:xfrm>
+            <a:off x="3937686" y="1179581"/>
+            <a:ext cx="2038865" cy="1111441"/>
+          </a:xfrm>
+          <a:prstGeom prst="bentConnector3">
+            <a:avLst>
+              <a:gd name="adj1" fmla="val 50000"/>
+            </a:avLst>
           </a:prstGeom>
           <a:ln>
             <a:solidFill>
@@ -6736,10 +7539,10 @@
       </p:cxnSp>
       <p:sp>
         <p:nvSpPr>
-          <p:cNvPr id="17" name="TextBox 16">
-            <a:extLst>
-              <a:ext uri="{FF2B5EF4-FFF2-40B4-BE49-F238E27FC236}">
-                <a16:creationId xmlns:a16="http://schemas.microsoft.com/office/drawing/2014/main" id="{89F5BD60-D549-4367-9950-09985035BD23}"/>
+          <p:cNvPr id="15" name="TextBox 14">
+            <a:extLst>
+              <a:ext uri="{FF2B5EF4-FFF2-40B4-BE49-F238E27FC236}">
+                <a16:creationId xmlns:a16="http://schemas.microsoft.com/office/drawing/2014/main" id="{DD32C383-6091-4BE4-8182-25033A5728D8}"/>
               </a:ext>
             </a:extLst>
           </p:cNvPr>
@@ -6748,8 +7551,8 @@
         </p:nvSpPr>
         <p:spPr>
           <a:xfrm>
-            <a:off x="3527349" y="4973485"/>
-            <a:ext cx="5436973" cy="646331"/>
+            <a:off x="5976551" y="1552358"/>
+            <a:ext cx="5436973" cy="1477328"/>
           </a:xfrm>
           <a:prstGeom prst="rect">
             <a:avLst/>
@@ -6764,20 +7567,240 @@
           <a:p>
             <a:r>
               <a:rPr lang="it-IT" dirty="0"/>
-              <a:t>Non si consente la variazione del tipo se ci </a:t>
+              <a:t>Muoverlo a contatto di un altro blocco con il triangolino e mollarlo significa tentativo di metterlo dopo un </a:t>
             </a:r>
             <a:r>
               <a:rPr lang="it-IT"/>
-              <a:t>sono riferimenti attivi</a:t>
-            </a:r>
-            <a:endParaRPr lang="it-IT" dirty="0"/>
+              <a:t>altro blocco </a:t>
+            </a:r>
+            <a:r>
+              <a:rPr lang="it-IT" dirty="0"/>
+              <a:t>(rilevato solo mentre muovi questo blocco).</a:t>
+            </a:r>
+          </a:p>
+          <a:p>
+            <a:r>
+              <a:rPr lang="it-IT" dirty="0"/>
+              <a:t>Se muovi la testa, muovi anche tutti i blocchi che seguono</a:t>
+            </a:r>
+          </a:p>
+        </p:txBody>
+      </p:sp>
+      <p:sp>
+        <p:nvSpPr>
+          <p:cNvPr id="17" name="Diamond 16">
+            <a:extLst>
+              <a:ext uri="{FF2B5EF4-FFF2-40B4-BE49-F238E27FC236}">
+                <a16:creationId xmlns:a16="http://schemas.microsoft.com/office/drawing/2014/main" id="{5A542367-9D65-4A4E-B6C2-7BEBDD8EEA47}"/>
+              </a:ext>
+            </a:extLst>
+          </p:cNvPr>
+          <p:cNvSpPr/>
+          <p:nvPr/>
+        </p:nvSpPr>
+        <p:spPr>
+          <a:xfrm>
+            <a:off x="3389870" y="632538"/>
+            <a:ext cx="684416" cy="341270"/>
+          </a:xfrm>
+          <a:prstGeom prst="diamond">
+            <a:avLst/>
+          </a:prstGeom>
+        </p:spPr>
+        <p:style>
+          <a:lnRef idx="2">
+            <a:schemeClr val="accent1">
+              <a:shade val="50000"/>
+            </a:schemeClr>
+          </a:lnRef>
+          <a:fillRef idx="1">
+            <a:schemeClr val="accent1"/>
+          </a:fillRef>
+          <a:effectRef idx="0">
+            <a:schemeClr val="accent1"/>
+          </a:effectRef>
+          <a:fontRef idx="minor">
+            <a:schemeClr val="lt1"/>
+          </a:fontRef>
+        </p:style>
+        <p:txBody>
+          <a:bodyPr rtlCol="0" anchor="ctr"/>
+          <a:lstStyle/>
+          <a:p>
+            <a:pPr algn="ctr"/>
+            <a:endParaRPr lang="it-IT"/>
+          </a:p>
+        </p:txBody>
+      </p:sp>
+      <p:cxnSp>
+        <p:nvCxnSpPr>
+          <p:cNvPr id="18" name="Connector: Elbow 17">
+            <a:extLst>
+              <a:ext uri="{FF2B5EF4-FFF2-40B4-BE49-F238E27FC236}">
+                <a16:creationId xmlns:a16="http://schemas.microsoft.com/office/drawing/2014/main" id="{E7521F55-BEF5-459E-AA97-8529CB556D42}"/>
+              </a:ext>
+            </a:extLst>
+          </p:cNvPr>
+          <p:cNvCxnSpPr>
+            <a:cxnSpLocks/>
+          </p:cNvCxnSpPr>
+          <p:nvPr/>
+        </p:nvCxnSpPr>
+        <p:spPr>
+          <a:xfrm>
+            <a:off x="3682989" y="797032"/>
+            <a:ext cx="2515983" cy="11682"/>
+          </a:xfrm>
+          <a:prstGeom prst="bentConnector3">
+            <a:avLst>
+              <a:gd name="adj1" fmla="val 50000"/>
+            </a:avLst>
+          </a:prstGeom>
+          <a:ln>
+            <a:solidFill>
+              <a:schemeClr val="tx1"/>
+            </a:solidFill>
+            <a:tailEnd type="triangle"/>
+          </a:ln>
+        </p:spPr>
+        <p:style>
+          <a:lnRef idx="1">
+            <a:schemeClr val="accent1"/>
+          </a:lnRef>
+          <a:fillRef idx="0">
+            <a:schemeClr val="accent1"/>
+          </a:fillRef>
+          <a:effectRef idx="0">
+            <a:schemeClr val="accent1"/>
+          </a:effectRef>
+          <a:fontRef idx="minor">
+            <a:schemeClr val="tx1"/>
+          </a:fontRef>
+        </p:style>
+      </p:cxnSp>
+      <p:sp>
+        <p:nvSpPr>
+          <p:cNvPr id="20" name="TextBox 19">
+            <a:extLst>
+              <a:ext uri="{FF2B5EF4-FFF2-40B4-BE49-F238E27FC236}">
+                <a16:creationId xmlns:a16="http://schemas.microsoft.com/office/drawing/2014/main" id="{15CCFE26-313B-4286-8016-E793A38064DC}"/>
+              </a:ext>
+            </a:extLst>
+          </p:cNvPr>
+          <p:cNvSpPr txBox="1"/>
+          <p:nvPr/>
+        </p:nvSpPr>
+        <p:spPr>
+          <a:xfrm>
+            <a:off x="6198972" y="604476"/>
+            <a:ext cx="5436973" cy="369332"/>
+          </a:xfrm>
+          <a:prstGeom prst="rect">
+            <a:avLst/>
+          </a:prstGeom>
+          <a:noFill/>
+        </p:spPr>
+        <p:txBody>
+          <a:bodyPr wrap="square" rtlCol="0">
+            <a:spAutoFit/>
+          </a:bodyPr>
+          <a:lstStyle/>
+          <a:p>
+            <a:r>
+              <a:rPr lang="it-IT" dirty="0"/>
+              <a:t>slot</a:t>
+            </a:r>
+          </a:p>
+        </p:txBody>
+      </p:sp>
+      <p:sp>
+        <p:nvSpPr>
+          <p:cNvPr id="21" name="TextBox 20">
+            <a:extLst>
+              <a:ext uri="{FF2B5EF4-FFF2-40B4-BE49-F238E27FC236}">
+                <a16:creationId xmlns:a16="http://schemas.microsoft.com/office/drawing/2014/main" id="{FB194AE2-73D4-4F3A-926A-017682919CBE}"/>
+              </a:ext>
+            </a:extLst>
+          </p:cNvPr>
+          <p:cNvSpPr txBox="1"/>
+          <p:nvPr/>
+        </p:nvSpPr>
+        <p:spPr>
+          <a:xfrm>
+            <a:off x="2413687" y="4646567"/>
+            <a:ext cx="5436973" cy="369332"/>
+          </a:xfrm>
+          <a:prstGeom prst="rect">
+            <a:avLst/>
+          </a:prstGeom>
+          <a:noFill/>
+        </p:spPr>
+        <p:txBody>
+          <a:bodyPr wrap="square" rtlCol="0">
+            <a:spAutoFit/>
+          </a:bodyPr>
+          <a:lstStyle/>
+          <a:p>
+            <a:r>
+              <a:rPr lang="it-IT" dirty="0"/>
+              <a:t> Per rimuoverlo, si usa il raggio rosso</a:t>
+            </a:r>
+          </a:p>
+        </p:txBody>
+      </p:sp>
+      <p:sp>
+        <p:nvSpPr>
+          <p:cNvPr id="23" name="TextBox 22">
+            <a:extLst>
+              <a:ext uri="{FF2B5EF4-FFF2-40B4-BE49-F238E27FC236}">
+                <a16:creationId xmlns:a16="http://schemas.microsoft.com/office/drawing/2014/main" id="{598505D9-A610-49CC-8810-D07D7C53667A}"/>
+              </a:ext>
+            </a:extLst>
+          </p:cNvPr>
+          <p:cNvSpPr txBox="1"/>
+          <p:nvPr/>
+        </p:nvSpPr>
+        <p:spPr>
+          <a:xfrm>
+            <a:off x="2594885" y="5030051"/>
+            <a:ext cx="4053051" cy="646331"/>
+          </a:xfrm>
+          <a:prstGeom prst="rect">
+            <a:avLst/>
+          </a:prstGeom>
+          <a:noFill/>
+        </p:spPr>
+        <p:txBody>
+          <a:bodyPr wrap="square" rtlCol="0">
+            <a:spAutoFit/>
+          </a:bodyPr>
+          <a:lstStyle/>
+          <a:p>
+            <a:r>
+              <a:rPr lang="it-IT" dirty="0"/>
+              <a:t>si </a:t>
+            </a:r>
+            <a:r>
+              <a:rPr lang="it-IT" dirty="0" err="1"/>
+              <a:t>puo’</a:t>
+            </a:r>
+            <a:r>
+              <a:rPr lang="it-IT" dirty="0"/>
+              <a:t> muovere trascinandolo</a:t>
+            </a:r>
+          </a:p>
+          <a:p>
+            <a:r>
+              <a:rPr lang="it-IT" dirty="0"/>
+              <a:t>Selezionandolo con il raggio blu, si testa</a:t>
+            </a:r>
           </a:p>
         </p:txBody>
       </p:sp>
     </p:spTree>
     <p:extLst>
       <p:ext uri="{BB962C8B-B14F-4D97-AF65-F5344CB8AC3E}">
-        <p14:creationId xmlns:p14="http://schemas.microsoft.com/office/powerpoint/2010/main" val="1750576227"/>
+        <p14:creationId xmlns:p14="http://schemas.microsoft.com/office/powerpoint/2010/main" val="4228885614"/>
       </p:ext>
     </p:extLst>
   </p:cSld>
@@ -6806,10 +7829,118 @@
       </p:grpSpPr>
       <p:sp>
         <p:nvSpPr>
-          <p:cNvPr id="3" name="Rectangle: Top Corners Rounded 2">
-            <a:extLst>
-              <a:ext uri="{FF2B5EF4-FFF2-40B4-BE49-F238E27FC236}">
-                <a16:creationId xmlns:a16="http://schemas.microsoft.com/office/drawing/2014/main" id="{72B50768-7E50-467A-8AAA-E12986CCD264}"/>
+          <p:cNvPr id="5" name="TextBox 4">
+            <a:extLst>
+              <a:ext uri="{FF2B5EF4-FFF2-40B4-BE49-F238E27FC236}">
+                <a16:creationId xmlns:a16="http://schemas.microsoft.com/office/drawing/2014/main" id="{DBA89207-94DF-4DF7-83F0-94CE19175391}"/>
+              </a:ext>
+            </a:extLst>
+          </p:cNvPr>
+          <p:cNvSpPr txBox="1"/>
+          <p:nvPr/>
+        </p:nvSpPr>
+        <p:spPr>
+          <a:xfrm>
+            <a:off x="8081995" y="1396984"/>
+            <a:ext cx="3319173" cy="1477328"/>
+          </a:xfrm>
+          <a:prstGeom prst="rect">
+            <a:avLst/>
+          </a:prstGeom>
+          <a:noFill/>
+        </p:spPr>
+        <p:txBody>
+          <a:bodyPr wrap="square" rtlCol="0">
+            <a:spAutoFit/>
+          </a:bodyPr>
+          <a:lstStyle/>
+          <a:p>
+            <a:r>
+              <a:rPr lang="it-IT" dirty="0"/>
+              <a:t>Muoverlo su slot compatibile e mollarlo significa tentativo di accoppiamento, rilevato dall’illuminazione dello slot ricevente</a:t>
+            </a:r>
+          </a:p>
+        </p:txBody>
+      </p:sp>
+      <p:sp>
+        <p:nvSpPr>
+          <p:cNvPr id="6" name="TextBox 5">
+            <a:extLst>
+              <a:ext uri="{FF2B5EF4-FFF2-40B4-BE49-F238E27FC236}">
+                <a16:creationId xmlns:a16="http://schemas.microsoft.com/office/drawing/2014/main" id="{5460658F-AD68-4F7F-8BAB-EF384EAF3B91}"/>
+              </a:ext>
+            </a:extLst>
+          </p:cNvPr>
+          <p:cNvSpPr txBox="1"/>
+          <p:nvPr/>
+        </p:nvSpPr>
+        <p:spPr>
+          <a:xfrm>
+            <a:off x="4720281" y="230659"/>
+            <a:ext cx="5436973" cy="369332"/>
+          </a:xfrm>
+          <a:prstGeom prst="rect">
+            <a:avLst/>
+          </a:prstGeom>
+          <a:noFill/>
+        </p:spPr>
+        <p:txBody>
+          <a:bodyPr wrap="square" rtlCol="0">
+            <a:spAutoFit/>
+          </a:bodyPr>
+          <a:lstStyle/>
+          <a:p>
+            <a:r>
+              <a:rPr lang="it-IT" dirty="0"/>
+              <a:t>Forma diversa a seconda del tipo</a:t>
+            </a:r>
+          </a:p>
+        </p:txBody>
+      </p:sp>
+      <p:sp>
+        <p:nvSpPr>
+          <p:cNvPr id="11" name="TextBox 10">
+            <a:extLst>
+              <a:ext uri="{FF2B5EF4-FFF2-40B4-BE49-F238E27FC236}">
+                <a16:creationId xmlns:a16="http://schemas.microsoft.com/office/drawing/2014/main" id="{561D104B-165F-4699-91F4-CCEB1E9A32F3}"/>
+              </a:ext>
+            </a:extLst>
+          </p:cNvPr>
+          <p:cNvSpPr txBox="1"/>
+          <p:nvPr/>
+        </p:nvSpPr>
+        <p:spPr>
+          <a:xfrm>
+            <a:off x="189470" y="691978"/>
+            <a:ext cx="1408671" cy="646331"/>
+          </a:xfrm>
+          <a:prstGeom prst="rect">
+            <a:avLst/>
+          </a:prstGeom>
+          <a:noFill/>
+        </p:spPr>
+        <p:txBody>
+          <a:bodyPr wrap="square" rtlCol="0">
+            <a:spAutoFit/>
+          </a:bodyPr>
+          <a:lstStyle/>
+          <a:p>
+            <a:r>
+              <a:rPr lang="it-IT" dirty="0"/>
+              <a:t>Reference</a:t>
+            </a:r>
+          </a:p>
+          <a:p>
+            <a:endParaRPr lang="it-IT" dirty="0"/>
+          </a:p>
+        </p:txBody>
+      </p:sp>
+      <p:sp>
+        <p:nvSpPr>
+          <p:cNvPr id="12" name="Diamond 11">
+            <a:extLst>
+              <a:ext uri="{FF2B5EF4-FFF2-40B4-BE49-F238E27FC236}">
+                <a16:creationId xmlns:a16="http://schemas.microsoft.com/office/drawing/2014/main" id="{5C2AD7B9-B0AE-4E3C-B9B5-AC3BD9224007}"/>
               </a:ext>
             </a:extLst>
           </p:cNvPr>
@@ -6818,10 +7949,10 @@
         </p:nvSpPr>
         <p:spPr>
           <a:xfrm>
-            <a:off x="2625302" y="314052"/>
-            <a:ext cx="1771474" cy="680096"/>
-          </a:xfrm>
-          <a:prstGeom prst="round2SameRect">
+            <a:off x="3772931" y="691978"/>
+            <a:ext cx="2323070" cy="296562"/>
+          </a:xfrm>
+          <a:prstGeom prst="diamond">
             <a:avLst/>
           </a:prstGeom>
         </p:spPr>
@@ -6864,8 +7995,8 @@
         </p:nvSpPr>
         <p:spPr>
           <a:xfrm>
-            <a:off x="2653259" y="618507"/>
-            <a:ext cx="1029730" cy="369332"/>
+            <a:off x="4465582" y="629586"/>
+            <a:ext cx="1325618" cy="369332"/>
           </a:xfrm>
           <a:prstGeom prst="rect">
             <a:avLst/>
@@ -6879,19 +8010,18 @@
           <a:lstStyle/>
           <a:p>
             <a:r>
-              <a:rPr lang="it-IT" dirty="0" err="1"/>
-              <a:t>Name</a:t>
-            </a:r>
-            <a:endParaRPr lang="it-IT" dirty="0"/>
-          </a:p>
-        </p:txBody>
-      </p:sp>
-      <p:sp>
-        <p:nvSpPr>
-          <p:cNvPr id="6" name="TextBox 5">
-            <a:extLst>
-              <a:ext uri="{FF2B5EF4-FFF2-40B4-BE49-F238E27FC236}">
-                <a16:creationId xmlns:a16="http://schemas.microsoft.com/office/drawing/2014/main" id="{5460658F-AD68-4F7F-8BAB-EF384EAF3B91}"/>
+              <a:rPr lang="it-IT" dirty="0"/>
+              <a:t>Contenuto</a:t>
+            </a:r>
+          </a:p>
+        </p:txBody>
+      </p:sp>
+      <p:sp>
+        <p:nvSpPr>
+          <p:cNvPr id="13" name="TextBox 12">
+            <a:extLst>
+              <a:ext uri="{FF2B5EF4-FFF2-40B4-BE49-F238E27FC236}">
+                <a16:creationId xmlns:a16="http://schemas.microsoft.com/office/drawing/2014/main" id="{20AFF42E-EBCD-47B4-808B-A430E1925C5A}"/>
               </a:ext>
             </a:extLst>
           </p:cNvPr>
@@ -6900,7 +8030,7 @@
         </p:nvSpPr>
         <p:spPr>
           <a:xfrm>
-            <a:off x="4703806" y="167116"/>
+            <a:off x="3764693" y="3087713"/>
             <a:ext cx="5436973" cy="369332"/>
           </a:xfrm>
           <a:prstGeom prst="rect">
@@ -6916,25 +8046,17 @@
           <a:p>
             <a:r>
               <a:rPr lang="it-IT" dirty="0"/>
-              <a:t>Per </a:t>
-            </a:r>
-            <a:r>
-              <a:rPr lang="it-IT" dirty="0" err="1"/>
-              <a:t>semplicita’</a:t>
-            </a:r>
-            <a:r>
-              <a:rPr lang="it-IT" dirty="0"/>
-              <a:t> si attacca solo sotto</a:t>
-            </a:r>
-          </a:p>
-        </p:txBody>
-      </p:sp>
-      <p:sp>
-        <p:nvSpPr>
-          <p:cNvPr id="11" name="TextBox 10">
-            <a:extLst>
-              <a:ext uri="{FF2B5EF4-FFF2-40B4-BE49-F238E27FC236}">
-                <a16:creationId xmlns:a16="http://schemas.microsoft.com/office/drawing/2014/main" id="{561D104B-165F-4699-91F4-CCEB1E9A32F3}"/>
+              <a:t> Per rimuoverlo, si usa il raggio rosso</a:t>
+            </a:r>
+          </a:p>
+        </p:txBody>
+      </p:sp>
+      <p:sp>
+        <p:nvSpPr>
+          <p:cNvPr id="14" name="TextBox 13">
+            <a:extLst>
+              <a:ext uri="{FF2B5EF4-FFF2-40B4-BE49-F238E27FC236}">
+                <a16:creationId xmlns:a16="http://schemas.microsoft.com/office/drawing/2014/main" id="{62AB2A2C-8D1F-40D0-A756-7714201803DB}"/>
               </a:ext>
             </a:extLst>
           </p:cNvPr>
@@ -6943,8 +8065,8 @@
         </p:nvSpPr>
         <p:spPr>
           <a:xfrm>
-            <a:off x="189470" y="691978"/>
-            <a:ext cx="1408671" cy="369332"/>
+            <a:off x="3945891" y="3471197"/>
+            <a:ext cx="4053051" cy="369332"/>
           </a:xfrm>
           <a:prstGeom prst="rect">
             <a:avLst/>
@@ -6958,83 +8080,42 @@
           <a:lstStyle/>
           <a:p>
             <a:r>
+              <a:rPr lang="it-IT" dirty="0"/>
+              <a:t>si </a:t>
+            </a:r>
+            <a:r>
               <a:rPr lang="it-IT" dirty="0" err="1"/>
-              <a:t>hat</a:t>
-            </a:r>
-            <a:endParaRPr lang="it-IT" dirty="0"/>
-          </a:p>
-        </p:txBody>
-      </p:sp>
-      <p:sp>
-        <p:nvSpPr>
-          <p:cNvPr id="12" name="Isosceles Triangle 11">
-            <a:extLst>
-              <a:ext uri="{FF2B5EF4-FFF2-40B4-BE49-F238E27FC236}">
-                <a16:creationId xmlns:a16="http://schemas.microsoft.com/office/drawing/2014/main" id="{EF95EE42-3B87-4CEA-A0C7-5F737A78EFC2}"/>
-              </a:ext>
-            </a:extLst>
-          </p:cNvPr>
-          <p:cNvSpPr/>
-          <p:nvPr/>
-        </p:nvSpPr>
-        <p:spPr>
-          <a:xfrm rot="10800000">
-            <a:off x="3715265" y="987839"/>
-            <a:ext cx="444843" cy="383485"/>
-          </a:xfrm>
-          <a:prstGeom prst="triangle">
-            <a:avLst/>
-          </a:prstGeom>
-        </p:spPr>
-        <p:style>
-          <a:lnRef idx="2">
-            <a:schemeClr val="accent1">
-              <a:shade val="50000"/>
-            </a:schemeClr>
-          </a:lnRef>
-          <a:fillRef idx="1">
-            <a:schemeClr val="accent1"/>
-          </a:fillRef>
-          <a:effectRef idx="0">
-            <a:schemeClr val="accent1"/>
-          </a:effectRef>
-          <a:fontRef idx="minor">
-            <a:schemeClr val="lt1"/>
-          </a:fontRef>
-        </p:style>
-        <p:txBody>
-          <a:bodyPr rtlCol="0" anchor="ctr"/>
-          <a:lstStyle/>
-          <a:p>
-            <a:pPr algn="ctr"/>
-            <a:endParaRPr lang="it-IT"/>
+              <a:t>puo’</a:t>
+            </a:r>
+            <a:r>
+              <a:rPr lang="it-IT" dirty="0"/>
+              <a:t> muovere trascinandolo</a:t>
+            </a:r>
           </a:p>
         </p:txBody>
       </p:sp>
       <p:cxnSp>
         <p:nvCxnSpPr>
-          <p:cNvPr id="13" name="Connector: Elbow 12">
-            <a:extLst>
-              <a:ext uri="{FF2B5EF4-FFF2-40B4-BE49-F238E27FC236}">
-                <a16:creationId xmlns:a16="http://schemas.microsoft.com/office/drawing/2014/main" id="{87D9EA9A-AE4F-4C89-87A3-4606CCC443E9}"/>
+          <p:cNvPr id="15" name="Connector: Elbow 14">
+            <a:extLst>
+              <a:ext uri="{FF2B5EF4-FFF2-40B4-BE49-F238E27FC236}">
+                <a16:creationId xmlns:a16="http://schemas.microsoft.com/office/drawing/2014/main" id="{E6EF8D52-18C9-46EC-8EDE-EC495A3E0FE9}"/>
               </a:ext>
             </a:extLst>
           </p:cNvPr>
           <p:cNvCxnSpPr>
             <a:cxnSpLocks/>
-            <a:endCxn id="15" idx="1"/>
+            <a:stCxn id="4" idx="2"/>
           </p:cNvCxnSpPr>
           <p:nvPr/>
         </p:nvCxnSpPr>
         <p:spPr>
-          <a:xfrm>
-            <a:off x="3937686" y="1179581"/>
-            <a:ext cx="2038865" cy="1111441"/>
-          </a:xfrm>
-          <a:prstGeom prst="bentConnector3">
-            <a:avLst>
-              <a:gd name="adj1" fmla="val 50000"/>
-            </a:avLst>
+          <a:xfrm rot="16200000" flipH="1">
+            <a:off x="5975617" y="151692"/>
+            <a:ext cx="1259152" cy="2953604"/>
+          </a:xfrm>
+          <a:prstGeom prst="bentConnector2">
+            <a:avLst/>
           </a:prstGeom>
           <a:ln>
             <a:solidFill>
@@ -7060,10 +8141,10 @@
       </p:cxnSp>
       <p:sp>
         <p:nvSpPr>
-          <p:cNvPr id="15" name="TextBox 14">
-            <a:extLst>
-              <a:ext uri="{FF2B5EF4-FFF2-40B4-BE49-F238E27FC236}">
-                <a16:creationId xmlns:a16="http://schemas.microsoft.com/office/drawing/2014/main" id="{DD32C383-6091-4BE4-8182-25033A5728D8}"/>
+          <p:cNvPr id="17" name="TextBox 16">
+            <a:extLst>
+              <a:ext uri="{FF2B5EF4-FFF2-40B4-BE49-F238E27FC236}">
+                <a16:creationId xmlns:a16="http://schemas.microsoft.com/office/drawing/2014/main" id="{89F5BD60-D549-4367-9950-09985035BD23}"/>
               </a:ext>
             </a:extLst>
           </p:cNvPr>
@@ -7072,8 +8153,8 @@
         </p:nvSpPr>
         <p:spPr>
           <a:xfrm>
-            <a:off x="5976551" y="1552358"/>
-            <a:ext cx="5436973" cy="1477328"/>
+            <a:off x="3527349" y="4973485"/>
+            <a:ext cx="5436973" cy="646331"/>
           </a:xfrm>
           <a:prstGeom prst="rect">
             <a:avLst/>
@@ -7088,99 +8169,20 @@
           <a:p>
             <a:r>
               <a:rPr lang="it-IT" dirty="0"/>
-              <a:t>Muoverlo a contatto di un altro blocco con il triangolino e mollarlo significa tentativo di metterlo dopo (rilevato solo mentre muovi questo blocco).</a:t>
-            </a:r>
-          </a:p>
-          <a:p>
-            <a:r>
-              <a:rPr lang="it-IT" dirty="0"/>
-              <a:t>Se muovi la testa, muovi anche tutti i blocchi che seguono</a:t>
-            </a:r>
-          </a:p>
-        </p:txBody>
-      </p:sp>
-      <p:sp>
-        <p:nvSpPr>
-          <p:cNvPr id="21" name="TextBox 20">
-            <a:extLst>
-              <a:ext uri="{FF2B5EF4-FFF2-40B4-BE49-F238E27FC236}">
-                <a16:creationId xmlns:a16="http://schemas.microsoft.com/office/drawing/2014/main" id="{FB194AE2-73D4-4F3A-926A-017682919CBE}"/>
-              </a:ext>
-            </a:extLst>
-          </p:cNvPr>
-          <p:cNvSpPr txBox="1"/>
-          <p:nvPr/>
-        </p:nvSpPr>
-        <p:spPr>
-          <a:xfrm>
-            <a:off x="2413687" y="4646567"/>
-            <a:ext cx="5436973" cy="369332"/>
-          </a:xfrm>
-          <a:prstGeom prst="rect">
-            <a:avLst/>
-          </a:prstGeom>
-          <a:noFill/>
-        </p:spPr>
-        <p:txBody>
-          <a:bodyPr wrap="square" rtlCol="0">
-            <a:spAutoFit/>
-          </a:bodyPr>
-          <a:lstStyle/>
-          <a:p>
-            <a:r>
-              <a:rPr lang="it-IT" dirty="0"/>
-              <a:t> Per rimuoverlo, si usa il raggio rosso</a:t>
-            </a:r>
-          </a:p>
-        </p:txBody>
-      </p:sp>
-      <p:sp>
-        <p:nvSpPr>
-          <p:cNvPr id="23" name="TextBox 22">
-            <a:extLst>
-              <a:ext uri="{FF2B5EF4-FFF2-40B4-BE49-F238E27FC236}">
-                <a16:creationId xmlns:a16="http://schemas.microsoft.com/office/drawing/2014/main" id="{598505D9-A610-49CC-8810-D07D7C53667A}"/>
-              </a:ext>
-            </a:extLst>
-          </p:cNvPr>
-          <p:cNvSpPr txBox="1"/>
-          <p:nvPr/>
-        </p:nvSpPr>
-        <p:spPr>
-          <a:xfrm>
-            <a:off x="2594885" y="5030051"/>
-            <a:ext cx="4053051" cy="369332"/>
-          </a:xfrm>
-          <a:prstGeom prst="rect">
-            <a:avLst/>
-          </a:prstGeom>
-          <a:noFill/>
-        </p:spPr>
-        <p:txBody>
-          <a:bodyPr wrap="square" rtlCol="0">
-            <a:spAutoFit/>
-          </a:bodyPr>
-          <a:lstStyle/>
-          <a:p>
-            <a:r>
-              <a:rPr lang="it-IT" dirty="0"/>
-              <a:t>si </a:t>
-            </a:r>
-            <a:r>
-              <a:rPr lang="it-IT" dirty="0" err="1"/>
-              <a:t>puo’</a:t>
-            </a:r>
-            <a:r>
-              <a:rPr lang="it-IT" dirty="0"/>
-              <a:t> muovere trascinandolo</a:t>
-            </a:r>
+              <a:t>Non si consente la variazione del tipo se ci </a:t>
+            </a:r>
+            <a:r>
+              <a:rPr lang="it-IT"/>
+              <a:t>sono riferimenti attivi</a:t>
+            </a:r>
+            <a:endParaRPr lang="it-IT" dirty="0"/>
           </a:p>
         </p:txBody>
       </p:sp>
     </p:spTree>
     <p:extLst>
       <p:ext uri="{BB962C8B-B14F-4D97-AF65-F5344CB8AC3E}">
-        <p14:creationId xmlns:p14="http://schemas.microsoft.com/office/powerpoint/2010/main" val="921262664"/>
+        <p14:creationId xmlns:p14="http://schemas.microsoft.com/office/powerpoint/2010/main" val="1750576227"/>
       </p:ext>
     </p:extLst>
   </p:cSld>
@@ -7209,10 +8211,10 @@
       </p:grpSpPr>
       <p:sp>
         <p:nvSpPr>
-          <p:cNvPr id="2" name="Rectangle 1">
-            <a:extLst>
-              <a:ext uri="{FF2B5EF4-FFF2-40B4-BE49-F238E27FC236}">
-                <a16:creationId xmlns:a16="http://schemas.microsoft.com/office/drawing/2014/main" id="{D97C19A2-9C97-42EE-B539-FA9FE4A3872D}"/>
+          <p:cNvPr id="3" name="Rectangle: Top Corners Rounded 2">
+            <a:extLst>
+              <a:ext uri="{FF2B5EF4-FFF2-40B4-BE49-F238E27FC236}">
+                <a16:creationId xmlns:a16="http://schemas.microsoft.com/office/drawing/2014/main" id="{72B50768-7E50-467A-8AAA-E12986CCD264}"/>
               </a:ext>
             </a:extLst>
           </p:cNvPr>
@@ -7221,10 +8223,10 @@
         </p:nvSpPr>
         <p:spPr>
           <a:xfrm>
-            <a:off x="4547962" y="522495"/>
-            <a:ext cx="6688450" cy="1833527"/>
-          </a:xfrm>
-          <a:prstGeom prst="rect">
+            <a:off x="2625302" y="314052"/>
+            <a:ext cx="1771474" cy="680096"/>
+          </a:xfrm>
+          <a:prstGeom prst="round2SameRect">
             <a:avLst/>
           </a:prstGeom>
         </p:spPr>
@@ -7267,7 +8269,7 @@
         </p:nvSpPr>
         <p:spPr>
           <a:xfrm>
-            <a:off x="4547961" y="511415"/>
+            <a:off x="2653259" y="618507"/>
             <a:ext cx="1029730" cy="369332"/>
           </a:xfrm>
           <a:prstGeom prst="rect">
@@ -7291,10 +8293,10 @@
       </p:sp>
       <p:sp>
         <p:nvSpPr>
-          <p:cNvPr id="5" name="TextBox 4">
-            <a:extLst>
-              <a:ext uri="{FF2B5EF4-FFF2-40B4-BE49-F238E27FC236}">
-                <a16:creationId xmlns:a16="http://schemas.microsoft.com/office/drawing/2014/main" id="{DBA89207-94DF-4DF7-83F0-94CE19175391}"/>
+          <p:cNvPr id="6" name="TextBox 5">
+            <a:extLst>
+              <a:ext uri="{FF2B5EF4-FFF2-40B4-BE49-F238E27FC236}">
+                <a16:creationId xmlns:a16="http://schemas.microsoft.com/office/drawing/2014/main" id="{5460658F-AD68-4F7F-8BAB-EF384EAF3B91}"/>
               </a:ext>
             </a:extLst>
           </p:cNvPr>
@@ -7303,8 +8305,8 @@
         </p:nvSpPr>
         <p:spPr>
           <a:xfrm>
-            <a:off x="4547960" y="1133372"/>
-            <a:ext cx="3319173" cy="1477328"/>
+            <a:off x="4703806" y="167116"/>
+            <a:ext cx="5436973" cy="369332"/>
           </a:xfrm>
           <a:prstGeom prst="rect">
             <a:avLst/>
@@ -7319,26 +8321,16 @@
           <a:p>
             <a:r>
               <a:rPr lang="it-IT" dirty="0"/>
-              <a:t>[Valore]</a:t>
-            </a:r>
-          </a:p>
-          <a:p>
-            <a:r>
-              <a:rPr lang="it-IT" dirty="0"/>
-              <a:t>Tipo</a:t>
-            </a:r>
-          </a:p>
-          <a:p>
-            <a:r>
-              <a:rPr lang="it-IT" dirty="0"/>
-              <a:t>Dicitura «globale» o «locale»</a:t>
-            </a:r>
-          </a:p>
-          <a:p>
-            <a:br>
-              <a:rPr lang="it-IT" dirty="0"/>
-            </a:br>
-            <a:endParaRPr lang="it-IT" dirty="0"/>
+              <a:t>Per </a:t>
+            </a:r>
+            <a:r>
+              <a:rPr lang="it-IT" dirty="0" err="1"/>
+              <a:t>semplicita’</a:t>
+            </a:r>
+            <a:r>
+              <a:rPr lang="it-IT" dirty="0"/>
+              <a:t> si attacca solo sotto</a:t>
+            </a:r>
           </a:p>
         </p:txBody>
       </p:sp>
@@ -7372,7 +8364,7 @@
           <a:p>
             <a:r>
               <a:rPr lang="it-IT" dirty="0" err="1"/>
-              <a:t>variable</a:t>
+              <a:t>hat</a:t>
             </a:r>
             <a:endParaRPr lang="it-IT" dirty="0"/>
           </a:p>
@@ -7380,137 +8372,10 @@
       </p:sp>
       <p:sp>
         <p:nvSpPr>
-          <p:cNvPr id="25" name="TextBox 24">
-            <a:extLst>
-              <a:ext uri="{FF2B5EF4-FFF2-40B4-BE49-F238E27FC236}">
-                <a16:creationId xmlns:a16="http://schemas.microsoft.com/office/drawing/2014/main" id="{A85FCF54-C294-4F46-B952-FC7E858BD106}"/>
-              </a:ext>
-            </a:extLst>
-          </p:cNvPr>
-          <p:cNvSpPr txBox="1"/>
-          <p:nvPr/>
-        </p:nvSpPr>
-        <p:spPr>
-          <a:xfrm>
-            <a:off x="626883" y="1779810"/>
-            <a:ext cx="3544504" cy="646331"/>
-          </a:xfrm>
-          <a:prstGeom prst="rect">
-            <a:avLst/>
-          </a:prstGeom>
-          <a:noFill/>
-        </p:spPr>
-        <p:txBody>
-          <a:bodyPr wrap="square" rtlCol="0">
-            <a:spAutoFit/>
-          </a:bodyPr>
-          <a:lstStyle/>
-          <a:p>
-            <a:r>
-              <a:rPr lang="it-IT" dirty="0"/>
-              <a:t>I campi si selezionano con il raggio blu e compare la tastiera/tastierino</a:t>
-            </a:r>
-          </a:p>
-        </p:txBody>
-      </p:sp>
-      <p:sp>
-        <p:nvSpPr>
-          <p:cNvPr id="29" name="TextBox 28">
-            <a:extLst>
-              <a:ext uri="{FF2B5EF4-FFF2-40B4-BE49-F238E27FC236}">
-                <a16:creationId xmlns:a16="http://schemas.microsoft.com/office/drawing/2014/main" id="{4727A32A-1202-4656-89E0-B10347F15C00}"/>
-              </a:ext>
-            </a:extLst>
-          </p:cNvPr>
-          <p:cNvSpPr txBox="1"/>
-          <p:nvPr/>
-        </p:nvSpPr>
-        <p:spPr>
-          <a:xfrm>
-            <a:off x="6722041" y="701620"/>
-            <a:ext cx="4053051" cy="369332"/>
-          </a:xfrm>
-          <a:prstGeom prst="rect">
-            <a:avLst/>
-          </a:prstGeom>
-          <a:noFill/>
-        </p:spPr>
-        <p:txBody>
-          <a:bodyPr wrap="square" rtlCol="0">
-            <a:spAutoFit/>
-          </a:bodyPr>
-          <a:lstStyle/>
-          <a:p>
-            <a:r>
-              <a:rPr lang="it-IT" dirty="0"/>
-              <a:t>La finestra si </a:t>
-            </a:r>
-            <a:r>
-              <a:rPr lang="it-IT" dirty="0" err="1"/>
-              <a:t>puo’</a:t>
-            </a:r>
-            <a:r>
-              <a:rPr lang="it-IT" dirty="0"/>
-              <a:t> muovere trascinandola</a:t>
-            </a:r>
-          </a:p>
-        </p:txBody>
-      </p:sp>
-      <p:sp>
-        <p:nvSpPr>
-          <p:cNvPr id="27" name="TextBox 26">
-            <a:extLst>
-              <a:ext uri="{FF2B5EF4-FFF2-40B4-BE49-F238E27FC236}">
-                <a16:creationId xmlns:a16="http://schemas.microsoft.com/office/drawing/2014/main" id="{25ABF39B-82FC-4074-9B77-F441F843120A}"/>
-              </a:ext>
-            </a:extLst>
-          </p:cNvPr>
-          <p:cNvSpPr txBox="1"/>
-          <p:nvPr/>
-        </p:nvSpPr>
-        <p:spPr>
-          <a:xfrm>
-            <a:off x="6722041" y="701620"/>
-            <a:ext cx="4053051" cy="646331"/>
-          </a:xfrm>
-          <a:prstGeom prst="rect">
-            <a:avLst/>
-          </a:prstGeom>
-          <a:noFill/>
-        </p:spPr>
-        <p:txBody>
-          <a:bodyPr wrap="square" rtlCol="0">
-            <a:spAutoFit/>
-          </a:bodyPr>
-          <a:lstStyle/>
-          <a:p>
-            <a:r>
-              <a:rPr lang="it-IT" dirty="0"/>
-              <a:t>La finestra si </a:t>
-            </a:r>
-            <a:r>
-              <a:rPr lang="it-IT" dirty="0" err="1"/>
-              <a:t>puo’</a:t>
-            </a:r>
-            <a:r>
-              <a:rPr lang="it-IT" dirty="0"/>
-              <a:t> muovere trascinandola</a:t>
-            </a:r>
-          </a:p>
-          <a:p>
-            <a:r>
-              <a:rPr lang="it-IT" dirty="0"/>
-              <a:t>Si chiude con il raggio rosso</a:t>
-            </a:r>
-          </a:p>
-        </p:txBody>
-      </p:sp>
-      <p:sp>
-        <p:nvSpPr>
-          <p:cNvPr id="9" name="Rectangle 8">
-            <a:extLst>
-              <a:ext uri="{FF2B5EF4-FFF2-40B4-BE49-F238E27FC236}">
-                <a16:creationId xmlns:a16="http://schemas.microsoft.com/office/drawing/2014/main" id="{22480BC1-6F90-4C9F-8B11-3F2EE62AC56F}"/>
+          <p:cNvPr id="12" name="Isosceles Triangle 11">
+            <a:extLst>
+              <a:ext uri="{FF2B5EF4-FFF2-40B4-BE49-F238E27FC236}">
+                <a16:creationId xmlns:a16="http://schemas.microsoft.com/office/drawing/2014/main" id="{EF95EE42-3B87-4CEA-A0C7-5F737A78EFC2}"/>
               </a:ext>
             </a:extLst>
           </p:cNvPr>
@@ -7518,21 +8383,13 @@
           <p:nvPr/>
         </p:nvSpPr>
         <p:spPr>
-          <a:xfrm>
-            <a:off x="1537032" y="3689944"/>
-            <a:ext cx="3010927" cy="2043591"/>
-          </a:xfrm>
-          <a:prstGeom prst="rect">
-            <a:avLst/>
-          </a:prstGeom>
-          <a:solidFill>
-            <a:schemeClr val="bg1"/>
-          </a:solidFill>
-          <a:ln>
-            <a:solidFill>
-              <a:schemeClr val="tx1"/>
-            </a:solidFill>
-          </a:ln>
+          <a:xfrm rot="10800000">
+            <a:off x="3715265" y="987839"/>
+            <a:ext cx="444843" cy="383485"/>
+          </a:xfrm>
+          <a:prstGeom prst="triangle">
+            <a:avLst/>
+          </a:prstGeom>
         </p:spPr>
         <p:style>
           <a:lnRef idx="2">
@@ -7559,69 +8416,59 @@
           </a:p>
         </p:txBody>
       </p:sp>
-      <p:sp>
-        <p:nvSpPr>
-          <p:cNvPr id="10" name="Rectangle 9">
-            <a:extLst>
-              <a:ext uri="{FF2B5EF4-FFF2-40B4-BE49-F238E27FC236}">
-                <a16:creationId xmlns:a16="http://schemas.microsoft.com/office/drawing/2014/main" id="{7669DA0B-3F15-4DDD-8DF6-DC631809DE22}"/>
-              </a:ext>
-            </a:extLst>
-          </p:cNvPr>
-          <p:cNvSpPr/>
-          <p:nvPr/>
-        </p:nvSpPr>
-        <p:spPr>
-          <a:xfrm>
-            <a:off x="1537032" y="3689944"/>
-            <a:ext cx="3010927" cy="321884"/>
-          </a:xfrm>
-          <a:prstGeom prst="rect">
-            <a:avLst/>
-          </a:prstGeom>
-          <a:solidFill>
-            <a:srgbClr val="002060"/>
-          </a:solidFill>
+      <p:cxnSp>
+        <p:nvCxnSpPr>
+          <p:cNvPr id="13" name="Connector: Elbow 12">
+            <a:extLst>
+              <a:ext uri="{FF2B5EF4-FFF2-40B4-BE49-F238E27FC236}">
+                <a16:creationId xmlns:a16="http://schemas.microsoft.com/office/drawing/2014/main" id="{87D9EA9A-AE4F-4C89-87A3-4606CCC443E9}"/>
+              </a:ext>
+            </a:extLst>
+          </p:cNvPr>
+          <p:cNvCxnSpPr>
+            <a:cxnSpLocks/>
+            <a:endCxn id="15" idx="1"/>
+          </p:cNvCxnSpPr>
+          <p:nvPr/>
+        </p:nvCxnSpPr>
+        <p:spPr>
+          <a:xfrm>
+            <a:off x="3937686" y="1179581"/>
+            <a:ext cx="2038865" cy="1111441"/>
+          </a:xfrm>
+          <a:prstGeom prst="bentConnector3">
+            <a:avLst>
+              <a:gd name="adj1" fmla="val 50000"/>
+            </a:avLst>
+          </a:prstGeom>
           <a:ln>
             <a:solidFill>
-              <a:schemeClr val="bg1"/>
+              <a:schemeClr val="tx1"/>
             </a:solidFill>
+            <a:tailEnd type="triangle"/>
           </a:ln>
         </p:spPr>
         <p:style>
-          <a:lnRef idx="2">
-            <a:schemeClr val="accent1">
-              <a:shade val="50000"/>
-            </a:schemeClr>
+          <a:lnRef idx="1">
+            <a:schemeClr val="accent1"/>
           </a:lnRef>
-          <a:fillRef idx="1">
+          <a:fillRef idx="0">
             <a:schemeClr val="accent1"/>
           </a:fillRef>
           <a:effectRef idx="0">
             <a:schemeClr val="accent1"/>
           </a:effectRef>
           <a:fontRef idx="minor">
-            <a:schemeClr val="lt1"/>
+            <a:schemeClr val="tx1"/>
           </a:fontRef>
         </p:style>
-        <p:txBody>
-          <a:bodyPr rtlCol="0" anchor="ctr"/>
-          <a:lstStyle/>
-          <a:p>
-            <a:pPr algn="ctr"/>
-            <a:r>
-              <a:rPr lang="it-IT" dirty="0"/>
-              <a:t>Variabile 1</a:t>
-            </a:r>
-          </a:p>
-        </p:txBody>
-      </p:sp>
-      <p:sp>
-        <p:nvSpPr>
-          <p:cNvPr id="12" name="TextBox 11">
-            <a:extLst>
-              <a:ext uri="{FF2B5EF4-FFF2-40B4-BE49-F238E27FC236}">
-                <a16:creationId xmlns:a16="http://schemas.microsoft.com/office/drawing/2014/main" id="{55116A10-8187-452E-9544-89DC733EDF53}"/>
+      </p:cxnSp>
+      <p:sp>
+        <p:nvSpPr>
+          <p:cNvPr id="15" name="TextBox 14">
+            <a:extLst>
+              <a:ext uri="{FF2B5EF4-FFF2-40B4-BE49-F238E27FC236}">
+                <a16:creationId xmlns:a16="http://schemas.microsoft.com/office/drawing/2014/main" id="{DD32C383-6091-4BE4-8182-25033A5728D8}"/>
               </a:ext>
             </a:extLst>
           </p:cNvPr>
@@ -7630,8 +8477,8 @@
         </p:nvSpPr>
         <p:spPr>
           <a:xfrm>
-            <a:off x="1537033" y="4011828"/>
-            <a:ext cx="3010926" cy="2031325"/>
+            <a:off x="5976551" y="1552358"/>
+            <a:ext cx="5436973" cy="1477328"/>
           </a:xfrm>
           <a:prstGeom prst="rect">
             <a:avLst/>
@@ -7646,78 +8493,99 @@
           <a:p>
             <a:r>
               <a:rPr lang="it-IT" dirty="0"/>
-              <a:t>Scope: </a:t>
-            </a:r>
-            <a:r>
-              <a:rPr lang="it-IT" dirty="0" err="1">
-                <a:solidFill>
-                  <a:srgbClr val="FF0000"/>
-                </a:solidFill>
-              </a:rPr>
-              <a:t>local</a:t>
-            </a:r>
-            <a:r>
-              <a:rPr lang="it-IT" dirty="0"/>
-              <a:t> to </a:t>
-            </a:r>
-            <a:r>
-              <a:rPr lang="it-IT" dirty="0" err="1">
-                <a:solidFill>
-                  <a:schemeClr val="accent6">
-                    <a:lumMod val="50000"/>
-                  </a:schemeClr>
-                </a:solidFill>
-              </a:rPr>
-              <a:t>Actor</a:t>
-            </a:r>
-            <a:r>
-              <a:rPr lang="it-IT" dirty="0">
-                <a:solidFill>
-                  <a:schemeClr val="accent6">
-                    <a:lumMod val="50000"/>
-                  </a:schemeClr>
-                </a:solidFill>
-              </a:rPr>
-              <a:t> 1</a:t>
-            </a:r>
-          </a:p>
-          <a:p>
+              <a:t>Muoverlo a contatto di un altro blocco con il triangolino e mollarlo significa tentativo di metterlo dopo (rilevato solo mentre muovi questo blocco).</a:t>
+            </a:r>
+          </a:p>
+          <a:p>
+            <a:r>
+              <a:rPr lang="it-IT" dirty="0"/>
+              <a:t>Se muovi la testa, muovi anche tutti i blocchi che seguono</a:t>
+            </a:r>
+          </a:p>
+        </p:txBody>
+      </p:sp>
+      <p:sp>
+        <p:nvSpPr>
+          <p:cNvPr id="21" name="TextBox 20">
+            <a:extLst>
+              <a:ext uri="{FF2B5EF4-FFF2-40B4-BE49-F238E27FC236}">
+                <a16:creationId xmlns:a16="http://schemas.microsoft.com/office/drawing/2014/main" id="{FB194AE2-73D4-4F3A-926A-017682919CBE}"/>
+              </a:ext>
+            </a:extLst>
+          </p:cNvPr>
+          <p:cNvSpPr txBox="1"/>
+          <p:nvPr/>
+        </p:nvSpPr>
+        <p:spPr>
+          <a:xfrm>
+            <a:off x="2413687" y="4646567"/>
+            <a:ext cx="5436973" cy="369332"/>
+          </a:xfrm>
+          <a:prstGeom prst="rect">
+            <a:avLst/>
+          </a:prstGeom>
+          <a:noFill/>
+        </p:spPr>
+        <p:txBody>
+          <a:bodyPr wrap="square" rtlCol="0">
+            <a:spAutoFit/>
+          </a:bodyPr>
+          <a:lstStyle/>
+          <a:p>
+            <a:r>
+              <a:rPr lang="it-IT" dirty="0"/>
+              <a:t> Per rimuoverlo, si usa il raggio rosso</a:t>
+            </a:r>
+          </a:p>
+        </p:txBody>
+      </p:sp>
+      <p:sp>
+        <p:nvSpPr>
+          <p:cNvPr id="23" name="TextBox 22">
+            <a:extLst>
+              <a:ext uri="{FF2B5EF4-FFF2-40B4-BE49-F238E27FC236}">
+                <a16:creationId xmlns:a16="http://schemas.microsoft.com/office/drawing/2014/main" id="{598505D9-A610-49CC-8810-D07D7C53667A}"/>
+              </a:ext>
+            </a:extLst>
+          </p:cNvPr>
+          <p:cNvSpPr txBox="1"/>
+          <p:nvPr/>
+        </p:nvSpPr>
+        <p:spPr>
+          <a:xfrm>
+            <a:off x="2594885" y="5030051"/>
+            <a:ext cx="4053051" cy="369332"/>
+          </a:xfrm>
+          <a:prstGeom prst="rect">
+            <a:avLst/>
+          </a:prstGeom>
+          <a:noFill/>
+        </p:spPr>
+        <p:txBody>
+          <a:bodyPr wrap="square" rtlCol="0">
+            <a:spAutoFit/>
+          </a:bodyPr>
+          <a:lstStyle/>
+          <a:p>
+            <a:r>
+              <a:rPr lang="it-IT" dirty="0"/>
+              <a:t>si </a:t>
+            </a:r>
             <a:r>
               <a:rPr lang="it-IT" dirty="0" err="1"/>
-              <a:t>Type</a:t>
-            </a:r>
-            <a:r>
-              <a:rPr lang="it-IT" dirty="0"/>
-              <a:t>: </a:t>
-            </a:r>
-            <a:r>
-              <a:rPr lang="it-IT" dirty="0">
-                <a:solidFill>
-                  <a:srgbClr val="FF0000"/>
-                </a:solidFill>
-              </a:rPr>
-              <a:t>BOOL</a:t>
-            </a:r>
-          </a:p>
-          <a:p>
-            <a:pPr algn="ctr"/>
-            <a:r>
-              <a:rPr lang="it-IT" sz="5400" dirty="0"/>
-              <a:t>TRUE</a:t>
-            </a:r>
-          </a:p>
-          <a:p>
-            <a:br>
-              <a:rPr lang="it-IT" dirty="0"/>
-            </a:br>
-            <a:endParaRPr lang="it-IT" dirty="0"/>
+              <a:t>puo’</a:t>
+            </a:r>
+            <a:r>
+              <a:rPr lang="it-IT" dirty="0"/>
+              <a:t> muovere trascinandolo</a:t>
+            </a:r>
           </a:p>
         </p:txBody>
       </p:sp>
     </p:spTree>
     <p:extLst>
       <p:ext uri="{BB962C8B-B14F-4D97-AF65-F5344CB8AC3E}">
-        <p14:creationId xmlns:p14="http://schemas.microsoft.com/office/powerpoint/2010/main" val="2458065691"/>
+        <p14:creationId xmlns:p14="http://schemas.microsoft.com/office/powerpoint/2010/main" val="921262664"/>
       </p:ext>
     </p:extLst>
   </p:cSld>
@@ -7841,7 +8709,7 @@
         <p:spPr>
           <a:xfrm>
             <a:off x="4547960" y="1133372"/>
-            <a:ext cx="3319173" cy="923330"/>
+            <a:ext cx="3319173" cy="1477328"/>
           </a:xfrm>
           <a:prstGeom prst="rect">
             <a:avLst/>
@@ -7860,6 +8728,18 @@
             </a:r>
           </a:p>
           <a:p>
+            <a:r>
+              <a:rPr lang="it-IT" dirty="0"/>
+              <a:t>Tipo</a:t>
+            </a:r>
+          </a:p>
+          <a:p>
+            <a:r>
+              <a:rPr lang="it-IT" dirty="0"/>
+              <a:t>Dicitura «globale» o «locale»</a:t>
+            </a:r>
+          </a:p>
+          <a:p>
             <a:br>
               <a:rPr lang="it-IT" dirty="0"/>
             </a:br>
@@ -7896,18 +8776,19 @@
           <a:lstStyle/>
           <a:p>
             <a:r>
-              <a:rPr lang="it-IT" dirty="0"/>
-              <a:t>Timer</a:t>
-            </a:r>
-          </a:p>
-        </p:txBody>
-      </p:sp>
-      <p:sp>
-        <p:nvSpPr>
-          <p:cNvPr id="29" name="TextBox 28">
-            <a:extLst>
-              <a:ext uri="{FF2B5EF4-FFF2-40B4-BE49-F238E27FC236}">
-                <a16:creationId xmlns:a16="http://schemas.microsoft.com/office/drawing/2014/main" id="{4727A32A-1202-4656-89E0-B10347F15C00}"/>
+              <a:rPr lang="it-IT" dirty="0" err="1"/>
+              <a:t>variable</a:t>
+            </a:r>
+            <a:endParaRPr lang="it-IT" dirty="0"/>
+          </a:p>
+        </p:txBody>
+      </p:sp>
+      <p:sp>
+        <p:nvSpPr>
+          <p:cNvPr id="25" name="TextBox 24">
+            <a:extLst>
+              <a:ext uri="{FF2B5EF4-FFF2-40B4-BE49-F238E27FC236}">
+                <a16:creationId xmlns:a16="http://schemas.microsoft.com/office/drawing/2014/main" id="{A85FCF54-C294-4F46-B952-FC7E858BD106}"/>
               </a:ext>
             </a:extLst>
           </p:cNvPr>
@@ -7916,8 +8797,8 @@
         </p:nvSpPr>
         <p:spPr>
           <a:xfrm>
-            <a:off x="6722041" y="701620"/>
-            <a:ext cx="4053051" cy="369332"/>
+            <a:off x="626883" y="1779810"/>
+            <a:ext cx="3544504" cy="646331"/>
           </a:xfrm>
           <a:prstGeom prst="rect">
             <a:avLst/>
@@ -7932,25 +8813,17 @@
           <a:p>
             <a:r>
               <a:rPr lang="it-IT" dirty="0"/>
-              <a:t>La finestra si </a:t>
-            </a:r>
-            <a:r>
-              <a:rPr lang="it-IT" dirty="0" err="1"/>
-              <a:t>puo’</a:t>
-            </a:r>
-            <a:r>
-              <a:rPr lang="it-IT" dirty="0"/>
-              <a:t> muovere trascinandola</a:t>
-            </a:r>
-          </a:p>
-        </p:txBody>
-      </p:sp>
-      <p:sp>
-        <p:nvSpPr>
-          <p:cNvPr id="27" name="TextBox 26">
-            <a:extLst>
-              <a:ext uri="{FF2B5EF4-FFF2-40B4-BE49-F238E27FC236}">
-                <a16:creationId xmlns:a16="http://schemas.microsoft.com/office/drawing/2014/main" id="{25ABF39B-82FC-4074-9B77-F441F843120A}"/>
+              <a:t>I campi si selezionano con il raggio blu e compare la tastiera/tastierino</a:t>
+            </a:r>
+          </a:p>
+        </p:txBody>
+      </p:sp>
+      <p:sp>
+        <p:nvSpPr>
+          <p:cNvPr id="29" name="TextBox 28">
+            <a:extLst>
+              <a:ext uri="{FF2B5EF4-FFF2-40B4-BE49-F238E27FC236}">
+                <a16:creationId xmlns:a16="http://schemas.microsoft.com/office/drawing/2014/main" id="{4727A32A-1202-4656-89E0-B10347F15C00}"/>
               </a:ext>
             </a:extLst>
           </p:cNvPr>
@@ -7960,7 +8833,7 @@
         <p:spPr>
           <a:xfrm>
             <a:off x="6722041" y="701620"/>
-            <a:ext cx="4053051" cy="646331"/>
+            <a:ext cx="4053051" cy="369332"/>
           </a:xfrm>
           <a:prstGeom prst="rect">
             <a:avLst/>
@@ -7986,6 +8859,49 @@
               <a:t> muovere trascinandola</a:t>
             </a:r>
           </a:p>
+        </p:txBody>
+      </p:sp>
+      <p:sp>
+        <p:nvSpPr>
+          <p:cNvPr id="27" name="TextBox 26">
+            <a:extLst>
+              <a:ext uri="{FF2B5EF4-FFF2-40B4-BE49-F238E27FC236}">
+                <a16:creationId xmlns:a16="http://schemas.microsoft.com/office/drawing/2014/main" id="{25ABF39B-82FC-4074-9B77-F441F843120A}"/>
+              </a:ext>
+            </a:extLst>
+          </p:cNvPr>
+          <p:cNvSpPr txBox="1"/>
+          <p:nvPr/>
+        </p:nvSpPr>
+        <p:spPr>
+          <a:xfrm>
+            <a:off x="6722041" y="701620"/>
+            <a:ext cx="4053051" cy="646331"/>
+          </a:xfrm>
+          <a:prstGeom prst="rect">
+            <a:avLst/>
+          </a:prstGeom>
+          <a:noFill/>
+        </p:spPr>
+        <p:txBody>
+          <a:bodyPr wrap="square" rtlCol="0">
+            <a:spAutoFit/>
+          </a:bodyPr>
+          <a:lstStyle/>
+          <a:p>
+            <a:r>
+              <a:rPr lang="it-IT" dirty="0"/>
+              <a:t>La finestra si </a:t>
+            </a:r>
+            <a:r>
+              <a:rPr lang="it-IT" dirty="0" err="1"/>
+              <a:t>puo’</a:t>
+            </a:r>
+            <a:r>
+              <a:rPr lang="it-IT" dirty="0"/>
+              <a:t> muovere trascinandola</a:t>
+            </a:r>
+          </a:p>
           <a:p>
             <a:r>
               <a:rPr lang="it-IT" dirty="0"/>
@@ -7996,10 +8912,10 @@
       </p:sp>
       <p:sp>
         <p:nvSpPr>
-          <p:cNvPr id="8" name="Rectangle 7">
-            <a:extLst>
-              <a:ext uri="{FF2B5EF4-FFF2-40B4-BE49-F238E27FC236}">
-                <a16:creationId xmlns:a16="http://schemas.microsoft.com/office/drawing/2014/main" id="{8D47DBFF-BAAE-4AAD-AFF1-9CB7029CBB5F}"/>
+          <p:cNvPr id="9" name="Rectangle 8">
+            <a:extLst>
+              <a:ext uri="{FF2B5EF4-FFF2-40B4-BE49-F238E27FC236}">
+                <a16:creationId xmlns:a16="http://schemas.microsoft.com/office/drawing/2014/main" id="{22480BC1-6F90-4C9F-8B11-3F2EE62AC56F}"/>
               </a:ext>
             </a:extLst>
           </p:cNvPr>
@@ -8050,10 +8966,10 @@
       </p:sp>
       <p:sp>
         <p:nvSpPr>
-          <p:cNvPr id="9" name="Rectangle 8">
-            <a:extLst>
-              <a:ext uri="{FF2B5EF4-FFF2-40B4-BE49-F238E27FC236}">
-                <a16:creationId xmlns:a16="http://schemas.microsoft.com/office/drawing/2014/main" id="{20D15BF9-3359-4F36-BEDA-C6E0E06435E9}"/>
+          <p:cNvPr id="10" name="Rectangle 9">
+            <a:extLst>
+              <a:ext uri="{FF2B5EF4-FFF2-40B4-BE49-F238E27FC236}">
+                <a16:creationId xmlns:a16="http://schemas.microsoft.com/office/drawing/2014/main" id="{7669DA0B-3F15-4DDD-8DF6-DC631809DE22}"/>
               </a:ext>
             </a:extLst>
           </p:cNvPr>
@@ -8100,17 +9016,17 @@
             <a:pPr algn="ctr"/>
             <a:r>
               <a:rPr lang="it-IT" dirty="0"/>
-              <a:t>Timer</a:t>
-            </a:r>
-          </a:p>
-        </p:txBody>
-      </p:sp>
-      <p:sp>
-        <p:nvSpPr>
-          <p:cNvPr id="10" name="TextBox 9">
-            <a:extLst>
-              <a:ext uri="{FF2B5EF4-FFF2-40B4-BE49-F238E27FC236}">
-                <a16:creationId xmlns:a16="http://schemas.microsoft.com/office/drawing/2014/main" id="{5BF15325-7F95-4A64-A4ED-AE13DD2292EF}"/>
+              <a:t>Variabile 1</a:t>
+            </a:r>
+          </a:p>
+        </p:txBody>
+      </p:sp>
+      <p:sp>
+        <p:nvSpPr>
+          <p:cNvPr id="12" name="TextBox 11">
+            <a:extLst>
+              <a:ext uri="{FF2B5EF4-FFF2-40B4-BE49-F238E27FC236}">
+                <a16:creationId xmlns:a16="http://schemas.microsoft.com/office/drawing/2014/main" id="{55116A10-8187-452E-9544-89DC733EDF53}"/>
               </a:ext>
             </a:extLst>
           </p:cNvPr>
@@ -8120,7 +9036,7 @@
         <p:spPr>
           <a:xfrm>
             <a:off x="1537033" y="4011828"/>
-            <a:ext cx="3010926" cy="1477328"/>
+            <a:ext cx="3010926" cy="2031325"/>
           </a:xfrm>
           <a:prstGeom prst="rect">
             <a:avLst/>
@@ -8133,12 +9049,57 @@
           </a:bodyPr>
           <a:lstStyle/>
           <a:p>
+            <a:r>
+              <a:rPr lang="it-IT" dirty="0"/>
+              <a:t>Scope: </a:t>
+            </a:r>
+            <a:r>
+              <a:rPr lang="it-IT" dirty="0" err="1">
+                <a:solidFill>
+                  <a:srgbClr val="FF0000"/>
+                </a:solidFill>
+              </a:rPr>
+              <a:t>local</a:t>
+            </a:r>
+            <a:r>
+              <a:rPr lang="it-IT" dirty="0"/>
+              <a:t> to </a:t>
+            </a:r>
+            <a:r>
+              <a:rPr lang="it-IT" dirty="0">
+                <a:solidFill>
+                  <a:schemeClr val="accent6">
+                    <a:lumMod val="50000"/>
+                  </a:schemeClr>
+                </a:solidFill>
+              </a:rPr>
+              <a:t>Actor 1</a:t>
+            </a:r>
+          </a:p>
+          <a:p>
+            <a:r>
+              <a:rPr lang="it-IT" dirty="0" err="1"/>
+              <a:t>Type</a:t>
+            </a:r>
+            <a:r>
+              <a:rPr lang="it-IT" dirty="0"/>
+              <a:t>: </a:t>
+            </a:r>
+            <a:r>
+              <a:rPr lang="it-IT" dirty="0">
+                <a:solidFill>
+                  <a:srgbClr val="FF0000"/>
+                </a:solidFill>
+              </a:rPr>
+              <a:t>BOOL</a:t>
+            </a:r>
+          </a:p>
+          <a:p>
             <a:pPr algn="ctr"/>
             <a:r>
-              <a:rPr lang="it-IT" sz="5400"/>
-              <a:t>3.00</a:t>
-            </a:r>
-            <a:endParaRPr lang="it-IT" sz="5400" dirty="0"/>
+              <a:rPr lang="it-IT" sz="5400" dirty="0"/>
+              <a:t>TRUE</a:t>
+            </a:r>
           </a:p>
           <a:p>
             <a:br>
@@ -8151,7 +9112,7 @@
     </p:spTree>
     <p:extLst>
       <p:ext uri="{BB962C8B-B14F-4D97-AF65-F5344CB8AC3E}">
-        <p14:creationId xmlns:p14="http://schemas.microsoft.com/office/powerpoint/2010/main" val="748112686"/>
+        <p14:creationId xmlns:p14="http://schemas.microsoft.com/office/powerpoint/2010/main" val="2458065691"/>
       </p:ext>
     </p:extLst>
   </p:cSld>
@@ -8180,58 +9141,22 @@
       </p:grpSpPr>
       <p:sp>
         <p:nvSpPr>
-          <p:cNvPr id="11" name="TextBox 10">
-            <a:extLst>
-              <a:ext uri="{FF2B5EF4-FFF2-40B4-BE49-F238E27FC236}">
-                <a16:creationId xmlns:a16="http://schemas.microsoft.com/office/drawing/2014/main" id="{561D104B-165F-4699-91F4-CCEB1E9A32F3}"/>
-              </a:ext>
-            </a:extLst>
-          </p:cNvPr>
-          <p:cNvSpPr txBox="1"/>
-          <p:nvPr/>
-        </p:nvSpPr>
-        <p:spPr>
-          <a:xfrm>
-            <a:off x="189470" y="691978"/>
-            <a:ext cx="1408671" cy="369332"/>
+          <p:cNvPr id="2" name="Rectangle 1">
+            <a:extLst>
+              <a:ext uri="{FF2B5EF4-FFF2-40B4-BE49-F238E27FC236}">
+                <a16:creationId xmlns:a16="http://schemas.microsoft.com/office/drawing/2014/main" id="{D97C19A2-9C97-42EE-B539-FA9FE4A3872D}"/>
+              </a:ext>
+            </a:extLst>
+          </p:cNvPr>
+          <p:cNvSpPr/>
+          <p:nvPr/>
+        </p:nvSpPr>
+        <p:spPr>
+          <a:xfrm>
+            <a:off x="4547962" y="522495"/>
+            <a:ext cx="6688450" cy="1833527"/>
           </a:xfrm>
           <a:prstGeom prst="rect">
-            <a:avLst/>
-          </a:prstGeom>
-          <a:noFill/>
-        </p:spPr>
-        <p:txBody>
-          <a:bodyPr wrap="square" rtlCol="0">
-            <a:spAutoFit/>
-          </a:bodyPr>
-          <a:lstStyle/>
-          <a:p>
-            <a:r>
-              <a:rPr lang="it-IT" dirty="0" err="1"/>
-              <a:t>Inputdevice</a:t>
-            </a:r>
-            <a:endParaRPr lang="it-IT" dirty="0"/>
-          </a:p>
-        </p:txBody>
-      </p:sp>
-      <p:sp>
-        <p:nvSpPr>
-          <p:cNvPr id="3" name="Hexagon 2">
-            <a:extLst>
-              <a:ext uri="{FF2B5EF4-FFF2-40B4-BE49-F238E27FC236}">
-                <a16:creationId xmlns:a16="http://schemas.microsoft.com/office/drawing/2014/main" id="{3AE19F1B-2816-4FFE-8711-AE1C5322844E}"/>
-              </a:ext>
-            </a:extLst>
-          </p:cNvPr>
-          <p:cNvSpPr/>
-          <p:nvPr/>
-        </p:nvSpPr>
-        <p:spPr>
-          <a:xfrm>
-            <a:off x="4028303" y="1441622"/>
-            <a:ext cx="1688756" cy="1598140"/>
-          </a:xfrm>
-          <a:prstGeom prst="hexagon">
             <a:avLst/>
           </a:prstGeom>
         </p:spPr>
@@ -8262,10 +9187,10 @@
       </p:sp>
       <p:sp>
         <p:nvSpPr>
-          <p:cNvPr id="6" name="TextBox 5">
-            <a:extLst>
-              <a:ext uri="{FF2B5EF4-FFF2-40B4-BE49-F238E27FC236}">
-                <a16:creationId xmlns:a16="http://schemas.microsoft.com/office/drawing/2014/main" id="{4B662597-AA68-4EC8-BCA5-66A95EBF6A4A}"/>
+          <p:cNvPr id="4" name="TextBox 3">
+            <a:extLst>
+              <a:ext uri="{FF2B5EF4-FFF2-40B4-BE49-F238E27FC236}">
+                <a16:creationId xmlns:a16="http://schemas.microsoft.com/office/drawing/2014/main" id="{3B2B81FD-C4CD-4F56-B932-9F57FCD06071}"/>
               </a:ext>
             </a:extLst>
           </p:cNvPr>
@@ -8274,8 +9199,8 @@
         </p:nvSpPr>
         <p:spPr>
           <a:xfrm>
-            <a:off x="6120714" y="1359243"/>
-            <a:ext cx="5058032" cy="2585323"/>
+            <a:off x="4547961" y="511415"/>
+            <a:ext cx="1029730" cy="369332"/>
           </a:xfrm>
           <a:prstGeom prst="rect">
             <a:avLst/>
@@ -8289,75 +9214,338 @@
           <a:lstStyle/>
           <a:p>
             <a:r>
-              <a:rPr lang="it-IT" dirty="0"/>
-              <a:t>Elemento 3d che mostra la posizione corrente dell’</a:t>
-            </a:r>
-            <a:r>
               <a:rPr lang="it-IT" dirty="0" err="1"/>
-              <a:t>inputdevice</a:t>
-            </a:r>
-            <a:r>
-              <a:rPr lang="it-IT" dirty="0"/>
-              <a:t>.</a:t>
-            </a:r>
-          </a:p>
-          <a:p>
-            <a:r>
-              <a:rPr lang="it-IT" dirty="0"/>
-              <a:t>Si interagisce muovendosi e grabbando con il tasto </a:t>
+              <a:t>Name</a:t>
+            </a:r>
+            <a:endParaRPr lang="it-IT" dirty="0"/>
+          </a:p>
+        </p:txBody>
+      </p:sp>
+      <p:sp>
+        <p:nvSpPr>
+          <p:cNvPr id="5" name="TextBox 4">
+            <a:extLst>
+              <a:ext uri="{FF2B5EF4-FFF2-40B4-BE49-F238E27FC236}">
+                <a16:creationId xmlns:a16="http://schemas.microsoft.com/office/drawing/2014/main" id="{DBA89207-94DF-4DF7-83F0-94CE19175391}"/>
+              </a:ext>
+            </a:extLst>
+          </p:cNvPr>
+          <p:cNvSpPr txBox="1"/>
+          <p:nvPr/>
+        </p:nvSpPr>
+        <p:spPr>
+          <a:xfrm>
+            <a:off x="4547960" y="1133372"/>
+            <a:ext cx="3319173" cy="923330"/>
+          </a:xfrm>
+          <a:prstGeom prst="rect">
+            <a:avLst/>
+          </a:prstGeom>
+          <a:noFill/>
+        </p:spPr>
+        <p:txBody>
+          <a:bodyPr wrap="square" rtlCol="0">
+            <a:spAutoFit/>
+          </a:bodyPr>
+          <a:lstStyle/>
+          <a:p>
+            <a:r>
+              <a:rPr lang="it-IT" dirty="0"/>
+              <a:t>[Valore]</a:t>
+            </a:r>
+          </a:p>
+          <a:p>
+            <a:br>
+              <a:rPr lang="it-IT" dirty="0"/>
+            </a:br>
+            <a:endParaRPr lang="it-IT" dirty="0"/>
+          </a:p>
+        </p:txBody>
+      </p:sp>
+      <p:sp>
+        <p:nvSpPr>
+          <p:cNvPr id="11" name="TextBox 10">
+            <a:extLst>
+              <a:ext uri="{FF2B5EF4-FFF2-40B4-BE49-F238E27FC236}">
+                <a16:creationId xmlns:a16="http://schemas.microsoft.com/office/drawing/2014/main" id="{561D104B-165F-4699-91F4-CCEB1E9A32F3}"/>
+              </a:ext>
+            </a:extLst>
+          </p:cNvPr>
+          <p:cNvSpPr txBox="1"/>
+          <p:nvPr/>
+        </p:nvSpPr>
+        <p:spPr>
+          <a:xfrm>
+            <a:off x="189470" y="691978"/>
+            <a:ext cx="1408671" cy="369332"/>
+          </a:xfrm>
+          <a:prstGeom prst="rect">
+            <a:avLst/>
+          </a:prstGeom>
+          <a:noFill/>
+        </p:spPr>
+        <p:txBody>
+          <a:bodyPr wrap="square" rtlCol="0">
+            <a:spAutoFit/>
+          </a:bodyPr>
+          <a:lstStyle/>
+          <a:p>
+            <a:r>
+              <a:rPr lang="it-IT" dirty="0"/>
+              <a:t>Timer</a:t>
+            </a:r>
+          </a:p>
+        </p:txBody>
+      </p:sp>
+      <p:sp>
+        <p:nvSpPr>
+          <p:cNvPr id="29" name="TextBox 28">
+            <a:extLst>
+              <a:ext uri="{FF2B5EF4-FFF2-40B4-BE49-F238E27FC236}">
+                <a16:creationId xmlns:a16="http://schemas.microsoft.com/office/drawing/2014/main" id="{4727A32A-1202-4656-89E0-B10347F15C00}"/>
+              </a:ext>
+            </a:extLst>
+          </p:cNvPr>
+          <p:cNvSpPr txBox="1"/>
+          <p:nvPr/>
+        </p:nvSpPr>
+        <p:spPr>
+          <a:xfrm>
+            <a:off x="6722041" y="701620"/>
+            <a:ext cx="4053051" cy="369332"/>
+          </a:xfrm>
+          <a:prstGeom prst="rect">
+            <a:avLst/>
+          </a:prstGeom>
+          <a:noFill/>
+        </p:spPr>
+        <p:txBody>
+          <a:bodyPr wrap="square" rtlCol="0">
+            <a:spAutoFit/>
+          </a:bodyPr>
+          <a:lstStyle/>
+          <a:p>
+            <a:r>
+              <a:rPr lang="it-IT" dirty="0"/>
+              <a:t>La finestra si </a:t>
             </a:r>
             <a:r>
               <a:rPr lang="it-IT" dirty="0" err="1"/>
-              <a:t>grab</a:t>
-            </a:r>
-            <a:r>
-              <a:rPr lang="it-IT" dirty="0"/>
-              <a:t> oppure </a:t>
+              <a:t>puo’</a:t>
+            </a:r>
+            <a:r>
+              <a:rPr lang="it-IT" dirty="0"/>
+              <a:t> muovere trascinandola</a:t>
+            </a:r>
+          </a:p>
+        </p:txBody>
+      </p:sp>
+      <p:sp>
+        <p:nvSpPr>
+          <p:cNvPr id="27" name="TextBox 26">
+            <a:extLst>
+              <a:ext uri="{FF2B5EF4-FFF2-40B4-BE49-F238E27FC236}">
+                <a16:creationId xmlns:a16="http://schemas.microsoft.com/office/drawing/2014/main" id="{25ABF39B-82FC-4074-9B77-F441F843120A}"/>
+              </a:ext>
+            </a:extLst>
+          </p:cNvPr>
+          <p:cNvSpPr txBox="1"/>
+          <p:nvPr/>
+        </p:nvSpPr>
+        <p:spPr>
+          <a:xfrm>
+            <a:off x="6722041" y="701620"/>
+            <a:ext cx="4053051" cy="646331"/>
+          </a:xfrm>
+          <a:prstGeom prst="rect">
+            <a:avLst/>
+          </a:prstGeom>
+          <a:noFill/>
+        </p:spPr>
+        <p:txBody>
+          <a:bodyPr wrap="square" rtlCol="0">
+            <a:spAutoFit/>
+          </a:bodyPr>
+          <a:lstStyle/>
+          <a:p>
+            <a:r>
+              <a:rPr lang="it-IT" dirty="0"/>
+              <a:t>La finestra si </a:t>
             </a:r>
             <a:r>
               <a:rPr lang="it-IT" dirty="0" err="1"/>
-              <a:t>ciclando</a:t>
-            </a:r>
-            <a:r>
-              <a:rPr lang="it-IT" dirty="0"/>
-              <a:t> tra i raggi (blu, rosso, niente) con A o X e selezionando con il trigger.</a:t>
-            </a:r>
+              <a:t>puo’</a:t>
+            </a:r>
+            <a:r>
+              <a:rPr lang="it-IT" dirty="0"/>
+              <a:t> muovere trascinandola</a:t>
+            </a:r>
+          </a:p>
+          <a:p>
+            <a:r>
+              <a:rPr lang="it-IT" dirty="0"/>
+              <a:t>Si chiude con il raggio rosso</a:t>
+            </a:r>
+          </a:p>
+        </p:txBody>
+      </p:sp>
+      <p:sp>
+        <p:nvSpPr>
+          <p:cNvPr id="8" name="Rectangle 7">
+            <a:extLst>
+              <a:ext uri="{FF2B5EF4-FFF2-40B4-BE49-F238E27FC236}">
+                <a16:creationId xmlns:a16="http://schemas.microsoft.com/office/drawing/2014/main" id="{8D47DBFF-BAAE-4AAD-AFF1-9CB7029CBB5F}"/>
+              </a:ext>
+            </a:extLst>
+          </p:cNvPr>
+          <p:cNvSpPr/>
+          <p:nvPr/>
+        </p:nvSpPr>
+        <p:spPr>
+          <a:xfrm>
+            <a:off x="1537032" y="3689945"/>
+            <a:ext cx="3010927" cy="1217336"/>
+          </a:xfrm>
+          <a:prstGeom prst="rect">
+            <a:avLst/>
+          </a:prstGeom>
+          <a:solidFill>
+            <a:schemeClr val="bg1"/>
+          </a:solidFill>
+          <a:ln>
+            <a:solidFill>
+              <a:schemeClr val="tx1"/>
+            </a:solidFill>
+          </a:ln>
+        </p:spPr>
+        <p:style>
+          <a:lnRef idx="2">
+            <a:schemeClr val="accent1">
+              <a:shade val="50000"/>
+            </a:schemeClr>
+          </a:lnRef>
+          <a:fillRef idx="1">
+            <a:schemeClr val="accent1"/>
+          </a:fillRef>
+          <a:effectRef idx="0">
+            <a:schemeClr val="accent1"/>
+          </a:effectRef>
+          <a:fontRef idx="minor">
+            <a:schemeClr val="lt1"/>
+          </a:fontRef>
+        </p:style>
+        <p:txBody>
+          <a:bodyPr rtlCol="0" anchor="ctr"/>
+          <a:lstStyle/>
+          <a:p>
+            <a:pPr algn="ctr"/>
+            <a:endParaRPr lang="it-IT"/>
+          </a:p>
+        </p:txBody>
+      </p:sp>
+      <p:sp>
+        <p:nvSpPr>
+          <p:cNvPr id="9" name="Rectangle 8">
+            <a:extLst>
+              <a:ext uri="{FF2B5EF4-FFF2-40B4-BE49-F238E27FC236}">
+                <a16:creationId xmlns:a16="http://schemas.microsoft.com/office/drawing/2014/main" id="{20D15BF9-3359-4F36-BEDA-C6E0E06435E9}"/>
+              </a:ext>
+            </a:extLst>
+          </p:cNvPr>
+          <p:cNvSpPr/>
+          <p:nvPr/>
+        </p:nvSpPr>
+        <p:spPr>
+          <a:xfrm>
+            <a:off x="1537032" y="3689944"/>
+            <a:ext cx="3010927" cy="321884"/>
+          </a:xfrm>
+          <a:prstGeom prst="rect">
+            <a:avLst/>
+          </a:prstGeom>
+          <a:solidFill>
+            <a:srgbClr val="002060"/>
+          </a:solidFill>
+          <a:ln>
+            <a:solidFill>
+              <a:schemeClr val="bg1"/>
+            </a:solidFill>
+          </a:ln>
+        </p:spPr>
+        <p:style>
+          <a:lnRef idx="2">
+            <a:schemeClr val="accent1">
+              <a:shade val="50000"/>
+            </a:schemeClr>
+          </a:lnRef>
+          <a:fillRef idx="1">
+            <a:schemeClr val="accent1"/>
+          </a:fillRef>
+          <a:effectRef idx="0">
+            <a:schemeClr val="accent1"/>
+          </a:effectRef>
+          <a:fontRef idx="minor">
+            <a:schemeClr val="lt1"/>
+          </a:fontRef>
+        </p:style>
+        <p:txBody>
+          <a:bodyPr rtlCol="0" anchor="ctr"/>
+          <a:lstStyle/>
+          <a:p>
+            <a:pPr algn="ctr"/>
+            <a:r>
+              <a:rPr lang="it-IT" dirty="0"/>
+              <a:t>Timer</a:t>
+            </a:r>
+          </a:p>
+        </p:txBody>
+      </p:sp>
+      <p:sp>
+        <p:nvSpPr>
+          <p:cNvPr id="10" name="TextBox 9">
+            <a:extLst>
+              <a:ext uri="{FF2B5EF4-FFF2-40B4-BE49-F238E27FC236}">
+                <a16:creationId xmlns:a16="http://schemas.microsoft.com/office/drawing/2014/main" id="{5BF15325-7F95-4A64-A4ED-AE13DD2292EF}"/>
+              </a:ext>
+            </a:extLst>
+          </p:cNvPr>
+          <p:cNvSpPr txBox="1"/>
+          <p:nvPr/>
+        </p:nvSpPr>
+        <p:spPr>
+          <a:xfrm>
+            <a:off x="1537033" y="4011828"/>
+            <a:ext cx="3010926" cy="1477328"/>
+          </a:xfrm>
+          <a:prstGeom prst="rect">
+            <a:avLst/>
+          </a:prstGeom>
+          <a:noFill/>
+        </p:spPr>
+        <p:txBody>
+          <a:bodyPr wrap="square" rtlCol="0">
+            <a:spAutoFit/>
+          </a:bodyPr>
+          <a:lstStyle/>
+          <a:p>
+            <a:pPr algn="ctr"/>
+            <a:r>
+              <a:rPr lang="it-IT" sz="5400" dirty="0"/>
+              <a:t>3.00</a:t>
+            </a:r>
+          </a:p>
+          <a:p>
             <a:br>
               <a:rPr lang="it-IT" dirty="0"/>
             </a:br>
-            <a:r>
-              <a:rPr lang="it-IT" dirty="0"/>
-              <a:t>Ci si </a:t>
-            </a:r>
-            <a:r>
-              <a:rPr lang="it-IT" dirty="0" err="1"/>
-              <a:t>teletrasporta</a:t>
-            </a:r>
-            <a:r>
-              <a:rPr lang="it-IT" dirty="0"/>
-              <a:t> con B o Y (tieni premuto, mira, rilascia).</a:t>
-            </a:r>
-          </a:p>
-          <a:p>
-            <a:r>
-              <a:rPr lang="it-IT" dirty="0"/>
-              <a:t>Premendo l’analogico, si tira fuori la tastiera (per </a:t>
-            </a:r>
-            <a:r>
-              <a:rPr lang="it-IT" dirty="0" err="1"/>
-              <a:t>semplicita’</a:t>
-            </a:r>
-            <a:r>
-              <a:rPr lang="it-IT" dirty="0"/>
-              <a:t>, solo una).</a:t>
-            </a:r>
+            <a:endParaRPr lang="it-IT" dirty="0"/>
           </a:p>
         </p:txBody>
       </p:sp>
     </p:spTree>
     <p:extLst>
       <p:ext uri="{BB962C8B-B14F-4D97-AF65-F5344CB8AC3E}">
-        <p14:creationId xmlns:p14="http://schemas.microsoft.com/office/powerpoint/2010/main" val="4254138898"/>
+        <p14:creationId xmlns:p14="http://schemas.microsoft.com/office/powerpoint/2010/main" val="748112686"/>
       </p:ext>
     </p:extLst>
   </p:cSld>
